--- a/PPT FWD TNSDC 2025.pptx
+++ b/PPT FWD TNSDC 2025.pptx
@@ -70,24 +70,25 @@
             <a:noAutofit/>
           </a:bodyPr>
           <a:p>
-            <a:r>
-              <a:rPr b="0" lang="en-US" sz="1800" strike="noStrike" u="none">
-                <a:solidFill>
-                  <a:schemeClr val="dk1"/>
-                </a:solidFill>
-                <a:effectLst/>
-                <a:uFillTx/>
-                <a:latin typeface="Calibri"/>
+            <a:pPr algn="ctr"/>
+            <a:r>
+              <a:rPr b="0" lang="en-IN" sz="4400" strike="noStrike" u="none">
+                <a:solidFill>
+                  <a:srgbClr val="000000"/>
+                </a:solidFill>
+                <a:effectLst/>
+                <a:uFillTx/>
+                <a:latin typeface="Arial"/>
               </a:rPr>
               <a:t>Click to move the slide</a:t>
             </a:r>
-            <a:endParaRPr b="0" lang="en-US" sz="1800" strike="noStrike" u="none">
-              <a:solidFill>
-                <a:schemeClr val="dk1"/>
-              </a:solidFill>
-              <a:effectLst/>
-              <a:uFillTx/>
-              <a:latin typeface="Calibri"/>
+            <a:endParaRPr b="0" lang="en-IN" sz="4400" strike="noStrike" u="none">
+              <a:solidFill>
+                <a:srgbClr val="000000"/>
+              </a:solidFill>
+              <a:effectLst/>
+              <a:uFillTx/>
+              <a:latin typeface="Arial"/>
             </a:endParaRPr>
           </a:p>
         </p:txBody>
@@ -185,7 +186,7 @@
                 <a:uFillTx/>
                 <a:latin typeface="Times New Roman"/>
               </a:rPr>
-              <a:t> </a:t>
+              <a:t>&lt;header&gt;</a:t>
             </a:r>
             <a:endParaRPr b="0" lang="en-IN" sz="1400" strike="noStrike" u="none">
               <a:solidFill>
@@ -251,7 +252,7 @@
                 <a:uFillTx/>
                 <a:latin typeface="Times New Roman"/>
               </a:rPr>
-              <a:t> </a:t>
+              <a:t>&lt;date/time&gt;</a:t>
             </a:r>
             <a:endParaRPr b="0" lang="en-IN" sz="1400" strike="noStrike" u="none">
               <a:solidFill>
@@ -374,7 +375,7 @@
             <a:pPr indent="0" algn="r">
               <a:buNone/>
             </a:pPr>
-            <a:fld id="{F4CC9907-DC8C-40F7-ACE1-5EE942B4E6F3}" type="slidenum">
+            <a:fld id="{9D910B33-18EE-46FC-9AE4-CC8DC4754011}" type="slidenum">
               <a:rPr b="0" lang="en-IN" sz="1400" strike="noStrike" u="none">
                 <a:solidFill>
                   <a:srgbClr val="000000"/>
@@ -432,7 +433,7 @@
         <p:spPr>
           <a:xfrm>
             <a:off x="4038480" y="857160"/>
-            <a:ext cx="4114440" cy="2314080"/>
+            <a:ext cx="4114080" cy="2313720"/>
           </a:xfrm>
           <a:prstGeom prst="rect">
             <a:avLst/>
@@ -455,7 +456,7 @@
         <p:spPr>
           <a:xfrm>
             <a:off x="1219320" y="3300480"/>
-            <a:ext cx="9753120" cy="2700000"/>
+            <a:ext cx="9752760" cy="2699640"/>
           </a:xfrm>
           <a:prstGeom prst="rect">
             <a:avLst/>
@@ -497,7 +498,7 @@
         <p:spPr>
           <a:xfrm>
             <a:off x="6905520" y="6513480"/>
-            <a:ext cx="5283000" cy="344160"/>
+            <a:ext cx="5282640" cy="343800"/>
           </a:xfrm>
           <a:prstGeom prst="rect">
             <a:avLst/>
@@ -517,6 +518,9 @@
                 <a:spcPct val="100000"/>
               </a:lnSpc>
               <a:buNone/>
+              <a:tabLst>
+                <a:tab algn="l" pos="0"/>
+              </a:tabLst>
               <a:defRPr b="0" lang="en-IN" sz="1200" strike="noStrike" u="none">
                 <a:solidFill>
                   <a:srgbClr val="000000"/>
@@ -533,8 +537,11 @@
                 <a:spcPct val="100000"/>
               </a:lnSpc>
               <a:buNone/>
-            </a:pPr>
-            <a:fld id="{D55E939D-47D4-4C05-A80B-BE8DEBC362C2}" type="slidenum">
+              <a:tabLst>
+                <a:tab algn="l" pos="0"/>
+              </a:tabLst>
+            </a:pPr>
+            <a:fld id="{A671C246-85A7-4E69-8210-27C377DCF483}" type="slidenum">
               <a:rPr b="0" lang="en-IN" sz="1200" strike="noStrike" u="none">
                 <a:solidFill>
                   <a:srgbClr val="000000"/>
@@ -594,15 +601,15 @@
         <p:spPr>
           <a:xfrm>
             <a:off x="9377280" y="4680"/>
-            <a:ext cx="1218240" cy="6853320"/>
+            <a:ext cx="1217880" cy="6852960"/>
           </a:xfrm>
           <a:custGeom>
             <a:avLst/>
             <a:gdLst>
-              <a:gd name="textAreaLeft" fmla="*/ 0 w 1218240"/>
-              <a:gd name="textAreaRight" fmla="*/ 1218600 w 1218240"/>
-              <a:gd name="textAreaTop" fmla="*/ 0 h 6853320"/>
-              <a:gd name="textAreaBottom" fmla="*/ 6853680 h 6853320"/>
+              <a:gd name="textAreaLeft" fmla="*/ 0 w 1217880"/>
+              <a:gd name="textAreaRight" fmla="*/ 1218600 w 1217880"/>
+              <a:gd name="textAreaTop" fmla="*/ 0 h 6852960"/>
+              <a:gd name="textAreaBottom" fmla="*/ 6853680 h 6852960"/>
             </a:gdLst>
             <a:ahLst/>
             <a:cxnLst/>
@@ -662,15 +669,15 @@
         <p:spPr>
           <a:xfrm>
             <a:off x="7448760" y="3695040"/>
-            <a:ext cx="4743000" cy="3163320"/>
+            <a:ext cx="4742640" cy="3162960"/>
           </a:xfrm>
           <a:custGeom>
             <a:avLst/>
             <a:gdLst>
-              <a:gd name="textAreaLeft" fmla="*/ 0 w 4743000"/>
-              <a:gd name="textAreaRight" fmla="*/ 4743360 w 4743000"/>
-              <a:gd name="textAreaTop" fmla="*/ 0 h 3163320"/>
-              <a:gd name="textAreaBottom" fmla="*/ 3163680 h 3163320"/>
+              <a:gd name="textAreaLeft" fmla="*/ 0 w 4742640"/>
+              <a:gd name="textAreaRight" fmla="*/ 4743360 w 4742640"/>
+              <a:gd name="textAreaTop" fmla="*/ 0 h 3162960"/>
+              <a:gd name="textAreaBottom" fmla="*/ 3163680 h 3162960"/>
             </a:gdLst>
             <a:ahLst/>
             <a:cxnLst/>
@@ -730,15 +737,15 @@
         <p:spPr>
           <a:xfrm>
             <a:off x="9182160" y="0"/>
-            <a:ext cx="3009600" cy="6857640"/>
+            <a:ext cx="3009240" cy="6857280"/>
           </a:xfrm>
           <a:custGeom>
             <a:avLst/>
             <a:gdLst>
-              <a:gd name="textAreaLeft" fmla="*/ 0 w 3009600"/>
-              <a:gd name="textAreaRight" fmla="*/ 3009960 w 3009600"/>
-              <a:gd name="textAreaTop" fmla="*/ 0 h 6857640"/>
-              <a:gd name="textAreaBottom" fmla="*/ 6858000 h 6857640"/>
+              <a:gd name="textAreaLeft" fmla="*/ 0 w 3009240"/>
+              <a:gd name="textAreaRight" fmla="*/ 3009960 w 3009240"/>
+              <a:gd name="textAreaTop" fmla="*/ 0 h 6857280"/>
+              <a:gd name="textAreaBottom" fmla="*/ 6858000 h 6857280"/>
             </a:gdLst>
             <a:ahLst/>
             <a:cxnLst/>
@@ -809,15 +816,15 @@
         <p:spPr>
           <a:xfrm>
             <a:off x="9603000" y="0"/>
-            <a:ext cx="2589120" cy="6857640"/>
+            <a:ext cx="2588760" cy="6857280"/>
           </a:xfrm>
           <a:custGeom>
             <a:avLst/>
             <a:gdLst>
-              <a:gd name="textAreaLeft" fmla="*/ 0 w 2589120"/>
-              <a:gd name="textAreaRight" fmla="*/ 2589480 w 2589120"/>
-              <a:gd name="textAreaTop" fmla="*/ 0 h 6857640"/>
-              <a:gd name="textAreaBottom" fmla="*/ 6858000 h 6857640"/>
+              <a:gd name="textAreaLeft" fmla="*/ 0 w 2588760"/>
+              <a:gd name="textAreaRight" fmla="*/ 2589480 w 2588760"/>
+              <a:gd name="textAreaTop" fmla="*/ 0 h 6857280"/>
+              <a:gd name="textAreaBottom" fmla="*/ 6858000 h 6857280"/>
             </a:gdLst>
             <a:ahLst/>
             <a:cxnLst/>
@@ -888,15 +895,15 @@
         <p:spPr>
           <a:xfrm>
             <a:off x="8934480" y="3048120"/>
-            <a:ext cx="3257280" cy="3809520"/>
+            <a:ext cx="3256920" cy="3809160"/>
           </a:xfrm>
           <a:custGeom>
             <a:avLst/>
             <a:gdLst>
-              <a:gd name="textAreaLeft" fmla="*/ 0 w 3257280"/>
-              <a:gd name="textAreaRight" fmla="*/ 3257640 w 3257280"/>
-              <a:gd name="textAreaTop" fmla="*/ 0 h 3809520"/>
-              <a:gd name="textAreaBottom" fmla="*/ 3809880 h 3809520"/>
+              <a:gd name="textAreaLeft" fmla="*/ 0 w 3256920"/>
+              <a:gd name="textAreaRight" fmla="*/ 3257640 w 3256920"/>
+              <a:gd name="textAreaTop" fmla="*/ 0 h 3809160"/>
+              <a:gd name="textAreaBottom" fmla="*/ 3809880 h 3809160"/>
             </a:gdLst>
             <a:ahLst/>
             <a:cxnLst/>
@@ -964,15 +971,15 @@
         <p:spPr>
           <a:xfrm>
             <a:off x="9338040" y="0"/>
-            <a:ext cx="2854080" cy="6857640"/>
+            <a:ext cx="2853720" cy="6857280"/>
           </a:xfrm>
           <a:custGeom>
             <a:avLst/>
             <a:gdLst>
-              <a:gd name="textAreaLeft" fmla="*/ 0 w 2854080"/>
-              <a:gd name="textAreaRight" fmla="*/ 2854440 w 2854080"/>
-              <a:gd name="textAreaTop" fmla="*/ 0 h 6857640"/>
-              <a:gd name="textAreaBottom" fmla="*/ 6858000 h 6857640"/>
+              <a:gd name="textAreaLeft" fmla="*/ 0 w 2853720"/>
+              <a:gd name="textAreaRight" fmla="*/ 2854440 w 2853720"/>
+              <a:gd name="textAreaTop" fmla="*/ 0 h 6857280"/>
+              <a:gd name="textAreaBottom" fmla="*/ 6858000 h 6857280"/>
             </a:gdLst>
             <a:ahLst/>
             <a:cxnLst/>
@@ -1043,15 +1050,15 @@
         <p:spPr>
           <a:xfrm>
             <a:off x="10896480" y="0"/>
-            <a:ext cx="1294920" cy="6857640"/>
+            <a:ext cx="1294560" cy="6857280"/>
           </a:xfrm>
           <a:custGeom>
             <a:avLst/>
             <a:gdLst>
-              <a:gd name="textAreaLeft" fmla="*/ 0 w 1294920"/>
-              <a:gd name="textAreaRight" fmla="*/ 1295280 w 1294920"/>
-              <a:gd name="textAreaTop" fmla="*/ 0 h 6857640"/>
-              <a:gd name="textAreaBottom" fmla="*/ 6858000 h 6857640"/>
+              <a:gd name="textAreaLeft" fmla="*/ 0 w 1294560"/>
+              <a:gd name="textAreaRight" fmla="*/ 1295280 w 1294560"/>
+              <a:gd name="textAreaTop" fmla="*/ 0 h 6857280"/>
+              <a:gd name="textAreaBottom" fmla="*/ 6858000 h 6857280"/>
             </a:gdLst>
             <a:ahLst/>
             <a:cxnLst/>
@@ -1122,15 +1129,15 @@
         <p:spPr>
           <a:xfrm>
             <a:off x="10936080" y="0"/>
-            <a:ext cx="1255680" cy="6857640"/>
+            <a:ext cx="1255320" cy="6857280"/>
           </a:xfrm>
           <a:custGeom>
             <a:avLst/>
             <a:gdLst>
-              <a:gd name="textAreaLeft" fmla="*/ 0 w 1255680"/>
-              <a:gd name="textAreaRight" fmla="*/ 1256040 w 1255680"/>
-              <a:gd name="textAreaTop" fmla="*/ 0 h 6857640"/>
-              <a:gd name="textAreaBottom" fmla="*/ 6858000 h 6857640"/>
+              <a:gd name="textAreaLeft" fmla="*/ 0 w 1255320"/>
+              <a:gd name="textAreaRight" fmla="*/ 1256040 w 1255320"/>
+              <a:gd name="textAreaTop" fmla="*/ 0 h 6857280"/>
+              <a:gd name="textAreaBottom" fmla="*/ 6858000 h 6857280"/>
             </a:gdLst>
             <a:ahLst/>
             <a:cxnLst/>
@@ -1201,15 +1208,15 @@
         <p:spPr>
           <a:xfrm>
             <a:off x="10372680" y="3591000"/>
-            <a:ext cx="1819080" cy="3266640"/>
+            <a:ext cx="1818720" cy="3266280"/>
           </a:xfrm>
           <a:custGeom>
             <a:avLst/>
             <a:gdLst>
-              <a:gd name="textAreaLeft" fmla="*/ 0 w 1819080"/>
-              <a:gd name="textAreaRight" fmla="*/ 1819440 w 1819080"/>
-              <a:gd name="textAreaTop" fmla="*/ 0 h 3266640"/>
-              <a:gd name="textAreaBottom" fmla="*/ 3267000 h 3266640"/>
+              <a:gd name="textAreaLeft" fmla="*/ 0 w 1818720"/>
+              <a:gd name="textAreaRight" fmla="*/ 1819440 w 1818720"/>
+              <a:gd name="textAreaTop" fmla="*/ 0 h 3266280"/>
+              <a:gd name="textAreaBottom" fmla="*/ 3267000 h 3266280"/>
             </a:gdLst>
             <a:ahLst/>
             <a:cxnLst/>
@@ -1277,15 +1284,15 @@
         <p:spPr>
           <a:xfrm>
             <a:off x="0" y="4010040"/>
-            <a:ext cx="447480" cy="2847600"/>
+            <a:ext cx="447120" cy="2847240"/>
           </a:xfrm>
           <a:custGeom>
             <a:avLst/>
             <a:gdLst>
-              <a:gd name="textAreaLeft" fmla="*/ 0 w 447480"/>
-              <a:gd name="textAreaRight" fmla="*/ 447840 w 447480"/>
-              <a:gd name="textAreaTop" fmla="*/ 0 h 2847600"/>
-              <a:gd name="textAreaBottom" fmla="*/ 2847960 h 2847600"/>
+              <a:gd name="textAreaLeft" fmla="*/ 0 w 447120"/>
+              <a:gd name="textAreaRight" fmla="*/ 447840 w 447120"/>
+              <a:gd name="textAreaTop" fmla="*/ 0 h 2847240"/>
+              <a:gd name="textAreaBottom" fmla="*/ 2847960 h 2847240"/>
             </a:gdLst>
             <a:ahLst/>
             <a:cxnLst/>
@@ -1357,7 +1364,7 @@
         <p:spPr>
           <a:xfrm>
             <a:off x="3195720" y="2067480"/>
-            <a:ext cx="5800320" cy="975960"/>
+            <a:ext cx="5799960" cy="274680"/>
           </a:xfrm>
           <a:prstGeom prst="rect">
             <a:avLst/>
@@ -1373,7 +1380,13 @@
           </a:bodyPr>
           <a:p>
             <a:pPr indent="0">
+              <a:lnSpc>
+                <a:spcPct val="100000"/>
+              </a:lnSpc>
               <a:buNone/>
+              <a:tabLst>
+                <a:tab algn="l" pos="0"/>
+              </a:tabLst>
             </a:pPr>
             <a:r>
               <a:rPr b="0" lang="en-US" sz="3200" strike="noStrike" u="none">
@@ -1384,26 +1397,15 @@
                 <a:uFillTx/>
                 <a:latin typeface="Calibri"/>
               </a:rPr>
-              <a:t>Click to edit the title </a:t>
-            </a:r>
-            <a:r>
-              <a:rPr b="0" lang="en-US" sz="3200" strike="noStrike" u="none">
-                <a:solidFill>
-                  <a:schemeClr val="dk1"/>
-                </a:solidFill>
-                <a:effectLst/>
-                <a:uFillTx/>
-                <a:latin typeface="Calibri"/>
-              </a:rPr>
-              <a:t>text format</a:t>
-            </a:r>
-            <a:endParaRPr b="0" lang="en-US" sz="3200" strike="noStrike" u="none">
-              <a:solidFill>
-                <a:schemeClr val="dk1"/>
-              </a:solidFill>
-              <a:effectLst/>
-              <a:uFillTx/>
-              <a:latin typeface="Calibri"/>
+              <a:t>Click to edit the title text format</a:t>
+            </a:r>
+            <a:endParaRPr b="0" lang="en-IN" sz="3200" strike="noStrike" u="none">
+              <a:solidFill>
+                <a:srgbClr val="000000"/>
+              </a:solidFill>
+              <a:effectLst/>
+              <a:uFillTx/>
+              <a:latin typeface="Arial"/>
             </a:endParaRPr>
           </a:p>
         </p:txBody>
@@ -1421,7 +1423,7 @@
         <p:spPr>
           <a:xfrm>
             <a:off x="4145400" y="6378120"/>
-            <a:ext cx="3900960" cy="342720"/>
+            <a:ext cx="3900600" cy="342360"/>
           </a:xfrm>
           <a:prstGeom prst="rect">
             <a:avLst/>
@@ -1437,7 +1439,13 @@
           </a:bodyPr>
           <a:lstStyle>
             <a:lvl1pPr indent="0" algn="ctr">
+              <a:lnSpc>
+                <a:spcPct val="100000"/>
+              </a:lnSpc>
               <a:buNone/>
+              <a:tabLst>
+                <a:tab algn="l" pos="0"/>
+              </a:tabLst>
               <a:defRPr b="0" lang="en-IN" sz="1400" strike="noStrike" u="none">
                 <a:solidFill>
                   <a:srgbClr val="000000"/>
@@ -1450,7 +1458,13 @@
           </a:lstStyle>
           <a:p>
             <a:pPr indent="0" algn="ctr">
+              <a:lnSpc>
+                <a:spcPct val="100000"/>
+              </a:lnSpc>
               <a:buNone/>
+              <a:tabLst>
+                <a:tab algn="l" pos="0"/>
+              </a:tabLst>
             </a:pPr>
             <a:r>
               <a:rPr b="0" lang="en-IN" sz="1400" strike="noStrike" u="none">
@@ -1487,7 +1501,7 @@
         <p:spPr>
           <a:xfrm>
             <a:off x="609480" y="6378120"/>
-            <a:ext cx="2803680" cy="342720"/>
+            <a:ext cx="2803320" cy="342360"/>
           </a:xfrm>
           <a:prstGeom prst="rect">
             <a:avLst/>
@@ -1507,6 +1521,9 @@
                 <a:spcPct val="100000"/>
               </a:lnSpc>
               <a:buNone/>
+              <a:tabLst>
+                <a:tab algn="l" pos="0"/>
+              </a:tabLst>
               <a:defRPr b="0" lang="en-US" sz="1800" strike="noStrike" u="none">
                 <a:solidFill>
                   <a:schemeClr val="dk1">
@@ -1525,6 +1542,9 @@
                 <a:spcPct val="100000"/>
               </a:lnSpc>
               <a:buNone/>
+              <a:tabLst>
+                <a:tab algn="l" pos="0"/>
+              </a:tabLst>
             </a:pPr>
             <a:r>
               <a:rPr b="0" lang="en-US" sz="1800" strike="noStrike" u="none">
@@ -1563,7 +1583,7 @@
         <p:spPr>
           <a:xfrm>
             <a:off x="11353320" y="6473160"/>
-            <a:ext cx="150840" cy="191520"/>
+            <a:ext cx="150480" cy="191160"/>
           </a:xfrm>
           <a:prstGeom prst="rect">
             <a:avLst/>
@@ -1586,6 +1606,9 @@
                 <a:spcPts val="54"/>
               </a:spcBef>
               <a:buNone/>
+              <a:tabLst>
+                <a:tab algn="l" pos="0"/>
+              </a:tabLst>
               <a:defRPr b="0" lang="en-US" sz="1100" spc="11" strike="noStrike" u="none">
                 <a:solidFill>
                   <a:srgbClr val="2d936b"/>
@@ -1605,8 +1628,11 @@
                 <a:spcPts val="54"/>
               </a:spcBef>
               <a:buNone/>
-            </a:pPr>
-            <a:fld id="{5E16277E-75E5-47ED-A613-530EF7A3F776}" type="slidenum">
+              <a:tabLst>
+                <a:tab algn="l" pos="0"/>
+              </a:tabLst>
+            </a:pPr>
+            <a:fld id="{267D6D09-A821-4822-A10A-2754D913859D}" type="slidenum">
               <a:rPr b="0" lang="en-US" sz="1100" spc="11" strike="noStrike" u="none">
                 <a:solidFill>
                   <a:srgbClr val="2d936b"/>
@@ -1641,7 +1667,7 @@
         <p:spPr>
           <a:xfrm>
             <a:off x="609480" y="1604520"/>
-            <a:ext cx="10972440" cy="3977280"/>
+            <a:ext cx="10972080" cy="3976920"/>
           </a:xfrm>
           <a:prstGeom prst="rect">
             <a:avLst/>
@@ -1657,6 +1683,9 @@
           </a:bodyPr>
           <a:p>
             <a:pPr marL="432000" indent="-324000">
+              <a:lnSpc>
+                <a:spcPct val="100000"/>
+              </a:lnSpc>
               <a:spcBef>
                 <a:spcPts val="1417"/>
               </a:spcBef>
@@ -1678,17 +1707,20 @@
               </a:rPr>
               <a:t>Click to edit the outline text format</a:t>
             </a:r>
-            <a:endParaRPr b="0" lang="en-US" sz="1800" strike="noStrike" u="none">
-              <a:solidFill>
-                <a:schemeClr val="dk1"/>
-              </a:solidFill>
-              <a:effectLst/>
-              <a:uFillTx/>
-              <a:latin typeface="Calibri"/>
+            <a:endParaRPr b="0" lang="en-IN" sz="1800" strike="noStrike" u="none">
+              <a:solidFill>
+                <a:srgbClr val="000000"/>
+              </a:solidFill>
+              <a:effectLst/>
+              <a:uFillTx/>
+              <a:latin typeface="Arial"/>
             </a:endParaRPr>
           </a:p>
           <a:p>
             <a:pPr lvl="1" marL="864000" indent="-324000">
+              <a:lnSpc>
+                <a:spcPct val="100000"/>
+              </a:lnSpc>
               <a:spcBef>
                 <a:spcPts val="1134"/>
               </a:spcBef>
@@ -1710,17 +1742,20 @@
               </a:rPr>
               <a:t>Second Outline Level</a:t>
             </a:r>
-            <a:endParaRPr b="0" lang="en-US" sz="1800" strike="noStrike" u="none">
-              <a:solidFill>
-                <a:schemeClr val="dk1"/>
-              </a:solidFill>
-              <a:effectLst/>
-              <a:uFillTx/>
-              <a:latin typeface="Calibri"/>
+            <a:endParaRPr b="0" lang="en-IN" sz="1800" strike="noStrike" u="none">
+              <a:solidFill>
+                <a:srgbClr val="000000"/>
+              </a:solidFill>
+              <a:effectLst/>
+              <a:uFillTx/>
+              <a:latin typeface="Arial"/>
             </a:endParaRPr>
           </a:p>
           <a:p>
             <a:pPr lvl="2" marL="1296000" indent="-288000">
+              <a:lnSpc>
+                <a:spcPct val="100000"/>
+              </a:lnSpc>
               <a:spcBef>
                 <a:spcPts val="850"/>
               </a:spcBef>
@@ -1742,17 +1777,20 @@
               </a:rPr>
               <a:t>Third Outline Level</a:t>
             </a:r>
-            <a:endParaRPr b="0" lang="en-US" sz="1800" strike="noStrike" u="none">
-              <a:solidFill>
-                <a:schemeClr val="dk1"/>
-              </a:solidFill>
-              <a:effectLst/>
-              <a:uFillTx/>
-              <a:latin typeface="Calibri"/>
+            <a:endParaRPr b="0" lang="en-IN" sz="1800" strike="noStrike" u="none">
+              <a:solidFill>
+                <a:srgbClr val="000000"/>
+              </a:solidFill>
+              <a:effectLst/>
+              <a:uFillTx/>
+              <a:latin typeface="Arial"/>
             </a:endParaRPr>
           </a:p>
           <a:p>
             <a:pPr lvl="3" marL="1728000" indent="-216000">
+              <a:lnSpc>
+                <a:spcPct val="100000"/>
+              </a:lnSpc>
               <a:spcBef>
                 <a:spcPts val="567"/>
               </a:spcBef>
@@ -1774,17 +1812,20 @@
               </a:rPr>
               <a:t>Fourth Outline Level</a:t>
             </a:r>
-            <a:endParaRPr b="0" lang="en-US" sz="1800" strike="noStrike" u="none">
-              <a:solidFill>
-                <a:schemeClr val="dk1"/>
-              </a:solidFill>
-              <a:effectLst/>
-              <a:uFillTx/>
-              <a:latin typeface="Calibri"/>
+            <a:endParaRPr b="0" lang="en-IN" sz="1800" strike="noStrike" u="none">
+              <a:solidFill>
+                <a:srgbClr val="000000"/>
+              </a:solidFill>
+              <a:effectLst/>
+              <a:uFillTx/>
+              <a:latin typeface="Arial"/>
             </a:endParaRPr>
           </a:p>
           <a:p>
             <a:pPr lvl="4" marL="2160000" indent="-216000">
+              <a:lnSpc>
+                <a:spcPct val="100000"/>
+              </a:lnSpc>
               <a:spcBef>
                 <a:spcPts val="283"/>
               </a:spcBef>
@@ -1806,17 +1847,20 @@
               </a:rPr>
               <a:t>Fifth Outline Level</a:t>
             </a:r>
-            <a:endParaRPr b="0" lang="en-US" sz="2000" strike="noStrike" u="none">
-              <a:solidFill>
-                <a:schemeClr val="dk1"/>
-              </a:solidFill>
-              <a:effectLst/>
-              <a:uFillTx/>
-              <a:latin typeface="Calibri"/>
+            <a:endParaRPr b="0" lang="en-IN" sz="2000" strike="noStrike" u="none">
+              <a:solidFill>
+                <a:srgbClr val="000000"/>
+              </a:solidFill>
+              <a:effectLst/>
+              <a:uFillTx/>
+              <a:latin typeface="Arial"/>
             </a:endParaRPr>
           </a:p>
           <a:p>
             <a:pPr lvl="5" marL="2592000" indent="-216000">
+              <a:lnSpc>
+                <a:spcPct val="100000"/>
+              </a:lnSpc>
               <a:spcBef>
                 <a:spcPts val="283"/>
               </a:spcBef>
@@ -1838,17 +1882,20 @@
               </a:rPr>
               <a:t>Sixth Outline Level</a:t>
             </a:r>
-            <a:endParaRPr b="0" lang="en-US" sz="2000" strike="noStrike" u="none">
-              <a:solidFill>
-                <a:schemeClr val="dk1"/>
-              </a:solidFill>
-              <a:effectLst/>
-              <a:uFillTx/>
-              <a:latin typeface="Calibri"/>
+            <a:endParaRPr b="0" lang="en-IN" sz="2000" strike="noStrike" u="none">
+              <a:solidFill>
+                <a:srgbClr val="000000"/>
+              </a:solidFill>
+              <a:effectLst/>
+              <a:uFillTx/>
+              <a:latin typeface="Arial"/>
             </a:endParaRPr>
           </a:p>
           <a:p>
             <a:pPr lvl="6" marL="3024000" indent="-216000">
+              <a:lnSpc>
+                <a:spcPct val="100000"/>
+              </a:lnSpc>
               <a:spcBef>
                 <a:spcPts val="283"/>
               </a:spcBef>
@@ -1870,13 +1917,13 @@
               </a:rPr>
               <a:t>Seventh Outline Level</a:t>
             </a:r>
-            <a:endParaRPr b="0" lang="en-US" sz="2000" strike="noStrike" u="none">
-              <a:solidFill>
-                <a:schemeClr val="dk1"/>
-              </a:solidFill>
-              <a:effectLst/>
-              <a:uFillTx/>
-              <a:latin typeface="Calibri"/>
+            <a:endParaRPr b="0" lang="en-IN" sz="2000" strike="noStrike" u="none">
+              <a:solidFill>
+                <a:srgbClr val="000000"/>
+              </a:solidFill>
+              <a:effectLst/>
+              <a:uFillTx/>
+              <a:latin typeface="Arial"/>
             </a:endParaRPr>
           </a:p>
         </p:txBody>
@@ -1919,15 +1966,15 @@
         <p:spPr>
           <a:xfrm>
             <a:off x="9377280" y="4680"/>
-            <a:ext cx="1218240" cy="6853320"/>
+            <a:ext cx="1217880" cy="6852960"/>
           </a:xfrm>
           <a:custGeom>
             <a:avLst/>
             <a:gdLst>
-              <a:gd name="textAreaLeft" fmla="*/ 0 w 1218240"/>
-              <a:gd name="textAreaRight" fmla="*/ 1218600 w 1218240"/>
-              <a:gd name="textAreaTop" fmla="*/ 0 h 6853320"/>
-              <a:gd name="textAreaBottom" fmla="*/ 6853680 h 6853320"/>
+              <a:gd name="textAreaLeft" fmla="*/ 0 w 1217880"/>
+              <a:gd name="textAreaRight" fmla="*/ 1218600 w 1217880"/>
+              <a:gd name="textAreaTop" fmla="*/ 0 h 6852960"/>
+              <a:gd name="textAreaBottom" fmla="*/ 6853680 h 6852960"/>
             </a:gdLst>
             <a:ahLst/>
             <a:cxnLst/>
@@ -1987,15 +2034,15 @@
         <p:spPr>
           <a:xfrm>
             <a:off x="7448760" y="3695040"/>
-            <a:ext cx="4743000" cy="3163320"/>
+            <a:ext cx="4742640" cy="3162960"/>
           </a:xfrm>
           <a:custGeom>
             <a:avLst/>
             <a:gdLst>
-              <a:gd name="textAreaLeft" fmla="*/ 0 w 4743000"/>
-              <a:gd name="textAreaRight" fmla="*/ 4743360 w 4743000"/>
-              <a:gd name="textAreaTop" fmla="*/ 0 h 3163320"/>
-              <a:gd name="textAreaBottom" fmla="*/ 3163680 h 3163320"/>
+              <a:gd name="textAreaLeft" fmla="*/ 0 w 4742640"/>
+              <a:gd name="textAreaRight" fmla="*/ 4743360 w 4742640"/>
+              <a:gd name="textAreaTop" fmla="*/ 0 h 3162960"/>
+              <a:gd name="textAreaBottom" fmla="*/ 3163680 h 3162960"/>
             </a:gdLst>
             <a:ahLst/>
             <a:cxnLst/>
@@ -2055,15 +2102,15 @@
         <p:spPr>
           <a:xfrm>
             <a:off x="9182160" y="0"/>
-            <a:ext cx="3009600" cy="6857640"/>
+            <a:ext cx="3009240" cy="6857280"/>
           </a:xfrm>
           <a:custGeom>
             <a:avLst/>
             <a:gdLst>
-              <a:gd name="textAreaLeft" fmla="*/ 0 w 3009600"/>
-              <a:gd name="textAreaRight" fmla="*/ 3009960 w 3009600"/>
-              <a:gd name="textAreaTop" fmla="*/ 0 h 6857640"/>
-              <a:gd name="textAreaBottom" fmla="*/ 6858000 h 6857640"/>
+              <a:gd name="textAreaLeft" fmla="*/ 0 w 3009240"/>
+              <a:gd name="textAreaRight" fmla="*/ 3009960 w 3009240"/>
+              <a:gd name="textAreaTop" fmla="*/ 0 h 6857280"/>
+              <a:gd name="textAreaBottom" fmla="*/ 6858000 h 6857280"/>
             </a:gdLst>
             <a:ahLst/>
             <a:cxnLst/>
@@ -2134,15 +2181,15 @@
         <p:spPr>
           <a:xfrm>
             <a:off x="9603000" y="0"/>
-            <a:ext cx="2589120" cy="6857640"/>
+            <a:ext cx="2588760" cy="6857280"/>
           </a:xfrm>
           <a:custGeom>
             <a:avLst/>
             <a:gdLst>
-              <a:gd name="textAreaLeft" fmla="*/ 0 w 2589120"/>
-              <a:gd name="textAreaRight" fmla="*/ 2589480 w 2589120"/>
-              <a:gd name="textAreaTop" fmla="*/ 0 h 6857640"/>
-              <a:gd name="textAreaBottom" fmla="*/ 6858000 h 6857640"/>
+              <a:gd name="textAreaLeft" fmla="*/ 0 w 2588760"/>
+              <a:gd name="textAreaRight" fmla="*/ 2589480 w 2588760"/>
+              <a:gd name="textAreaTop" fmla="*/ 0 h 6857280"/>
+              <a:gd name="textAreaBottom" fmla="*/ 6858000 h 6857280"/>
             </a:gdLst>
             <a:ahLst/>
             <a:cxnLst/>
@@ -2213,15 +2260,15 @@
         <p:spPr>
           <a:xfrm>
             <a:off x="8934480" y="3048120"/>
-            <a:ext cx="3257280" cy="3809520"/>
+            <a:ext cx="3256920" cy="3809160"/>
           </a:xfrm>
           <a:custGeom>
             <a:avLst/>
             <a:gdLst>
-              <a:gd name="textAreaLeft" fmla="*/ 0 w 3257280"/>
-              <a:gd name="textAreaRight" fmla="*/ 3257640 w 3257280"/>
-              <a:gd name="textAreaTop" fmla="*/ 0 h 3809520"/>
-              <a:gd name="textAreaBottom" fmla="*/ 3809880 h 3809520"/>
+              <a:gd name="textAreaLeft" fmla="*/ 0 w 3256920"/>
+              <a:gd name="textAreaRight" fmla="*/ 3257640 w 3256920"/>
+              <a:gd name="textAreaTop" fmla="*/ 0 h 3809160"/>
+              <a:gd name="textAreaBottom" fmla="*/ 3809880 h 3809160"/>
             </a:gdLst>
             <a:ahLst/>
             <a:cxnLst/>
@@ -2289,15 +2336,15 @@
         <p:spPr>
           <a:xfrm>
             <a:off x="9338040" y="0"/>
-            <a:ext cx="2854080" cy="6857640"/>
+            <a:ext cx="2853720" cy="6857280"/>
           </a:xfrm>
           <a:custGeom>
             <a:avLst/>
             <a:gdLst>
-              <a:gd name="textAreaLeft" fmla="*/ 0 w 2854080"/>
-              <a:gd name="textAreaRight" fmla="*/ 2854440 w 2854080"/>
-              <a:gd name="textAreaTop" fmla="*/ 0 h 6857640"/>
-              <a:gd name="textAreaBottom" fmla="*/ 6858000 h 6857640"/>
+              <a:gd name="textAreaLeft" fmla="*/ 0 w 2853720"/>
+              <a:gd name="textAreaRight" fmla="*/ 2854440 w 2853720"/>
+              <a:gd name="textAreaTop" fmla="*/ 0 h 6857280"/>
+              <a:gd name="textAreaBottom" fmla="*/ 6858000 h 6857280"/>
             </a:gdLst>
             <a:ahLst/>
             <a:cxnLst/>
@@ -2368,15 +2415,15 @@
         <p:spPr>
           <a:xfrm>
             <a:off x="10896480" y="0"/>
-            <a:ext cx="1294920" cy="6857640"/>
+            <a:ext cx="1294560" cy="6857280"/>
           </a:xfrm>
           <a:custGeom>
             <a:avLst/>
             <a:gdLst>
-              <a:gd name="textAreaLeft" fmla="*/ 0 w 1294920"/>
-              <a:gd name="textAreaRight" fmla="*/ 1295280 w 1294920"/>
-              <a:gd name="textAreaTop" fmla="*/ 0 h 6857640"/>
-              <a:gd name="textAreaBottom" fmla="*/ 6858000 h 6857640"/>
+              <a:gd name="textAreaLeft" fmla="*/ 0 w 1294560"/>
+              <a:gd name="textAreaRight" fmla="*/ 1295280 w 1294560"/>
+              <a:gd name="textAreaTop" fmla="*/ 0 h 6857280"/>
+              <a:gd name="textAreaBottom" fmla="*/ 6858000 h 6857280"/>
             </a:gdLst>
             <a:ahLst/>
             <a:cxnLst/>
@@ -2447,15 +2494,15 @@
         <p:spPr>
           <a:xfrm>
             <a:off x="10936080" y="0"/>
-            <a:ext cx="1255680" cy="6857640"/>
+            <a:ext cx="1255320" cy="6857280"/>
           </a:xfrm>
           <a:custGeom>
             <a:avLst/>
             <a:gdLst>
-              <a:gd name="textAreaLeft" fmla="*/ 0 w 1255680"/>
-              <a:gd name="textAreaRight" fmla="*/ 1256040 w 1255680"/>
-              <a:gd name="textAreaTop" fmla="*/ 0 h 6857640"/>
-              <a:gd name="textAreaBottom" fmla="*/ 6858000 h 6857640"/>
+              <a:gd name="textAreaLeft" fmla="*/ 0 w 1255320"/>
+              <a:gd name="textAreaRight" fmla="*/ 1256040 w 1255320"/>
+              <a:gd name="textAreaTop" fmla="*/ 0 h 6857280"/>
+              <a:gd name="textAreaBottom" fmla="*/ 6858000 h 6857280"/>
             </a:gdLst>
             <a:ahLst/>
             <a:cxnLst/>
@@ -2526,15 +2573,15 @@
         <p:spPr>
           <a:xfrm>
             <a:off x="10372680" y="3591000"/>
-            <a:ext cx="1819080" cy="3266640"/>
+            <a:ext cx="1818720" cy="3266280"/>
           </a:xfrm>
           <a:custGeom>
             <a:avLst/>
             <a:gdLst>
-              <a:gd name="textAreaLeft" fmla="*/ 0 w 1819080"/>
-              <a:gd name="textAreaRight" fmla="*/ 1819440 w 1819080"/>
-              <a:gd name="textAreaTop" fmla="*/ 0 h 3266640"/>
-              <a:gd name="textAreaBottom" fmla="*/ 3267000 h 3266640"/>
+              <a:gd name="textAreaLeft" fmla="*/ 0 w 1818720"/>
+              <a:gd name="textAreaRight" fmla="*/ 1819440 w 1818720"/>
+              <a:gd name="textAreaTop" fmla="*/ 0 h 3266280"/>
+              <a:gd name="textAreaBottom" fmla="*/ 3267000 h 3266280"/>
             </a:gdLst>
             <a:ahLst/>
             <a:cxnLst/>
@@ -2602,15 +2649,15 @@
         <p:spPr>
           <a:xfrm>
             <a:off x="0" y="4010040"/>
-            <a:ext cx="447480" cy="2847600"/>
+            <a:ext cx="447120" cy="2847240"/>
           </a:xfrm>
           <a:custGeom>
             <a:avLst/>
             <a:gdLst>
-              <a:gd name="textAreaLeft" fmla="*/ 0 w 447480"/>
-              <a:gd name="textAreaRight" fmla="*/ 447840 w 447480"/>
-              <a:gd name="textAreaTop" fmla="*/ 0 h 2847600"/>
-              <a:gd name="textAreaBottom" fmla="*/ 2847960 h 2847600"/>
+              <a:gd name="textAreaLeft" fmla="*/ 0 w 447120"/>
+              <a:gd name="textAreaRight" fmla="*/ 447840 w 447120"/>
+              <a:gd name="textAreaTop" fmla="*/ 0 h 2847240"/>
+              <a:gd name="textAreaBottom" fmla="*/ 2847960 h 2847240"/>
             </a:gdLst>
             <a:ahLst/>
             <a:cxnLst/>
@@ -2682,7 +2729,7 @@
         <p:spPr>
           <a:xfrm>
             <a:off x="755280" y="385560"/>
-            <a:ext cx="10680840" cy="757800"/>
+            <a:ext cx="10680480" cy="757440"/>
           </a:xfrm>
           <a:prstGeom prst="rect">
             <a:avLst/>
@@ -2698,7 +2745,13 @@
           </a:bodyPr>
           <a:p>
             <a:pPr indent="0">
+              <a:lnSpc>
+                <a:spcPct val="100000"/>
+              </a:lnSpc>
               <a:buNone/>
+              <a:tabLst>
+                <a:tab algn="l" pos="0"/>
+              </a:tabLst>
             </a:pPr>
             <a:r>
               <a:rPr b="0" lang="en-US" sz="4800" strike="noStrike" u="none">
@@ -2711,13 +2764,13 @@
               </a:rPr>
               <a:t>Click to edit the title text format</a:t>
             </a:r>
-            <a:endParaRPr b="0" lang="en-US" sz="4800" strike="noStrike" u="none">
-              <a:solidFill>
-                <a:schemeClr val="dk1"/>
-              </a:solidFill>
-              <a:effectLst/>
-              <a:uFillTx/>
-              <a:latin typeface="Calibri"/>
+            <a:endParaRPr b="0" lang="en-IN" sz="4800" strike="noStrike" u="none">
+              <a:solidFill>
+                <a:srgbClr val="000000"/>
+              </a:solidFill>
+              <a:effectLst/>
+              <a:uFillTx/>
+              <a:latin typeface="Arial"/>
             </a:endParaRPr>
           </a:p>
         </p:txBody>
@@ -2735,7 +2788,7 @@
         <p:spPr>
           <a:xfrm>
             <a:off x="609480" y="1577520"/>
-            <a:ext cx="10972440" cy="4525920"/>
+            <a:ext cx="10972080" cy="4525560"/>
           </a:xfrm>
           <a:prstGeom prst="rect">
             <a:avLst/>
@@ -2751,6 +2804,9 @@
           </a:bodyPr>
           <a:p>
             <a:pPr marL="432000" indent="-324000">
+              <a:lnSpc>
+                <a:spcPct val="100000"/>
+              </a:lnSpc>
               <a:spcBef>
                 <a:spcPts val="1417"/>
               </a:spcBef>
@@ -2772,17 +2828,20 @@
               </a:rPr>
               <a:t>Click to edit the outline text format</a:t>
             </a:r>
-            <a:endParaRPr b="0" lang="en-US" sz="1800" strike="noStrike" u="none">
-              <a:solidFill>
-                <a:schemeClr val="dk1"/>
-              </a:solidFill>
-              <a:effectLst/>
-              <a:uFillTx/>
-              <a:latin typeface="Calibri"/>
+            <a:endParaRPr b="0" lang="en-IN" sz="1800" strike="noStrike" u="none">
+              <a:solidFill>
+                <a:srgbClr val="000000"/>
+              </a:solidFill>
+              <a:effectLst/>
+              <a:uFillTx/>
+              <a:latin typeface="Arial"/>
             </a:endParaRPr>
           </a:p>
           <a:p>
             <a:pPr lvl="1" marL="864000" indent="-324000">
+              <a:lnSpc>
+                <a:spcPct val="100000"/>
+              </a:lnSpc>
               <a:spcBef>
                 <a:spcPts val="1134"/>
               </a:spcBef>
@@ -2804,17 +2863,20 @@
               </a:rPr>
               <a:t>Second Outline Level</a:t>
             </a:r>
-            <a:endParaRPr b="0" lang="en-US" sz="1800" strike="noStrike" u="none">
-              <a:solidFill>
-                <a:schemeClr val="dk1"/>
-              </a:solidFill>
-              <a:effectLst/>
-              <a:uFillTx/>
-              <a:latin typeface="Calibri"/>
+            <a:endParaRPr b="0" lang="en-IN" sz="1800" strike="noStrike" u="none">
+              <a:solidFill>
+                <a:srgbClr val="000000"/>
+              </a:solidFill>
+              <a:effectLst/>
+              <a:uFillTx/>
+              <a:latin typeface="Arial"/>
             </a:endParaRPr>
           </a:p>
           <a:p>
             <a:pPr lvl="2" marL="1296000" indent="-288000">
+              <a:lnSpc>
+                <a:spcPct val="100000"/>
+              </a:lnSpc>
               <a:spcBef>
                 <a:spcPts val="850"/>
               </a:spcBef>
@@ -2836,17 +2898,20 @@
               </a:rPr>
               <a:t>Third Outline Level</a:t>
             </a:r>
-            <a:endParaRPr b="0" lang="en-US" sz="1800" strike="noStrike" u="none">
-              <a:solidFill>
-                <a:schemeClr val="dk1"/>
-              </a:solidFill>
-              <a:effectLst/>
-              <a:uFillTx/>
-              <a:latin typeface="Calibri"/>
+            <a:endParaRPr b="0" lang="en-IN" sz="1800" strike="noStrike" u="none">
+              <a:solidFill>
+                <a:srgbClr val="000000"/>
+              </a:solidFill>
+              <a:effectLst/>
+              <a:uFillTx/>
+              <a:latin typeface="Arial"/>
             </a:endParaRPr>
           </a:p>
           <a:p>
             <a:pPr lvl="3" marL="1728000" indent="-216000">
+              <a:lnSpc>
+                <a:spcPct val="100000"/>
+              </a:lnSpc>
               <a:spcBef>
                 <a:spcPts val="567"/>
               </a:spcBef>
@@ -2868,17 +2933,20 @@
               </a:rPr>
               <a:t>Fourth Outline Level</a:t>
             </a:r>
-            <a:endParaRPr b="0" lang="en-US" sz="1800" strike="noStrike" u="none">
-              <a:solidFill>
-                <a:schemeClr val="dk1"/>
-              </a:solidFill>
-              <a:effectLst/>
-              <a:uFillTx/>
-              <a:latin typeface="Calibri"/>
+            <a:endParaRPr b="0" lang="en-IN" sz="1800" strike="noStrike" u="none">
+              <a:solidFill>
+                <a:srgbClr val="000000"/>
+              </a:solidFill>
+              <a:effectLst/>
+              <a:uFillTx/>
+              <a:latin typeface="Arial"/>
             </a:endParaRPr>
           </a:p>
           <a:p>
             <a:pPr lvl="4" marL="2160000" indent="-216000">
+              <a:lnSpc>
+                <a:spcPct val="100000"/>
+              </a:lnSpc>
               <a:spcBef>
                 <a:spcPts val="283"/>
               </a:spcBef>
@@ -2900,17 +2968,20 @@
               </a:rPr>
               <a:t>Fifth Outline Level</a:t>
             </a:r>
-            <a:endParaRPr b="0" lang="en-US" sz="1800" strike="noStrike" u="none">
-              <a:solidFill>
-                <a:schemeClr val="dk1"/>
-              </a:solidFill>
-              <a:effectLst/>
-              <a:uFillTx/>
-              <a:latin typeface="Calibri"/>
+            <a:endParaRPr b="0" lang="en-IN" sz="1800" strike="noStrike" u="none">
+              <a:solidFill>
+                <a:srgbClr val="000000"/>
+              </a:solidFill>
+              <a:effectLst/>
+              <a:uFillTx/>
+              <a:latin typeface="Arial"/>
             </a:endParaRPr>
           </a:p>
           <a:p>
             <a:pPr lvl="5" marL="2592000" indent="-216000">
+              <a:lnSpc>
+                <a:spcPct val="100000"/>
+              </a:lnSpc>
               <a:spcBef>
                 <a:spcPts val="283"/>
               </a:spcBef>
@@ -2932,17 +3003,20 @@
               </a:rPr>
               <a:t>Sixth Outline Level</a:t>
             </a:r>
-            <a:endParaRPr b="0" lang="en-US" sz="1800" strike="noStrike" u="none">
-              <a:solidFill>
-                <a:schemeClr val="dk1"/>
-              </a:solidFill>
-              <a:effectLst/>
-              <a:uFillTx/>
-              <a:latin typeface="Calibri"/>
+            <a:endParaRPr b="0" lang="en-IN" sz="1800" strike="noStrike" u="none">
+              <a:solidFill>
+                <a:srgbClr val="000000"/>
+              </a:solidFill>
+              <a:effectLst/>
+              <a:uFillTx/>
+              <a:latin typeface="Arial"/>
             </a:endParaRPr>
           </a:p>
           <a:p>
             <a:pPr lvl="6" marL="3024000" indent="-216000">
+              <a:lnSpc>
+                <a:spcPct val="100000"/>
+              </a:lnSpc>
               <a:spcBef>
                 <a:spcPts val="283"/>
               </a:spcBef>
@@ -2962,26 +3036,15 @@
                 <a:uFillTx/>
                 <a:latin typeface="Calibri"/>
               </a:rPr>
-              <a:t>Seventh Outline </a:t>
-            </a:r>
-            <a:r>
-              <a:rPr b="0" lang="en-US" sz="1800" strike="noStrike" u="none">
-                <a:solidFill>
-                  <a:schemeClr val="dk1"/>
-                </a:solidFill>
-                <a:effectLst/>
-                <a:uFillTx/>
-                <a:latin typeface="Calibri"/>
-              </a:rPr>
-              <a:t>Level</a:t>
-            </a:r>
-            <a:endParaRPr b="0" lang="en-US" sz="1800" strike="noStrike" u="none">
-              <a:solidFill>
-                <a:schemeClr val="dk1"/>
-              </a:solidFill>
-              <a:effectLst/>
-              <a:uFillTx/>
-              <a:latin typeface="Calibri"/>
+              <a:t>Seventh Outline Level</a:t>
+            </a:r>
+            <a:endParaRPr b="0" lang="en-IN" sz="1800" strike="noStrike" u="none">
+              <a:solidFill>
+                <a:srgbClr val="000000"/>
+              </a:solidFill>
+              <a:effectLst/>
+              <a:uFillTx/>
+              <a:latin typeface="Arial"/>
             </a:endParaRPr>
           </a:p>
         </p:txBody>
@@ -2999,7 +3062,7 @@
         <p:spPr>
           <a:xfrm>
             <a:off x="4145400" y="6378120"/>
-            <a:ext cx="3900960" cy="342720"/>
+            <a:ext cx="3900600" cy="342360"/>
           </a:xfrm>
           <a:prstGeom prst="rect">
             <a:avLst/>
@@ -3015,7 +3078,13 @@
           </a:bodyPr>
           <a:lstStyle>
             <a:lvl1pPr indent="0" algn="ctr">
+              <a:lnSpc>
+                <a:spcPct val="100000"/>
+              </a:lnSpc>
               <a:buNone/>
+              <a:tabLst>
+                <a:tab algn="l" pos="0"/>
+              </a:tabLst>
               <a:defRPr b="0" lang="en-IN" sz="1400" strike="noStrike" u="none">
                 <a:solidFill>
                   <a:srgbClr val="000000"/>
@@ -3028,7 +3097,13 @@
           </a:lstStyle>
           <a:p>
             <a:pPr indent="0" algn="ctr">
+              <a:lnSpc>
+                <a:spcPct val="100000"/>
+              </a:lnSpc>
               <a:buNone/>
+              <a:tabLst>
+                <a:tab algn="l" pos="0"/>
+              </a:tabLst>
             </a:pPr>
             <a:r>
               <a:rPr b="0" lang="en-IN" sz="1400" strike="noStrike" u="none">
@@ -3065,7 +3140,7 @@
         <p:spPr>
           <a:xfrm>
             <a:off x="609480" y="6378120"/>
-            <a:ext cx="2803680" cy="342720"/>
+            <a:ext cx="2803320" cy="342360"/>
           </a:xfrm>
           <a:prstGeom prst="rect">
             <a:avLst/>
@@ -3085,6 +3160,9 @@
                 <a:spcPct val="100000"/>
               </a:lnSpc>
               <a:buNone/>
+              <a:tabLst>
+                <a:tab algn="l" pos="0"/>
+              </a:tabLst>
               <a:defRPr b="0" lang="en-US" sz="1800" strike="noStrike" u="none">
                 <a:solidFill>
                   <a:schemeClr val="dk1">
@@ -3103,6 +3181,9 @@
                 <a:spcPct val="100000"/>
               </a:lnSpc>
               <a:buNone/>
+              <a:tabLst>
+                <a:tab algn="l" pos="0"/>
+              </a:tabLst>
             </a:pPr>
             <a:r>
               <a:rPr b="0" lang="en-US" sz="1800" strike="noStrike" u="none">
@@ -3141,7 +3222,7 @@
         <p:spPr>
           <a:xfrm>
             <a:off x="11353320" y="6473160"/>
-            <a:ext cx="150840" cy="191520"/>
+            <a:ext cx="150480" cy="191160"/>
           </a:xfrm>
           <a:prstGeom prst="rect">
             <a:avLst/>
@@ -3164,6 +3245,9 @@
                 <a:spcPts val="54"/>
               </a:spcBef>
               <a:buNone/>
+              <a:tabLst>
+                <a:tab algn="l" pos="0"/>
+              </a:tabLst>
               <a:defRPr b="0" lang="en-US" sz="1100" spc="11" strike="noStrike" u="none">
                 <a:solidFill>
                   <a:srgbClr val="2d936b"/>
@@ -3183,8 +3267,11 @@
                 <a:spcPts val="54"/>
               </a:spcBef>
               <a:buNone/>
-            </a:pPr>
-            <a:fld id="{DA2F6982-F278-4974-8099-62D6FE2FBCAA}" type="slidenum">
+              <a:tabLst>
+                <a:tab algn="l" pos="0"/>
+              </a:tabLst>
+            </a:pPr>
+            <a:fld id="{09B46D21-9B69-4A53-B657-029DED0BE0FA}" type="slidenum">
               <a:rPr b="0" lang="en-US" sz="1100" spc="11" strike="noStrike" u="none">
                 <a:solidFill>
                   <a:srgbClr val="2d936b"/>
@@ -3244,15 +3331,15 @@
         <p:spPr>
           <a:xfrm>
             <a:off x="9377280" y="4680"/>
-            <a:ext cx="1218240" cy="6853320"/>
+            <a:ext cx="1217880" cy="6852960"/>
           </a:xfrm>
           <a:custGeom>
             <a:avLst/>
             <a:gdLst>
-              <a:gd name="textAreaLeft" fmla="*/ 0 w 1218240"/>
-              <a:gd name="textAreaRight" fmla="*/ 1218600 w 1218240"/>
-              <a:gd name="textAreaTop" fmla="*/ 0 h 6853320"/>
-              <a:gd name="textAreaBottom" fmla="*/ 6853680 h 6853320"/>
+              <a:gd name="textAreaLeft" fmla="*/ 0 w 1217880"/>
+              <a:gd name="textAreaRight" fmla="*/ 1218600 w 1217880"/>
+              <a:gd name="textAreaTop" fmla="*/ 0 h 6852960"/>
+              <a:gd name="textAreaBottom" fmla="*/ 6853680 h 6852960"/>
             </a:gdLst>
             <a:ahLst/>
             <a:cxnLst/>
@@ -3312,15 +3399,15 @@
         <p:spPr>
           <a:xfrm>
             <a:off x="7448760" y="3695040"/>
-            <a:ext cx="4743000" cy="3163320"/>
+            <a:ext cx="4742640" cy="3162960"/>
           </a:xfrm>
           <a:custGeom>
             <a:avLst/>
             <a:gdLst>
-              <a:gd name="textAreaLeft" fmla="*/ 0 w 4743000"/>
-              <a:gd name="textAreaRight" fmla="*/ 4743360 w 4743000"/>
-              <a:gd name="textAreaTop" fmla="*/ 0 h 3163320"/>
-              <a:gd name="textAreaBottom" fmla="*/ 3163680 h 3163320"/>
+              <a:gd name="textAreaLeft" fmla="*/ 0 w 4742640"/>
+              <a:gd name="textAreaRight" fmla="*/ 4743360 w 4742640"/>
+              <a:gd name="textAreaTop" fmla="*/ 0 h 3162960"/>
+              <a:gd name="textAreaBottom" fmla="*/ 3163680 h 3162960"/>
             </a:gdLst>
             <a:ahLst/>
             <a:cxnLst/>
@@ -3380,15 +3467,15 @@
         <p:spPr>
           <a:xfrm>
             <a:off x="9182160" y="0"/>
-            <a:ext cx="3009600" cy="6857640"/>
+            <a:ext cx="3009240" cy="6857280"/>
           </a:xfrm>
           <a:custGeom>
             <a:avLst/>
             <a:gdLst>
-              <a:gd name="textAreaLeft" fmla="*/ 0 w 3009600"/>
-              <a:gd name="textAreaRight" fmla="*/ 3009960 w 3009600"/>
-              <a:gd name="textAreaTop" fmla="*/ 0 h 6857640"/>
-              <a:gd name="textAreaBottom" fmla="*/ 6858000 h 6857640"/>
+              <a:gd name="textAreaLeft" fmla="*/ 0 w 3009240"/>
+              <a:gd name="textAreaRight" fmla="*/ 3009960 w 3009240"/>
+              <a:gd name="textAreaTop" fmla="*/ 0 h 6857280"/>
+              <a:gd name="textAreaBottom" fmla="*/ 6858000 h 6857280"/>
             </a:gdLst>
             <a:ahLst/>
             <a:cxnLst/>
@@ -3459,15 +3546,15 @@
         <p:spPr>
           <a:xfrm>
             <a:off x="9603000" y="0"/>
-            <a:ext cx="2589120" cy="6857640"/>
+            <a:ext cx="2588760" cy="6857280"/>
           </a:xfrm>
           <a:custGeom>
             <a:avLst/>
             <a:gdLst>
-              <a:gd name="textAreaLeft" fmla="*/ 0 w 2589120"/>
-              <a:gd name="textAreaRight" fmla="*/ 2589480 w 2589120"/>
-              <a:gd name="textAreaTop" fmla="*/ 0 h 6857640"/>
-              <a:gd name="textAreaBottom" fmla="*/ 6858000 h 6857640"/>
+              <a:gd name="textAreaLeft" fmla="*/ 0 w 2588760"/>
+              <a:gd name="textAreaRight" fmla="*/ 2589480 w 2588760"/>
+              <a:gd name="textAreaTop" fmla="*/ 0 h 6857280"/>
+              <a:gd name="textAreaBottom" fmla="*/ 6858000 h 6857280"/>
             </a:gdLst>
             <a:ahLst/>
             <a:cxnLst/>
@@ -3538,15 +3625,15 @@
         <p:spPr>
           <a:xfrm>
             <a:off x="8934480" y="3048120"/>
-            <a:ext cx="3257280" cy="3809520"/>
+            <a:ext cx="3256920" cy="3809160"/>
           </a:xfrm>
           <a:custGeom>
             <a:avLst/>
             <a:gdLst>
-              <a:gd name="textAreaLeft" fmla="*/ 0 w 3257280"/>
-              <a:gd name="textAreaRight" fmla="*/ 3257640 w 3257280"/>
-              <a:gd name="textAreaTop" fmla="*/ 0 h 3809520"/>
-              <a:gd name="textAreaBottom" fmla="*/ 3809880 h 3809520"/>
+              <a:gd name="textAreaLeft" fmla="*/ 0 w 3256920"/>
+              <a:gd name="textAreaRight" fmla="*/ 3257640 w 3256920"/>
+              <a:gd name="textAreaTop" fmla="*/ 0 h 3809160"/>
+              <a:gd name="textAreaBottom" fmla="*/ 3809880 h 3809160"/>
             </a:gdLst>
             <a:ahLst/>
             <a:cxnLst/>
@@ -3614,15 +3701,15 @@
         <p:spPr>
           <a:xfrm>
             <a:off x="9338040" y="0"/>
-            <a:ext cx="2854080" cy="6857640"/>
+            <a:ext cx="2853720" cy="6857280"/>
           </a:xfrm>
           <a:custGeom>
             <a:avLst/>
             <a:gdLst>
-              <a:gd name="textAreaLeft" fmla="*/ 0 w 2854080"/>
-              <a:gd name="textAreaRight" fmla="*/ 2854440 w 2854080"/>
-              <a:gd name="textAreaTop" fmla="*/ 0 h 6857640"/>
-              <a:gd name="textAreaBottom" fmla="*/ 6858000 h 6857640"/>
+              <a:gd name="textAreaLeft" fmla="*/ 0 w 2853720"/>
+              <a:gd name="textAreaRight" fmla="*/ 2854440 w 2853720"/>
+              <a:gd name="textAreaTop" fmla="*/ 0 h 6857280"/>
+              <a:gd name="textAreaBottom" fmla="*/ 6858000 h 6857280"/>
             </a:gdLst>
             <a:ahLst/>
             <a:cxnLst/>
@@ -3693,15 +3780,15 @@
         <p:spPr>
           <a:xfrm>
             <a:off x="10896480" y="0"/>
-            <a:ext cx="1294920" cy="6857640"/>
+            <a:ext cx="1294560" cy="6857280"/>
           </a:xfrm>
           <a:custGeom>
             <a:avLst/>
             <a:gdLst>
-              <a:gd name="textAreaLeft" fmla="*/ 0 w 1294920"/>
-              <a:gd name="textAreaRight" fmla="*/ 1295280 w 1294920"/>
-              <a:gd name="textAreaTop" fmla="*/ 0 h 6857640"/>
-              <a:gd name="textAreaBottom" fmla="*/ 6858000 h 6857640"/>
+              <a:gd name="textAreaLeft" fmla="*/ 0 w 1294560"/>
+              <a:gd name="textAreaRight" fmla="*/ 1295280 w 1294560"/>
+              <a:gd name="textAreaTop" fmla="*/ 0 h 6857280"/>
+              <a:gd name="textAreaBottom" fmla="*/ 6858000 h 6857280"/>
             </a:gdLst>
             <a:ahLst/>
             <a:cxnLst/>
@@ -3772,15 +3859,15 @@
         <p:spPr>
           <a:xfrm>
             <a:off x="10936080" y="0"/>
-            <a:ext cx="1255680" cy="6857640"/>
+            <a:ext cx="1255320" cy="6857280"/>
           </a:xfrm>
           <a:custGeom>
             <a:avLst/>
             <a:gdLst>
-              <a:gd name="textAreaLeft" fmla="*/ 0 w 1255680"/>
-              <a:gd name="textAreaRight" fmla="*/ 1256040 w 1255680"/>
-              <a:gd name="textAreaTop" fmla="*/ 0 h 6857640"/>
-              <a:gd name="textAreaBottom" fmla="*/ 6858000 h 6857640"/>
+              <a:gd name="textAreaLeft" fmla="*/ 0 w 1255320"/>
+              <a:gd name="textAreaRight" fmla="*/ 1256040 w 1255320"/>
+              <a:gd name="textAreaTop" fmla="*/ 0 h 6857280"/>
+              <a:gd name="textAreaBottom" fmla="*/ 6858000 h 6857280"/>
             </a:gdLst>
             <a:ahLst/>
             <a:cxnLst/>
@@ -3851,15 +3938,15 @@
         <p:spPr>
           <a:xfrm>
             <a:off x="10372680" y="3591000"/>
-            <a:ext cx="1819080" cy="3266640"/>
+            <a:ext cx="1818720" cy="3266280"/>
           </a:xfrm>
           <a:custGeom>
             <a:avLst/>
             <a:gdLst>
-              <a:gd name="textAreaLeft" fmla="*/ 0 w 1819080"/>
-              <a:gd name="textAreaRight" fmla="*/ 1819440 w 1819080"/>
-              <a:gd name="textAreaTop" fmla="*/ 0 h 3266640"/>
-              <a:gd name="textAreaBottom" fmla="*/ 3267000 h 3266640"/>
+              <a:gd name="textAreaLeft" fmla="*/ 0 w 1818720"/>
+              <a:gd name="textAreaRight" fmla="*/ 1819440 w 1818720"/>
+              <a:gd name="textAreaTop" fmla="*/ 0 h 3266280"/>
+              <a:gd name="textAreaBottom" fmla="*/ 3267000 h 3266280"/>
             </a:gdLst>
             <a:ahLst/>
             <a:cxnLst/>
@@ -3927,15 +4014,15 @@
         <p:spPr>
           <a:xfrm>
             <a:off x="0" y="4010040"/>
-            <a:ext cx="447480" cy="2847600"/>
+            <a:ext cx="447120" cy="2847240"/>
           </a:xfrm>
           <a:custGeom>
             <a:avLst/>
             <a:gdLst>
-              <a:gd name="textAreaLeft" fmla="*/ 0 w 447480"/>
-              <a:gd name="textAreaRight" fmla="*/ 447840 w 447480"/>
-              <a:gd name="textAreaTop" fmla="*/ 0 h 2847600"/>
-              <a:gd name="textAreaBottom" fmla="*/ 2847960 h 2847600"/>
+              <a:gd name="textAreaLeft" fmla="*/ 0 w 447120"/>
+              <a:gd name="textAreaRight" fmla="*/ 447840 w 447120"/>
+              <a:gd name="textAreaTop" fmla="*/ 0 h 2847240"/>
+              <a:gd name="textAreaBottom" fmla="*/ 2847960 h 2847240"/>
             </a:gdLst>
             <a:ahLst/>
             <a:cxnLst/>
@@ -4007,7 +4094,7 @@
         <p:spPr>
           <a:xfrm>
             <a:off x="755280" y="385560"/>
-            <a:ext cx="10680840" cy="757800"/>
+            <a:ext cx="10680480" cy="757440"/>
           </a:xfrm>
           <a:prstGeom prst="rect">
             <a:avLst/>
@@ -4023,7 +4110,13 @@
           </a:bodyPr>
           <a:p>
             <a:pPr indent="0">
+              <a:lnSpc>
+                <a:spcPct val="100000"/>
+              </a:lnSpc>
               <a:buNone/>
+              <a:tabLst>
+                <a:tab algn="l" pos="0"/>
+              </a:tabLst>
             </a:pPr>
             <a:r>
               <a:rPr b="0" lang="en-US" sz="4800" strike="noStrike" u="none">
@@ -4036,13 +4129,13 @@
               </a:rPr>
               <a:t>Click to edit the title text format</a:t>
             </a:r>
-            <a:endParaRPr b="0" lang="en-US" sz="4800" strike="noStrike" u="none">
-              <a:solidFill>
-                <a:schemeClr val="dk1"/>
-              </a:solidFill>
-              <a:effectLst/>
-              <a:uFillTx/>
-              <a:latin typeface="Calibri"/>
+            <a:endParaRPr b="0" lang="en-IN" sz="4800" strike="noStrike" u="none">
+              <a:solidFill>
+                <a:srgbClr val="000000"/>
+              </a:solidFill>
+              <a:effectLst/>
+              <a:uFillTx/>
+              <a:latin typeface="Arial"/>
             </a:endParaRPr>
           </a:p>
         </p:txBody>
@@ -4060,7 +4153,7 @@
         <p:spPr>
           <a:xfrm>
             <a:off x="609480" y="1577520"/>
-            <a:ext cx="5303160" cy="2626920"/>
+            <a:ext cx="5302800" cy="2352600"/>
           </a:xfrm>
           <a:prstGeom prst="rect">
             <a:avLst/>
@@ -4076,6 +4169,9 @@
           </a:bodyPr>
           <a:p>
             <a:pPr marL="432000" indent="-324000">
+              <a:lnSpc>
+                <a:spcPct val="100000"/>
+              </a:lnSpc>
               <a:spcBef>
                 <a:spcPts val="1417"/>
               </a:spcBef>
@@ -4097,17 +4193,20 @@
               </a:rPr>
               <a:t>Click to edit the outline text format</a:t>
             </a:r>
-            <a:endParaRPr b="0" lang="en-US" sz="1800" strike="noStrike" u="none">
-              <a:solidFill>
-                <a:schemeClr val="dk1"/>
-              </a:solidFill>
-              <a:effectLst/>
-              <a:uFillTx/>
-              <a:latin typeface="Calibri"/>
+            <a:endParaRPr b="0" lang="en-IN" sz="1800" strike="noStrike" u="none">
+              <a:solidFill>
+                <a:srgbClr val="000000"/>
+              </a:solidFill>
+              <a:effectLst/>
+              <a:uFillTx/>
+              <a:latin typeface="Arial"/>
             </a:endParaRPr>
           </a:p>
           <a:p>
             <a:pPr lvl="1" marL="864000" indent="-324000">
+              <a:lnSpc>
+                <a:spcPct val="100000"/>
+              </a:lnSpc>
               <a:spcBef>
                 <a:spcPts val="1134"/>
               </a:spcBef>
@@ -4129,17 +4228,20 @@
               </a:rPr>
               <a:t>Second Outline Level</a:t>
             </a:r>
-            <a:endParaRPr b="0" lang="en-US" sz="1800" strike="noStrike" u="none">
-              <a:solidFill>
-                <a:schemeClr val="dk1"/>
-              </a:solidFill>
-              <a:effectLst/>
-              <a:uFillTx/>
-              <a:latin typeface="Calibri"/>
+            <a:endParaRPr b="0" lang="en-IN" sz="1800" strike="noStrike" u="none">
+              <a:solidFill>
+                <a:srgbClr val="000000"/>
+              </a:solidFill>
+              <a:effectLst/>
+              <a:uFillTx/>
+              <a:latin typeface="Arial"/>
             </a:endParaRPr>
           </a:p>
           <a:p>
             <a:pPr lvl="2" marL="1296000" indent="-288000">
+              <a:lnSpc>
+                <a:spcPct val="100000"/>
+              </a:lnSpc>
               <a:spcBef>
                 <a:spcPts val="850"/>
               </a:spcBef>
@@ -4161,17 +4263,20 @@
               </a:rPr>
               <a:t>Third Outline Level</a:t>
             </a:r>
-            <a:endParaRPr b="0" lang="en-US" sz="1800" strike="noStrike" u="none">
-              <a:solidFill>
-                <a:schemeClr val="dk1"/>
-              </a:solidFill>
-              <a:effectLst/>
-              <a:uFillTx/>
-              <a:latin typeface="Calibri"/>
+            <a:endParaRPr b="0" lang="en-IN" sz="1800" strike="noStrike" u="none">
+              <a:solidFill>
+                <a:srgbClr val="000000"/>
+              </a:solidFill>
+              <a:effectLst/>
+              <a:uFillTx/>
+              <a:latin typeface="Arial"/>
             </a:endParaRPr>
           </a:p>
           <a:p>
             <a:pPr lvl="3" marL="1728000" indent="-216000">
+              <a:lnSpc>
+                <a:spcPct val="100000"/>
+              </a:lnSpc>
               <a:spcBef>
                 <a:spcPts val="567"/>
               </a:spcBef>
@@ -4193,17 +4298,20 @@
               </a:rPr>
               <a:t>Fourth Outline Level</a:t>
             </a:r>
-            <a:endParaRPr b="0" lang="en-US" sz="1800" strike="noStrike" u="none">
-              <a:solidFill>
-                <a:schemeClr val="dk1"/>
-              </a:solidFill>
-              <a:effectLst/>
-              <a:uFillTx/>
-              <a:latin typeface="Calibri"/>
+            <a:endParaRPr b="0" lang="en-IN" sz="1800" strike="noStrike" u="none">
+              <a:solidFill>
+                <a:srgbClr val="000000"/>
+              </a:solidFill>
+              <a:effectLst/>
+              <a:uFillTx/>
+              <a:latin typeface="Arial"/>
             </a:endParaRPr>
           </a:p>
           <a:p>
             <a:pPr lvl="4" marL="2160000" indent="-216000">
+              <a:lnSpc>
+                <a:spcPct val="100000"/>
+              </a:lnSpc>
               <a:spcBef>
                 <a:spcPts val="283"/>
               </a:spcBef>
@@ -4225,17 +4333,20 @@
               </a:rPr>
               <a:t>Fifth Outline Level</a:t>
             </a:r>
-            <a:endParaRPr b="0" lang="en-US" sz="1800" strike="noStrike" u="none">
-              <a:solidFill>
-                <a:schemeClr val="dk1"/>
-              </a:solidFill>
-              <a:effectLst/>
-              <a:uFillTx/>
-              <a:latin typeface="Calibri"/>
+            <a:endParaRPr b="0" lang="en-IN" sz="1800" strike="noStrike" u="none">
+              <a:solidFill>
+                <a:srgbClr val="000000"/>
+              </a:solidFill>
+              <a:effectLst/>
+              <a:uFillTx/>
+              <a:latin typeface="Arial"/>
             </a:endParaRPr>
           </a:p>
           <a:p>
             <a:pPr lvl="5" marL="2592000" indent="-216000">
+              <a:lnSpc>
+                <a:spcPct val="100000"/>
+              </a:lnSpc>
               <a:spcBef>
                 <a:spcPts val="283"/>
               </a:spcBef>
@@ -4257,17 +4368,20 @@
               </a:rPr>
               <a:t>Sixth Outline Level</a:t>
             </a:r>
-            <a:endParaRPr b="0" lang="en-US" sz="1800" strike="noStrike" u="none">
-              <a:solidFill>
-                <a:schemeClr val="dk1"/>
-              </a:solidFill>
-              <a:effectLst/>
-              <a:uFillTx/>
-              <a:latin typeface="Calibri"/>
+            <a:endParaRPr b="0" lang="en-IN" sz="1800" strike="noStrike" u="none">
+              <a:solidFill>
+                <a:srgbClr val="000000"/>
+              </a:solidFill>
+              <a:effectLst/>
+              <a:uFillTx/>
+              <a:latin typeface="Arial"/>
             </a:endParaRPr>
           </a:p>
           <a:p>
             <a:pPr lvl="6" marL="3024000" indent="-216000">
+              <a:lnSpc>
+                <a:spcPct val="100000"/>
+              </a:lnSpc>
               <a:spcBef>
                 <a:spcPts val="283"/>
               </a:spcBef>
@@ -4289,13 +4403,13 @@
               </a:rPr>
               <a:t>Seventh Outline Level</a:t>
             </a:r>
-            <a:endParaRPr b="0" lang="en-US" sz="1800" strike="noStrike" u="none">
-              <a:solidFill>
-                <a:schemeClr val="dk1"/>
-              </a:solidFill>
-              <a:effectLst/>
-              <a:uFillTx/>
-              <a:latin typeface="Calibri"/>
+            <a:endParaRPr b="0" lang="en-IN" sz="1800" strike="noStrike" u="none">
+              <a:solidFill>
+                <a:srgbClr val="000000"/>
+              </a:solidFill>
+              <a:effectLst/>
+              <a:uFillTx/>
+              <a:latin typeface="Arial"/>
             </a:endParaRPr>
           </a:p>
         </p:txBody>
@@ -4313,7 +4427,7 @@
         <p:spPr>
           <a:xfrm>
             <a:off x="6278760" y="1577520"/>
-            <a:ext cx="5303160" cy="2626920"/>
+            <a:ext cx="5302800" cy="2352600"/>
           </a:xfrm>
           <a:prstGeom prst="rect">
             <a:avLst/>
@@ -4329,6 +4443,9 @@
           </a:bodyPr>
           <a:p>
             <a:pPr marL="432000" indent="-324000">
+              <a:lnSpc>
+                <a:spcPct val="100000"/>
+              </a:lnSpc>
               <a:spcBef>
                 <a:spcPts val="1417"/>
               </a:spcBef>
@@ -4350,17 +4467,20 @@
               </a:rPr>
               <a:t>Click to edit the outline text format</a:t>
             </a:r>
-            <a:endParaRPr b="0" lang="en-US" sz="1800" strike="noStrike" u="none">
-              <a:solidFill>
-                <a:schemeClr val="dk1"/>
-              </a:solidFill>
-              <a:effectLst/>
-              <a:uFillTx/>
-              <a:latin typeface="Calibri"/>
+            <a:endParaRPr b="0" lang="en-IN" sz="1800" strike="noStrike" u="none">
+              <a:solidFill>
+                <a:srgbClr val="000000"/>
+              </a:solidFill>
+              <a:effectLst/>
+              <a:uFillTx/>
+              <a:latin typeface="Arial"/>
             </a:endParaRPr>
           </a:p>
           <a:p>
             <a:pPr lvl="1" marL="864000" indent="-324000">
+              <a:lnSpc>
+                <a:spcPct val="100000"/>
+              </a:lnSpc>
               <a:spcBef>
                 <a:spcPts val="1134"/>
               </a:spcBef>
@@ -4382,17 +4502,20 @@
               </a:rPr>
               <a:t>Second Outline Level</a:t>
             </a:r>
-            <a:endParaRPr b="0" lang="en-US" sz="1800" strike="noStrike" u="none">
-              <a:solidFill>
-                <a:schemeClr val="dk1"/>
-              </a:solidFill>
-              <a:effectLst/>
-              <a:uFillTx/>
-              <a:latin typeface="Calibri"/>
+            <a:endParaRPr b="0" lang="en-IN" sz="1800" strike="noStrike" u="none">
+              <a:solidFill>
+                <a:srgbClr val="000000"/>
+              </a:solidFill>
+              <a:effectLst/>
+              <a:uFillTx/>
+              <a:latin typeface="Arial"/>
             </a:endParaRPr>
           </a:p>
           <a:p>
             <a:pPr lvl="2" marL="1296000" indent="-288000">
+              <a:lnSpc>
+                <a:spcPct val="100000"/>
+              </a:lnSpc>
               <a:spcBef>
                 <a:spcPts val="850"/>
               </a:spcBef>
@@ -4414,17 +4537,20 @@
               </a:rPr>
               <a:t>Third Outline Level</a:t>
             </a:r>
-            <a:endParaRPr b="0" lang="en-US" sz="1800" strike="noStrike" u="none">
-              <a:solidFill>
-                <a:schemeClr val="dk1"/>
-              </a:solidFill>
-              <a:effectLst/>
-              <a:uFillTx/>
-              <a:latin typeface="Calibri"/>
+            <a:endParaRPr b="0" lang="en-IN" sz="1800" strike="noStrike" u="none">
+              <a:solidFill>
+                <a:srgbClr val="000000"/>
+              </a:solidFill>
+              <a:effectLst/>
+              <a:uFillTx/>
+              <a:latin typeface="Arial"/>
             </a:endParaRPr>
           </a:p>
           <a:p>
             <a:pPr lvl="3" marL="1728000" indent="-216000">
+              <a:lnSpc>
+                <a:spcPct val="100000"/>
+              </a:lnSpc>
               <a:spcBef>
                 <a:spcPts val="567"/>
               </a:spcBef>
@@ -4446,17 +4572,20 @@
               </a:rPr>
               <a:t>Fourth Outline Level</a:t>
             </a:r>
-            <a:endParaRPr b="0" lang="en-US" sz="1800" strike="noStrike" u="none">
-              <a:solidFill>
-                <a:schemeClr val="dk1"/>
-              </a:solidFill>
-              <a:effectLst/>
-              <a:uFillTx/>
-              <a:latin typeface="Calibri"/>
+            <a:endParaRPr b="0" lang="en-IN" sz="1800" strike="noStrike" u="none">
+              <a:solidFill>
+                <a:srgbClr val="000000"/>
+              </a:solidFill>
+              <a:effectLst/>
+              <a:uFillTx/>
+              <a:latin typeface="Arial"/>
             </a:endParaRPr>
           </a:p>
           <a:p>
             <a:pPr lvl="4" marL="2160000" indent="-216000">
+              <a:lnSpc>
+                <a:spcPct val="100000"/>
+              </a:lnSpc>
               <a:spcBef>
                 <a:spcPts val="283"/>
               </a:spcBef>
@@ -4478,17 +4607,20 @@
               </a:rPr>
               <a:t>Fifth Outline Level</a:t>
             </a:r>
-            <a:endParaRPr b="0" lang="en-US" sz="1800" strike="noStrike" u="none">
-              <a:solidFill>
-                <a:schemeClr val="dk1"/>
-              </a:solidFill>
-              <a:effectLst/>
-              <a:uFillTx/>
-              <a:latin typeface="Calibri"/>
+            <a:endParaRPr b="0" lang="en-IN" sz="1800" strike="noStrike" u="none">
+              <a:solidFill>
+                <a:srgbClr val="000000"/>
+              </a:solidFill>
+              <a:effectLst/>
+              <a:uFillTx/>
+              <a:latin typeface="Arial"/>
             </a:endParaRPr>
           </a:p>
           <a:p>
             <a:pPr lvl="5" marL="2592000" indent="-216000">
+              <a:lnSpc>
+                <a:spcPct val="100000"/>
+              </a:lnSpc>
               <a:spcBef>
                 <a:spcPts val="283"/>
               </a:spcBef>
@@ -4510,17 +4642,20 @@
               </a:rPr>
               <a:t>Sixth Outline Level</a:t>
             </a:r>
-            <a:endParaRPr b="0" lang="en-US" sz="1800" strike="noStrike" u="none">
-              <a:solidFill>
-                <a:schemeClr val="dk1"/>
-              </a:solidFill>
-              <a:effectLst/>
-              <a:uFillTx/>
-              <a:latin typeface="Calibri"/>
+            <a:endParaRPr b="0" lang="en-IN" sz="1800" strike="noStrike" u="none">
+              <a:solidFill>
+                <a:srgbClr val="000000"/>
+              </a:solidFill>
+              <a:effectLst/>
+              <a:uFillTx/>
+              <a:latin typeface="Arial"/>
             </a:endParaRPr>
           </a:p>
           <a:p>
             <a:pPr lvl="6" marL="3024000" indent="-216000">
+              <a:lnSpc>
+                <a:spcPct val="100000"/>
+              </a:lnSpc>
               <a:spcBef>
                 <a:spcPts val="283"/>
               </a:spcBef>
@@ -4542,13 +4677,13 @@
               </a:rPr>
               <a:t>Seventh Outline Level</a:t>
             </a:r>
-            <a:endParaRPr b="0" lang="en-US" sz="1800" strike="noStrike" u="none">
-              <a:solidFill>
-                <a:schemeClr val="dk1"/>
-              </a:solidFill>
-              <a:effectLst/>
-              <a:uFillTx/>
-              <a:latin typeface="Calibri"/>
+            <a:endParaRPr b="0" lang="en-IN" sz="1800" strike="noStrike" u="none">
+              <a:solidFill>
+                <a:srgbClr val="000000"/>
+              </a:solidFill>
+              <a:effectLst/>
+              <a:uFillTx/>
+              <a:latin typeface="Arial"/>
             </a:endParaRPr>
           </a:p>
         </p:txBody>
@@ -4566,7 +4701,7 @@
         <p:spPr>
           <a:xfrm>
             <a:off x="4145400" y="6378120"/>
-            <a:ext cx="3900960" cy="342720"/>
+            <a:ext cx="3900600" cy="342360"/>
           </a:xfrm>
           <a:prstGeom prst="rect">
             <a:avLst/>
@@ -4582,7 +4717,13 @@
           </a:bodyPr>
           <a:lstStyle>
             <a:lvl1pPr indent="0" algn="ctr">
+              <a:lnSpc>
+                <a:spcPct val="100000"/>
+              </a:lnSpc>
               <a:buNone/>
+              <a:tabLst>
+                <a:tab algn="l" pos="0"/>
+              </a:tabLst>
               <a:defRPr b="0" lang="en-IN" sz="1400" strike="noStrike" u="none">
                 <a:solidFill>
                   <a:srgbClr val="000000"/>
@@ -4595,7 +4736,13 @@
           </a:lstStyle>
           <a:p>
             <a:pPr indent="0" algn="ctr">
+              <a:lnSpc>
+                <a:spcPct val="100000"/>
+              </a:lnSpc>
               <a:buNone/>
+              <a:tabLst>
+                <a:tab algn="l" pos="0"/>
+              </a:tabLst>
             </a:pPr>
             <a:r>
               <a:rPr b="0" lang="en-IN" sz="1400" strike="noStrike" u="none">
@@ -4632,7 +4779,7 @@
         <p:spPr>
           <a:xfrm>
             <a:off x="609480" y="6378120"/>
-            <a:ext cx="2803680" cy="342720"/>
+            <a:ext cx="2803320" cy="342360"/>
           </a:xfrm>
           <a:prstGeom prst="rect">
             <a:avLst/>
@@ -4652,6 +4799,9 @@
                 <a:spcPct val="100000"/>
               </a:lnSpc>
               <a:buNone/>
+              <a:tabLst>
+                <a:tab algn="l" pos="0"/>
+              </a:tabLst>
               <a:defRPr b="0" lang="en-US" sz="1800" strike="noStrike" u="none">
                 <a:solidFill>
                   <a:schemeClr val="dk1">
@@ -4670,6 +4820,9 @@
                 <a:spcPct val="100000"/>
               </a:lnSpc>
               <a:buNone/>
+              <a:tabLst>
+                <a:tab algn="l" pos="0"/>
+              </a:tabLst>
             </a:pPr>
             <a:r>
               <a:rPr b="0" lang="en-US" sz="1800" strike="noStrike" u="none">
@@ -4708,7 +4861,7 @@
         <p:spPr>
           <a:xfrm>
             <a:off x="11353320" y="6473160"/>
-            <a:ext cx="150840" cy="191520"/>
+            <a:ext cx="150480" cy="191160"/>
           </a:xfrm>
           <a:prstGeom prst="rect">
             <a:avLst/>
@@ -4731,6 +4884,9 @@
                 <a:spcPts val="54"/>
               </a:spcBef>
               <a:buNone/>
+              <a:tabLst>
+                <a:tab algn="l" pos="0"/>
+              </a:tabLst>
               <a:defRPr b="0" lang="en-US" sz="1100" spc="11" strike="noStrike" u="none">
                 <a:solidFill>
                   <a:srgbClr val="2d936b"/>
@@ -4750,8 +4906,11 @@
                 <a:spcPts val="54"/>
               </a:spcBef>
               <a:buNone/>
-            </a:pPr>
-            <a:fld id="{34DA5DA5-4588-4239-9BDC-2451C63B6635}" type="slidenum">
+              <a:tabLst>
+                <a:tab algn="l" pos="0"/>
+              </a:tabLst>
+            </a:pPr>
+            <a:fld id="{C65B5433-5ADA-42BC-8EB4-10804056504E}" type="slidenum">
               <a:rPr b="0" lang="en-US" sz="1100" spc="11" strike="noStrike" u="none">
                 <a:solidFill>
                   <a:srgbClr val="2d936b"/>
@@ -4811,15 +4970,15 @@
         <p:spPr>
           <a:xfrm>
             <a:off x="9377280" y="4680"/>
-            <a:ext cx="1218240" cy="6853320"/>
+            <a:ext cx="1217880" cy="6852960"/>
           </a:xfrm>
           <a:custGeom>
             <a:avLst/>
             <a:gdLst>
-              <a:gd name="textAreaLeft" fmla="*/ 0 w 1218240"/>
-              <a:gd name="textAreaRight" fmla="*/ 1218600 w 1218240"/>
-              <a:gd name="textAreaTop" fmla="*/ 0 h 6853320"/>
-              <a:gd name="textAreaBottom" fmla="*/ 6853680 h 6853320"/>
+              <a:gd name="textAreaLeft" fmla="*/ 0 w 1217880"/>
+              <a:gd name="textAreaRight" fmla="*/ 1218600 w 1217880"/>
+              <a:gd name="textAreaTop" fmla="*/ 0 h 6852960"/>
+              <a:gd name="textAreaBottom" fmla="*/ 6853680 h 6852960"/>
             </a:gdLst>
             <a:ahLst/>
             <a:cxnLst/>
@@ -4879,15 +5038,15 @@
         <p:spPr>
           <a:xfrm>
             <a:off x="7448760" y="3695040"/>
-            <a:ext cx="4743000" cy="3163320"/>
+            <a:ext cx="4742640" cy="3162960"/>
           </a:xfrm>
           <a:custGeom>
             <a:avLst/>
             <a:gdLst>
-              <a:gd name="textAreaLeft" fmla="*/ 0 w 4743000"/>
-              <a:gd name="textAreaRight" fmla="*/ 4743360 w 4743000"/>
-              <a:gd name="textAreaTop" fmla="*/ 0 h 3163320"/>
-              <a:gd name="textAreaBottom" fmla="*/ 3163680 h 3163320"/>
+              <a:gd name="textAreaLeft" fmla="*/ 0 w 4742640"/>
+              <a:gd name="textAreaRight" fmla="*/ 4743360 w 4742640"/>
+              <a:gd name="textAreaTop" fmla="*/ 0 h 3162960"/>
+              <a:gd name="textAreaBottom" fmla="*/ 3163680 h 3162960"/>
             </a:gdLst>
             <a:ahLst/>
             <a:cxnLst/>
@@ -4947,15 +5106,15 @@
         <p:spPr>
           <a:xfrm>
             <a:off x="9182160" y="0"/>
-            <a:ext cx="3009600" cy="6857640"/>
+            <a:ext cx="3009240" cy="6857280"/>
           </a:xfrm>
           <a:custGeom>
             <a:avLst/>
             <a:gdLst>
-              <a:gd name="textAreaLeft" fmla="*/ 0 w 3009600"/>
-              <a:gd name="textAreaRight" fmla="*/ 3009960 w 3009600"/>
-              <a:gd name="textAreaTop" fmla="*/ 0 h 6857640"/>
-              <a:gd name="textAreaBottom" fmla="*/ 6858000 h 6857640"/>
+              <a:gd name="textAreaLeft" fmla="*/ 0 w 3009240"/>
+              <a:gd name="textAreaRight" fmla="*/ 3009960 w 3009240"/>
+              <a:gd name="textAreaTop" fmla="*/ 0 h 6857280"/>
+              <a:gd name="textAreaBottom" fmla="*/ 6858000 h 6857280"/>
             </a:gdLst>
             <a:ahLst/>
             <a:cxnLst/>
@@ -5026,15 +5185,15 @@
         <p:spPr>
           <a:xfrm>
             <a:off x="9603000" y="0"/>
-            <a:ext cx="2589120" cy="6857640"/>
+            <a:ext cx="2588760" cy="6857280"/>
           </a:xfrm>
           <a:custGeom>
             <a:avLst/>
             <a:gdLst>
-              <a:gd name="textAreaLeft" fmla="*/ 0 w 2589120"/>
-              <a:gd name="textAreaRight" fmla="*/ 2589480 w 2589120"/>
-              <a:gd name="textAreaTop" fmla="*/ 0 h 6857640"/>
-              <a:gd name="textAreaBottom" fmla="*/ 6858000 h 6857640"/>
+              <a:gd name="textAreaLeft" fmla="*/ 0 w 2588760"/>
+              <a:gd name="textAreaRight" fmla="*/ 2589480 w 2588760"/>
+              <a:gd name="textAreaTop" fmla="*/ 0 h 6857280"/>
+              <a:gd name="textAreaBottom" fmla="*/ 6858000 h 6857280"/>
             </a:gdLst>
             <a:ahLst/>
             <a:cxnLst/>
@@ -5105,15 +5264,15 @@
         <p:spPr>
           <a:xfrm>
             <a:off x="8934480" y="3048120"/>
-            <a:ext cx="3257280" cy="3809520"/>
+            <a:ext cx="3256920" cy="3809160"/>
           </a:xfrm>
           <a:custGeom>
             <a:avLst/>
             <a:gdLst>
-              <a:gd name="textAreaLeft" fmla="*/ 0 w 3257280"/>
-              <a:gd name="textAreaRight" fmla="*/ 3257640 w 3257280"/>
-              <a:gd name="textAreaTop" fmla="*/ 0 h 3809520"/>
-              <a:gd name="textAreaBottom" fmla="*/ 3809880 h 3809520"/>
+              <a:gd name="textAreaLeft" fmla="*/ 0 w 3256920"/>
+              <a:gd name="textAreaRight" fmla="*/ 3257640 w 3256920"/>
+              <a:gd name="textAreaTop" fmla="*/ 0 h 3809160"/>
+              <a:gd name="textAreaBottom" fmla="*/ 3809880 h 3809160"/>
             </a:gdLst>
             <a:ahLst/>
             <a:cxnLst/>
@@ -5181,15 +5340,15 @@
         <p:spPr>
           <a:xfrm>
             <a:off x="9338040" y="0"/>
-            <a:ext cx="2854080" cy="6857640"/>
+            <a:ext cx="2853720" cy="6857280"/>
           </a:xfrm>
           <a:custGeom>
             <a:avLst/>
             <a:gdLst>
-              <a:gd name="textAreaLeft" fmla="*/ 0 w 2854080"/>
-              <a:gd name="textAreaRight" fmla="*/ 2854440 w 2854080"/>
-              <a:gd name="textAreaTop" fmla="*/ 0 h 6857640"/>
-              <a:gd name="textAreaBottom" fmla="*/ 6858000 h 6857640"/>
+              <a:gd name="textAreaLeft" fmla="*/ 0 w 2853720"/>
+              <a:gd name="textAreaRight" fmla="*/ 2854440 w 2853720"/>
+              <a:gd name="textAreaTop" fmla="*/ 0 h 6857280"/>
+              <a:gd name="textAreaBottom" fmla="*/ 6858000 h 6857280"/>
             </a:gdLst>
             <a:ahLst/>
             <a:cxnLst/>
@@ -5260,15 +5419,15 @@
         <p:spPr>
           <a:xfrm>
             <a:off x="10896480" y="0"/>
-            <a:ext cx="1294920" cy="6857640"/>
+            <a:ext cx="1294560" cy="6857280"/>
           </a:xfrm>
           <a:custGeom>
             <a:avLst/>
             <a:gdLst>
-              <a:gd name="textAreaLeft" fmla="*/ 0 w 1294920"/>
-              <a:gd name="textAreaRight" fmla="*/ 1295280 w 1294920"/>
-              <a:gd name="textAreaTop" fmla="*/ 0 h 6857640"/>
-              <a:gd name="textAreaBottom" fmla="*/ 6858000 h 6857640"/>
+              <a:gd name="textAreaLeft" fmla="*/ 0 w 1294560"/>
+              <a:gd name="textAreaRight" fmla="*/ 1295280 w 1294560"/>
+              <a:gd name="textAreaTop" fmla="*/ 0 h 6857280"/>
+              <a:gd name="textAreaBottom" fmla="*/ 6858000 h 6857280"/>
             </a:gdLst>
             <a:ahLst/>
             <a:cxnLst/>
@@ -5339,15 +5498,15 @@
         <p:spPr>
           <a:xfrm>
             <a:off x="10936080" y="0"/>
-            <a:ext cx="1255680" cy="6857640"/>
+            <a:ext cx="1255320" cy="6857280"/>
           </a:xfrm>
           <a:custGeom>
             <a:avLst/>
             <a:gdLst>
-              <a:gd name="textAreaLeft" fmla="*/ 0 w 1255680"/>
-              <a:gd name="textAreaRight" fmla="*/ 1256040 w 1255680"/>
-              <a:gd name="textAreaTop" fmla="*/ 0 h 6857640"/>
-              <a:gd name="textAreaBottom" fmla="*/ 6858000 h 6857640"/>
+              <a:gd name="textAreaLeft" fmla="*/ 0 w 1255320"/>
+              <a:gd name="textAreaRight" fmla="*/ 1256040 w 1255320"/>
+              <a:gd name="textAreaTop" fmla="*/ 0 h 6857280"/>
+              <a:gd name="textAreaBottom" fmla="*/ 6858000 h 6857280"/>
             </a:gdLst>
             <a:ahLst/>
             <a:cxnLst/>
@@ -5418,15 +5577,15 @@
         <p:spPr>
           <a:xfrm>
             <a:off x="10372680" y="3591000"/>
-            <a:ext cx="1819080" cy="3266640"/>
+            <a:ext cx="1818720" cy="3266280"/>
           </a:xfrm>
           <a:custGeom>
             <a:avLst/>
             <a:gdLst>
-              <a:gd name="textAreaLeft" fmla="*/ 0 w 1819080"/>
-              <a:gd name="textAreaRight" fmla="*/ 1819440 w 1819080"/>
-              <a:gd name="textAreaTop" fmla="*/ 0 h 3266640"/>
-              <a:gd name="textAreaBottom" fmla="*/ 3267000 h 3266640"/>
+              <a:gd name="textAreaLeft" fmla="*/ 0 w 1818720"/>
+              <a:gd name="textAreaRight" fmla="*/ 1819440 w 1818720"/>
+              <a:gd name="textAreaTop" fmla="*/ 0 h 3266280"/>
+              <a:gd name="textAreaBottom" fmla="*/ 3267000 h 3266280"/>
             </a:gdLst>
             <a:ahLst/>
             <a:cxnLst/>
@@ -5494,15 +5653,15 @@
         <p:spPr>
           <a:xfrm>
             <a:off x="0" y="4010040"/>
-            <a:ext cx="447480" cy="2847600"/>
+            <a:ext cx="447120" cy="2847240"/>
           </a:xfrm>
           <a:custGeom>
             <a:avLst/>
             <a:gdLst>
-              <a:gd name="textAreaLeft" fmla="*/ 0 w 447480"/>
-              <a:gd name="textAreaRight" fmla="*/ 447840 w 447480"/>
-              <a:gd name="textAreaTop" fmla="*/ 0 h 2847600"/>
-              <a:gd name="textAreaBottom" fmla="*/ 2847960 h 2847600"/>
+              <a:gd name="textAreaLeft" fmla="*/ 0 w 447120"/>
+              <a:gd name="textAreaRight" fmla="*/ 447840 w 447120"/>
+              <a:gd name="textAreaTop" fmla="*/ 0 h 2847240"/>
+              <a:gd name="textAreaBottom" fmla="*/ 2847960 h 2847240"/>
             </a:gdLst>
             <a:ahLst/>
             <a:cxnLst/>
@@ -5574,7 +5733,7 @@
         <p:spPr>
           <a:xfrm>
             <a:off x="755280" y="385560"/>
-            <a:ext cx="10680840" cy="757800"/>
+            <a:ext cx="10680480" cy="757440"/>
           </a:xfrm>
           <a:prstGeom prst="rect">
             <a:avLst/>
@@ -5590,7 +5749,13 @@
           </a:bodyPr>
           <a:p>
             <a:pPr indent="0">
+              <a:lnSpc>
+                <a:spcPct val="100000"/>
+              </a:lnSpc>
               <a:buNone/>
+              <a:tabLst>
+                <a:tab algn="l" pos="0"/>
+              </a:tabLst>
             </a:pPr>
             <a:r>
               <a:rPr b="0" lang="en-US" sz="4800" strike="noStrike" u="none">
@@ -5603,13 +5768,13 @@
               </a:rPr>
               <a:t>Click to edit the title text format</a:t>
             </a:r>
-            <a:endParaRPr b="0" lang="en-US" sz="4800" strike="noStrike" u="none">
-              <a:solidFill>
-                <a:schemeClr val="dk1"/>
-              </a:solidFill>
-              <a:effectLst/>
-              <a:uFillTx/>
-              <a:latin typeface="Calibri"/>
+            <a:endParaRPr b="0" lang="en-IN" sz="4800" strike="noStrike" u="none">
+              <a:solidFill>
+                <a:srgbClr val="000000"/>
+              </a:solidFill>
+              <a:effectLst/>
+              <a:uFillTx/>
+              <a:latin typeface="Arial"/>
             </a:endParaRPr>
           </a:p>
         </p:txBody>
@@ -5627,7 +5792,7 @@
         <p:spPr>
           <a:xfrm>
             <a:off x="4145400" y="6378120"/>
-            <a:ext cx="3900960" cy="342720"/>
+            <a:ext cx="3900600" cy="342360"/>
           </a:xfrm>
           <a:prstGeom prst="rect">
             <a:avLst/>
@@ -5643,7 +5808,13 @@
           </a:bodyPr>
           <a:lstStyle>
             <a:lvl1pPr indent="0" algn="ctr">
+              <a:lnSpc>
+                <a:spcPct val="100000"/>
+              </a:lnSpc>
               <a:buNone/>
+              <a:tabLst>
+                <a:tab algn="l" pos="0"/>
+              </a:tabLst>
               <a:defRPr b="0" lang="en-IN" sz="1400" strike="noStrike" u="none">
                 <a:solidFill>
                   <a:srgbClr val="000000"/>
@@ -5656,7 +5827,13 @@
           </a:lstStyle>
           <a:p>
             <a:pPr indent="0" algn="ctr">
+              <a:lnSpc>
+                <a:spcPct val="100000"/>
+              </a:lnSpc>
               <a:buNone/>
+              <a:tabLst>
+                <a:tab algn="l" pos="0"/>
+              </a:tabLst>
             </a:pPr>
             <a:r>
               <a:rPr b="0" lang="en-IN" sz="1400" strike="noStrike" u="none">
@@ -5693,7 +5870,7 @@
         <p:spPr>
           <a:xfrm>
             <a:off x="609480" y="6378120"/>
-            <a:ext cx="2803680" cy="342720"/>
+            <a:ext cx="2803320" cy="342360"/>
           </a:xfrm>
           <a:prstGeom prst="rect">
             <a:avLst/>
@@ -5713,6 +5890,9 @@
                 <a:spcPct val="100000"/>
               </a:lnSpc>
               <a:buNone/>
+              <a:tabLst>
+                <a:tab algn="l" pos="0"/>
+              </a:tabLst>
               <a:defRPr b="0" lang="en-US" sz="1800" strike="noStrike" u="none">
                 <a:solidFill>
                   <a:schemeClr val="dk1">
@@ -5731,6 +5911,9 @@
                 <a:spcPct val="100000"/>
               </a:lnSpc>
               <a:buNone/>
+              <a:tabLst>
+                <a:tab algn="l" pos="0"/>
+              </a:tabLst>
             </a:pPr>
             <a:r>
               <a:rPr b="0" lang="en-US" sz="1800" strike="noStrike" u="none">
@@ -5769,7 +5952,7 @@
         <p:spPr>
           <a:xfrm>
             <a:off x="11353320" y="6473160"/>
-            <a:ext cx="150840" cy="191520"/>
+            <a:ext cx="150480" cy="191160"/>
           </a:xfrm>
           <a:prstGeom prst="rect">
             <a:avLst/>
@@ -5792,6 +5975,9 @@
                 <a:spcPts val="54"/>
               </a:spcBef>
               <a:buNone/>
+              <a:tabLst>
+                <a:tab algn="l" pos="0"/>
+              </a:tabLst>
               <a:defRPr b="0" lang="en-US" sz="1100" spc="11" strike="noStrike" u="none">
                 <a:solidFill>
                   <a:srgbClr val="2d936b"/>
@@ -5811,8 +5997,11 @@
                 <a:spcPts val="54"/>
               </a:spcBef>
               <a:buNone/>
-            </a:pPr>
-            <a:fld id="{B0B53CF0-71BC-4062-8399-FEDD10D95777}" type="slidenum">
+              <a:tabLst>
+                <a:tab algn="l" pos="0"/>
+              </a:tabLst>
+            </a:pPr>
+            <a:fld id="{3F97000A-E671-4DCE-8615-119E119D2FFC}" type="slidenum">
               <a:rPr b="0" lang="en-US" sz="1100" spc="11" strike="noStrike" u="none">
                 <a:solidFill>
                   <a:srgbClr val="2d936b"/>
@@ -5847,7 +6036,7 @@
         <p:spPr>
           <a:xfrm>
             <a:off x="609480" y="1604520"/>
-            <a:ext cx="10972440" cy="3977280"/>
+            <a:ext cx="10972080" cy="3976920"/>
           </a:xfrm>
           <a:prstGeom prst="rect">
             <a:avLst/>
@@ -5863,6 +6052,9 @@
           </a:bodyPr>
           <a:p>
             <a:pPr marL="432000" indent="-324000">
+              <a:lnSpc>
+                <a:spcPct val="100000"/>
+              </a:lnSpc>
               <a:spcBef>
                 <a:spcPts val="1417"/>
               </a:spcBef>
@@ -5884,17 +6076,20 @@
               </a:rPr>
               <a:t>Click to edit the outline text format</a:t>
             </a:r>
-            <a:endParaRPr b="0" lang="en-US" sz="1800" strike="noStrike" u="none">
-              <a:solidFill>
-                <a:schemeClr val="dk1"/>
-              </a:solidFill>
-              <a:effectLst/>
-              <a:uFillTx/>
-              <a:latin typeface="Calibri"/>
+            <a:endParaRPr b="0" lang="en-IN" sz="1800" strike="noStrike" u="none">
+              <a:solidFill>
+                <a:srgbClr val="000000"/>
+              </a:solidFill>
+              <a:effectLst/>
+              <a:uFillTx/>
+              <a:latin typeface="Arial"/>
             </a:endParaRPr>
           </a:p>
           <a:p>
             <a:pPr lvl="1" marL="864000" indent="-324000">
+              <a:lnSpc>
+                <a:spcPct val="100000"/>
+              </a:lnSpc>
               <a:spcBef>
                 <a:spcPts val="1134"/>
               </a:spcBef>
@@ -5916,17 +6111,20 @@
               </a:rPr>
               <a:t>Second Outline Level</a:t>
             </a:r>
-            <a:endParaRPr b="0" lang="en-US" sz="1800" strike="noStrike" u="none">
-              <a:solidFill>
-                <a:schemeClr val="dk1"/>
-              </a:solidFill>
-              <a:effectLst/>
-              <a:uFillTx/>
-              <a:latin typeface="Calibri"/>
+            <a:endParaRPr b="0" lang="en-IN" sz="1800" strike="noStrike" u="none">
+              <a:solidFill>
+                <a:srgbClr val="000000"/>
+              </a:solidFill>
+              <a:effectLst/>
+              <a:uFillTx/>
+              <a:latin typeface="Arial"/>
             </a:endParaRPr>
           </a:p>
           <a:p>
             <a:pPr lvl="2" marL="1296000" indent="-288000">
+              <a:lnSpc>
+                <a:spcPct val="100000"/>
+              </a:lnSpc>
               <a:spcBef>
                 <a:spcPts val="850"/>
               </a:spcBef>
@@ -5948,17 +6146,20 @@
               </a:rPr>
               <a:t>Third Outline Level</a:t>
             </a:r>
-            <a:endParaRPr b="0" lang="en-US" sz="1800" strike="noStrike" u="none">
-              <a:solidFill>
-                <a:schemeClr val="dk1"/>
-              </a:solidFill>
-              <a:effectLst/>
-              <a:uFillTx/>
-              <a:latin typeface="Calibri"/>
+            <a:endParaRPr b="0" lang="en-IN" sz="1800" strike="noStrike" u="none">
+              <a:solidFill>
+                <a:srgbClr val="000000"/>
+              </a:solidFill>
+              <a:effectLst/>
+              <a:uFillTx/>
+              <a:latin typeface="Arial"/>
             </a:endParaRPr>
           </a:p>
           <a:p>
             <a:pPr lvl="3" marL="1728000" indent="-216000">
+              <a:lnSpc>
+                <a:spcPct val="100000"/>
+              </a:lnSpc>
               <a:spcBef>
                 <a:spcPts val="567"/>
               </a:spcBef>
@@ -5980,17 +6181,20 @@
               </a:rPr>
               <a:t>Fourth Outline Level</a:t>
             </a:r>
-            <a:endParaRPr b="0" lang="en-US" sz="1800" strike="noStrike" u="none">
-              <a:solidFill>
-                <a:schemeClr val="dk1"/>
-              </a:solidFill>
-              <a:effectLst/>
-              <a:uFillTx/>
-              <a:latin typeface="Calibri"/>
+            <a:endParaRPr b="0" lang="en-IN" sz="1800" strike="noStrike" u="none">
+              <a:solidFill>
+                <a:srgbClr val="000000"/>
+              </a:solidFill>
+              <a:effectLst/>
+              <a:uFillTx/>
+              <a:latin typeface="Arial"/>
             </a:endParaRPr>
           </a:p>
           <a:p>
             <a:pPr lvl="4" marL="2160000" indent="-216000">
+              <a:lnSpc>
+                <a:spcPct val="100000"/>
+              </a:lnSpc>
               <a:spcBef>
                 <a:spcPts val="283"/>
               </a:spcBef>
@@ -6012,17 +6216,20 @@
               </a:rPr>
               <a:t>Fifth Outline Level</a:t>
             </a:r>
-            <a:endParaRPr b="0" lang="en-US" sz="2000" strike="noStrike" u="none">
-              <a:solidFill>
-                <a:schemeClr val="dk1"/>
-              </a:solidFill>
-              <a:effectLst/>
-              <a:uFillTx/>
-              <a:latin typeface="Calibri"/>
+            <a:endParaRPr b="0" lang="en-IN" sz="2000" strike="noStrike" u="none">
+              <a:solidFill>
+                <a:srgbClr val="000000"/>
+              </a:solidFill>
+              <a:effectLst/>
+              <a:uFillTx/>
+              <a:latin typeface="Arial"/>
             </a:endParaRPr>
           </a:p>
           <a:p>
             <a:pPr lvl="5" marL="2592000" indent="-216000">
+              <a:lnSpc>
+                <a:spcPct val="100000"/>
+              </a:lnSpc>
               <a:spcBef>
                 <a:spcPts val="283"/>
               </a:spcBef>
@@ -6044,17 +6251,20 @@
               </a:rPr>
               <a:t>Sixth Outline Level</a:t>
             </a:r>
-            <a:endParaRPr b="0" lang="en-US" sz="2000" strike="noStrike" u="none">
-              <a:solidFill>
-                <a:schemeClr val="dk1"/>
-              </a:solidFill>
-              <a:effectLst/>
-              <a:uFillTx/>
-              <a:latin typeface="Calibri"/>
+            <a:endParaRPr b="0" lang="en-IN" sz="2000" strike="noStrike" u="none">
+              <a:solidFill>
+                <a:srgbClr val="000000"/>
+              </a:solidFill>
+              <a:effectLst/>
+              <a:uFillTx/>
+              <a:latin typeface="Arial"/>
             </a:endParaRPr>
           </a:p>
           <a:p>
             <a:pPr lvl="6" marL="3024000" indent="-216000">
+              <a:lnSpc>
+                <a:spcPct val="100000"/>
+              </a:lnSpc>
               <a:spcBef>
                 <a:spcPts val="283"/>
               </a:spcBef>
@@ -6076,13 +6286,13 @@
               </a:rPr>
               <a:t>Seventh Outline Level</a:t>
             </a:r>
-            <a:endParaRPr b="0" lang="en-US" sz="2000" strike="noStrike" u="none">
-              <a:solidFill>
-                <a:schemeClr val="dk1"/>
-              </a:solidFill>
-              <a:effectLst/>
-              <a:uFillTx/>
-              <a:latin typeface="Calibri"/>
+            <a:endParaRPr b="0" lang="en-IN" sz="2000" strike="noStrike" u="none">
+              <a:solidFill>
+                <a:srgbClr val="000000"/>
+              </a:solidFill>
+              <a:effectLst/>
+              <a:uFillTx/>
+              <a:latin typeface="Arial"/>
             </a:endParaRPr>
           </a:p>
         </p:txBody>
@@ -6125,15 +6335,15 @@
         <p:spPr>
           <a:xfrm>
             <a:off x="9377280" y="4680"/>
-            <a:ext cx="1218240" cy="6853320"/>
+            <a:ext cx="1217880" cy="6852960"/>
           </a:xfrm>
           <a:custGeom>
             <a:avLst/>
             <a:gdLst>
-              <a:gd name="textAreaLeft" fmla="*/ 0 w 1218240"/>
-              <a:gd name="textAreaRight" fmla="*/ 1218600 w 1218240"/>
-              <a:gd name="textAreaTop" fmla="*/ 0 h 6853320"/>
-              <a:gd name="textAreaBottom" fmla="*/ 6853680 h 6853320"/>
+              <a:gd name="textAreaLeft" fmla="*/ 0 w 1217880"/>
+              <a:gd name="textAreaRight" fmla="*/ 1218600 w 1217880"/>
+              <a:gd name="textAreaTop" fmla="*/ 0 h 6852960"/>
+              <a:gd name="textAreaBottom" fmla="*/ 6853680 h 6852960"/>
             </a:gdLst>
             <a:ahLst/>
             <a:cxnLst/>
@@ -6193,15 +6403,15 @@
         <p:spPr>
           <a:xfrm>
             <a:off x="7448760" y="3695040"/>
-            <a:ext cx="4743000" cy="3163320"/>
+            <a:ext cx="4742640" cy="3162960"/>
           </a:xfrm>
           <a:custGeom>
             <a:avLst/>
             <a:gdLst>
-              <a:gd name="textAreaLeft" fmla="*/ 0 w 4743000"/>
-              <a:gd name="textAreaRight" fmla="*/ 4743360 w 4743000"/>
-              <a:gd name="textAreaTop" fmla="*/ 0 h 3163320"/>
-              <a:gd name="textAreaBottom" fmla="*/ 3163680 h 3163320"/>
+              <a:gd name="textAreaLeft" fmla="*/ 0 w 4742640"/>
+              <a:gd name="textAreaRight" fmla="*/ 4743360 w 4742640"/>
+              <a:gd name="textAreaTop" fmla="*/ 0 h 3162960"/>
+              <a:gd name="textAreaBottom" fmla="*/ 3163680 h 3162960"/>
             </a:gdLst>
             <a:ahLst/>
             <a:cxnLst/>
@@ -6261,15 +6471,15 @@
         <p:spPr>
           <a:xfrm>
             <a:off x="9182160" y="0"/>
-            <a:ext cx="3009600" cy="6857640"/>
+            <a:ext cx="3009240" cy="6857280"/>
           </a:xfrm>
           <a:custGeom>
             <a:avLst/>
             <a:gdLst>
-              <a:gd name="textAreaLeft" fmla="*/ 0 w 3009600"/>
-              <a:gd name="textAreaRight" fmla="*/ 3009960 w 3009600"/>
-              <a:gd name="textAreaTop" fmla="*/ 0 h 6857640"/>
-              <a:gd name="textAreaBottom" fmla="*/ 6858000 h 6857640"/>
+              <a:gd name="textAreaLeft" fmla="*/ 0 w 3009240"/>
+              <a:gd name="textAreaRight" fmla="*/ 3009960 w 3009240"/>
+              <a:gd name="textAreaTop" fmla="*/ 0 h 6857280"/>
+              <a:gd name="textAreaBottom" fmla="*/ 6858000 h 6857280"/>
             </a:gdLst>
             <a:ahLst/>
             <a:cxnLst/>
@@ -6340,15 +6550,15 @@
         <p:spPr>
           <a:xfrm>
             <a:off x="9603000" y="0"/>
-            <a:ext cx="2589120" cy="6857640"/>
+            <a:ext cx="2588760" cy="6857280"/>
           </a:xfrm>
           <a:custGeom>
             <a:avLst/>
             <a:gdLst>
-              <a:gd name="textAreaLeft" fmla="*/ 0 w 2589120"/>
-              <a:gd name="textAreaRight" fmla="*/ 2589480 w 2589120"/>
-              <a:gd name="textAreaTop" fmla="*/ 0 h 6857640"/>
-              <a:gd name="textAreaBottom" fmla="*/ 6858000 h 6857640"/>
+              <a:gd name="textAreaLeft" fmla="*/ 0 w 2588760"/>
+              <a:gd name="textAreaRight" fmla="*/ 2589480 w 2588760"/>
+              <a:gd name="textAreaTop" fmla="*/ 0 h 6857280"/>
+              <a:gd name="textAreaBottom" fmla="*/ 6858000 h 6857280"/>
             </a:gdLst>
             <a:ahLst/>
             <a:cxnLst/>
@@ -6419,15 +6629,15 @@
         <p:spPr>
           <a:xfrm>
             <a:off x="8934480" y="3048120"/>
-            <a:ext cx="3257280" cy="3809520"/>
+            <a:ext cx="3256920" cy="3809160"/>
           </a:xfrm>
           <a:custGeom>
             <a:avLst/>
             <a:gdLst>
-              <a:gd name="textAreaLeft" fmla="*/ 0 w 3257280"/>
-              <a:gd name="textAreaRight" fmla="*/ 3257640 w 3257280"/>
-              <a:gd name="textAreaTop" fmla="*/ 0 h 3809520"/>
-              <a:gd name="textAreaBottom" fmla="*/ 3809880 h 3809520"/>
+              <a:gd name="textAreaLeft" fmla="*/ 0 w 3256920"/>
+              <a:gd name="textAreaRight" fmla="*/ 3257640 w 3256920"/>
+              <a:gd name="textAreaTop" fmla="*/ 0 h 3809160"/>
+              <a:gd name="textAreaBottom" fmla="*/ 3809880 h 3809160"/>
             </a:gdLst>
             <a:ahLst/>
             <a:cxnLst/>
@@ -6495,15 +6705,15 @@
         <p:spPr>
           <a:xfrm>
             <a:off x="9338040" y="0"/>
-            <a:ext cx="2854080" cy="6857640"/>
+            <a:ext cx="2853720" cy="6857280"/>
           </a:xfrm>
           <a:custGeom>
             <a:avLst/>
             <a:gdLst>
-              <a:gd name="textAreaLeft" fmla="*/ 0 w 2854080"/>
-              <a:gd name="textAreaRight" fmla="*/ 2854440 w 2854080"/>
-              <a:gd name="textAreaTop" fmla="*/ 0 h 6857640"/>
-              <a:gd name="textAreaBottom" fmla="*/ 6858000 h 6857640"/>
+              <a:gd name="textAreaLeft" fmla="*/ 0 w 2853720"/>
+              <a:gd name="textAreaRight" fmla="*/ 2854440 w 2853720"/>
+              <a:gd name="textAreaTop" fmla="*/ 0 h 6857280"/>
+              <a:gd name="textAreaBottom" fmla="*/ 6858000 h 6857280"/>
             </a:gdLst>
             <a:ahLst/>
             <a:cxnLst/>
@@ -6574,15 +6784,15 @@
         <p:spPr>
           <a:xfrm>
             <a:off x="10896480" y="0"/>
-            <a:ext cx="1294920" cy="6857640"/>
+            <a:ext cx="1294560" cy="6857280"/>
           </a:xfrm>
           <a:custGeom>
             <a:avLst/>
             <a:gdLst>
-              <a:gd name="textAreaLeft" fmla="*/ 0 w 1294920"/>
-              <a:gd name="textAreaRight" fmla="*/ 1295280 w 1294920"/>
-              <a:gd name="textAreaTop" fmla="*/ 0 h 6857640"/>
-              <a:gd name="textAreaBottom" fmla="*/ 6858000 h 6857640"/>
+              <a:gd name="textAreaLeft" fmla="*/ 0 w 1294560"/>
+              <a:gd name="textAreaRight" fmla="*/ 1295280 w 1294560"/>
+              <a:gd name="textAreaTop" fmla="*/ 0 h 6857280"/>
+              <a:gd name="textAreaBottom" fmla="*/ 6858000 h 6857280"/>
             </a:gdLst>
             <a:ahLst/>
             <a:cxnLst/>
@@ -6653,15 +6863,15 @@
         <p:spPr>
           <a:xfrm>
             <a:off x="10936080" y="0"/>
-            <a:ext cx="1255680" cy="6857640"/>
+            <a:ext cx="1255320" cy="6857280"/>
           </a:xfrm>
           <a:custGeom>
             <a:avLst/>
             <a:gdLst>
-              <a:gd name="textAreaLeft" fmla="*/ 0 w 1255680"/>
-              <a:gd name="textAreaRight" fmla="*/ 1256040 w 1255680"/>
-              <a:gd name="textAreaTop" fmla="*/ 0 h 6857640"/>
-              <a:gd name="textAreaBottom" fmla="*/ 6858000 h 6857640"/>
+              <a:gd name="textAreaLeft" fmla="*/ 0 w 1255320"/>
+              <a:gd name="textAreaRight" fmla="*/ 1256040 w 1255320"/>
+              <a:gd name="textAreaTop" fmla="*/ 0 h 6857280"/>
+              <a:gd name="textAreaBottom" fmla="*/ 6858000 h 6857280"/>
             </a:gdLst>
             <a:ahLst/>
             <a:cxnLst/>
@@ -6732,15 +6942,15 @@
         <p:spPr>
           <a:xfrm>
             <a:off x="10372680" y="3591000"/>
-            <a:ext cx="1819080" cy="3266640"/>
+            <a:ext cx="1818720" cy="3266280"/>
           </a:xfrm>
           <a:custGeom>
             <a:avLst/>
             <a:gdLst>
-              <a:gd name="textAreaLeft" fmla="*/ 0 w 1819080"/>
-              <a:gd name="textAreaRight" fmla="*/ 1819440 w 1819080"/>
-              <a:gd name="textAreaTop" fmla="*/ 0 h 3266640"/>
-              <a:gd name="textAreaBottom" fmla="*/ 3267000 h 3266640"/>
+              <a:gd name="textAreaLeft" fmla="*/ 0 w 1818720"/>
+              <a:gd name="textAreaRight" fmla="*/ 1819440 w 1818720"/>
+              <a:gd name="textAreaTop" fmla="*/ 0 h 3266280"/>
+              <a:gd name="textAreaBottom" fmla="*/ 3267000 h 3266280"/>
             </a:gdLst>
             <a:ahLst/>
             <a:cxnLst/>
@@ -6808,15 +7018,15 @@
         <p:spPr>
           <a:xfrm>
             <a:off x="0" y="4010040"/>
-            <a:ext cx="447480" cy="2847600"/>
+            <a:ext cx="447120" cy="2847240"/>
           </a:xfrm>
           <a:custGeom>
             <a:avLst/>
             <a:gdLst>
-              <a:gd name="textAreaLeft" fmla="*/ 0 w 447480"/>
-              <a:gd name="textAreaRight" fmla="*/ 447840 w 447480"/>
-              <a:gd name="textAreaTop" fmla="*/ 0 h 2847600"/>
-              <a:gd name="textAreaBottom" fmla="*/ 2847960 h 2847600"/>
+              <a:gd name="textAreaLeft" fmla="*/ 0 w 447120"/>
+              <a:gd name="textAreaRight" fmla="*/ 447840 w 447120"/>
+              <a:gd name="textAreaTop" fmla="*/ 0 h 2847240"/>
+              <a:gd name="textAreaBottom" fmla="*/ 2847960 h 2847240"/>
             </a:gdLst>
             <a:ahLst/>
             <a:cxnLst/>
@@ -6888,7 +7098,7 @@
         <p:spPr>
           <a:xfrm>
             <a:off x="4145400" y="6378120"/>
-            <a:ext cx="3900960" cy="342720"/>
+            <a:ext cx="3900600" cy="342360"/>
           </a:xfrm>
           <a:prstGeom prst="rect">
             <a:avLst/>
@@ -6904,7 +7114,13 @@
           </a:bodyPr>
           <a:lstStyle>
             <a:lvl1pPr indent="0" algn="ctr">
+              <a:lnSpc>
+                <a:spcPct val="100000"/>
+              </a:lnSpc>
               <a:buNone/>
+              <a:tabLst>
+                <a:tab algn="l" pos="0"/>
+              </a:tabLst>
               <a:defRPr b="0" lang="en-IN" sz="1400" strike="noStrike" u="none">
                 <a:solidFill>
                   <a:srgbClr val="000000"/>
@@ -6917,7 +7133,13 @@
           </a:lstStyle>
           <a:p>
             <a:pPr indent="0" algn="ctr">
+              <a:lnSpc>
+                <a:spcPct val="100000"/>
+              </a:lnSpc>
               <a:buNone/>
+              <a:tabLst>
+                <a:tab algn="l" pos="0"/>
+              </a:tabLst>
             </a:pPr>
             <a:r>
               <a:rPr b="0" lang="en-IN" sz="1400" strike="noStrike" u="none">
@@ -6954,7 +7176,7 @@
         <p:spPr>
           <a:xfrm>
             <a:off x="609480" y="6378120"/>
-            <a:ext cx="2803680" cy="342720"/>
+            <a:ext cx="2803320" cy="342360"/>
           </a:xfrm>
           <a:prstGeom prst="rect">
             <a:avLst/>
@@ -6974,6 +7196,9 @@
                 <a:spcPct val="100000"/>
               </a:lnSpc>
               <a:buNone/>
+              <a:tabLst>
+                <a:tab algn="l" pos="0"/>
+              </a:tabLst>
               <a:defRPr b="0" lang="en-US" sz="1800" strike="noStrike" u="none">
                 <a:solidFill>
                   <a:schemeClr val="dk1">
@@ -6992,6 +7217,9 @@
                 <a:spcPct val="100000"/>
               </a:lnSpc>
               <a:buNone/>
+              <a:tabLst>
+                <a:tab algn="l" pos="0"/>
+              </a:tabLst>
             </a:pPr>
             <a:r>
               <a:rPr b="0" lang="en-US" sz="1800" strike="noStrike" u="none">
@@ -7030,7 +7258,7 @@
         <p:spPr>
           <a:xfrm>
             <a:off x="11353320" y="6473160"/>
-            <a:ext cx="150840" cy="191520"/>
+            <a:ext cx="150480" cy="191160"/>
           </a:xfrm>
           <a:prstGeom prst="rect">
             <a:avLst/>
@@ -7053,6 +7281,9 @@
                 <a:spcPts val="54"/>
               </a:spcBef>
               <a:buNone/>
+              <a:tabLst>
+                <a:tab algn="l" pos="0"/>
+              </a:tabLst>
               <a:defRPr b="0" lang="en-US" sz="1100" spc="11" strike="noStrike" u="none">
                 <a:solidFill>
                   <a:srgbClr val="2d936b"/>
@@ -7072,8 +7303,11 @@
                 <a:spcPts val="54"/>
               </a:spcBef>
               <a:buNone/>
-            </a:pPr>
-            <a:fld id="{5427FC1C-A697-4B7F-AE03-AAB1B22AFCDD}" type="slidenum">
+              <a:tabLst>
+                <a:tab algn="l" pos="0"/>
+              </a:tabLst>
+            </a:pPr>
+            <a:fld id="{27481915-E2E2-4EAB-89F3-3A6524E887DE}" type="slidenum">
               <a:rPr b="0" lang="en-US" sz="1100" spc="11" strike="noStrike" u="none">
                 <a:solidFill>
                   <a:srgbClr val="2d936b"/>
@@ -7156,9 +7390,9 @@
         <p:grpSpPr>
           <a:xfrm>
             <a:off x="876240" y="990720"/>
-            <a:ext cx="1742760" cy="1333080"/>
+            <a:ext cx="1742400" cy="1332720"/>
             <a:chOff x="876240" y="990720"/>
-            <a:chExt cx="1742760" cy="1333080"/>
+            <a:chExt cx="1742400" cy="1332720"/>
           </a:xfrm>
         </p:grpSpPr>
         <p:sp>
@@ -7170,15 +7404,15 @@
           <p:spPr>
             <a:xfrm>
               <a:off x="876240" y="1266840"/>
-              <a:ext cx="1228320" cy="1056960"/>
+              <a:ext cx="1227960" cy="1056600"/>
             </a:xfrm>
             <a:custGeom>
               <a:avLst/>
               <a:gdLst>
-                <a:gd name="textAreaLeft" fmla="*/ 0 w 1228320"/>
-                <a:gd name="textAreaRight" fmla="*/ 1228680 w 1228320"/>
-                <a:gd name="textAreaTop" fmla="*/ 0 h 1056960"/>
-                <a:gd name="textAreaBottom" fmla="*/ 1057320 h 1056960"/>
+                <a:gd name="textAreaLeft" fmla="*/ 0 w 1227960"/>
+                <a:gd name="textAreaRight" fmla="*/ 1228680 w 1227960"/>
+                <a:gd name="textAreaTop" fmla="*/ 0 h 1056600"/>
+                <a:gd name="textAreaBottom" fmla="*/ 1057320 h 1056600"/>
               </a:gdLst>
               <a:ahLst/>
               <a:cxnLst/>
@@ -7253,15 +7487,15 @@
           <p:spPr>
             <a:xfrm>
               <a:off x="1971720" y="990720"/>
-              <a:ext cx="647280" cy="561600"/>
+              <a:ext cx="646920" cy="561240"/>
             </a:xfrm>
             <a:custGeom>
               <a:avLst/>
               <a:gdLst>
-                <a:gd name="textAreaLeft" fmla="*/ 0 w 647280"/>
-                <a:gd name="textAreaRight" fmla="*/ 647640 w 647280"/>
-                <a:gd name="textAreaTop" fmla="*/ 0 h 561600"/>
-                <a:gd name="textAreaBottom" fmla="*/ 561960 h 561600"/>
+                <a:gd name="textAreaLeft" fmla="*/ 0 w 646920"/>
+                <a:gd name="textAreaRight" fmla="*/ 647640 w 646920"/>
+                <a:gd name="textAreaTop" fmla="*/ 0 h 561240"/>
+                <a:gd name="textAreaBottom" fmla="*/ 561960 h 561240"/>
               </a:gdLst>
               <a:ahLst/>
               <a:cxnLst/>
@@ -7337,15 +7571,15 @@
         <p:spPr>
           <a:xfrm>
             <a:off x="3753000" y="1190520"/>
-            <a:ext cx="1666440" cy="1437840"/>
+            <a:ext cx="1666080" cy="1437480"/>
           </a:xfrm>
           <a:custGeom>
             <a:avLst/>
             <a:gdLst>
-              <a:gd name="textAreaLeft" fmla="*/ 0 w 1666440"/>
-              <a:gd name="textAreaRight" fmla="*/ 1666800 w 1666440"/>
-              <a:gd name="textAreaTop" fmla="*/ 0 h 1437840"/>
-              <a:gd name="textAreaBottom" fmla="*/ 1438200 h 1437840"/>
+              <a:gd name="textAreaLeft" fmla="*/ 0 w 1666080"/>
+              <a:gd name="textAreaRight" fmla="*/ 1666800 w 1666080"/>
+              <a:gd name="textAreaTop" fmla="*/ 0 h 1437480"/>
+              <a:gd name="textAreaBottom" fmla="*/ 1438200 h 1437480"/>
             </a:gdLst>
             <a:ahLst/>
             <a:cxnLst/>
@@ -7420,15 +7654,15 @@
         <p:spPr>
           <a:xfrm>
             <a:off x="3800520" y="5229360"/>
-            <a:ext cx="723600" cy="618840"/>
+            <a:ext cx="723240" cy="618480"/>
           </a:xfrm>
           <a:custGeom>
             <a:avLst/>
             <a:gdLst>
-              <a:gd name="textAreaLeft" fmla="*/ 0 w 723600"/>
-              <a:gd name="textAreaRight" fmla="*/ 723960 w 723600"/>
-              <a:gd name="textAreaTop" fmla="*/ 0 h 618840"/>
-              <a:gd name="textAreaBottom" fmla="*/ 619200 h 618840"/>
+              <a:gd name="textAreaLeft" fmla="*/ 0 w 723240"/>
+              <a:gd name="textAreaRight" fmla="*/ 723960 w 723240"/>
+              <a:gd name="textAreaTop" fmla="*/ 0 h 618480"/>
+              <a:gd name="textAreaBottom" fmla="*/ 619200 h 618480"/>
             </a:gdLst>
             <a:ahLst/>
             <a:cxnLst/>
@@ -7507,7 +7741,7 @@
         <p:spPr>
           <a:xfrm>
             <a:off x="1523880" y="19800"/>
-            <a:ext cx="7629120" cy="1001880"/>
+            <a:ext cx="7628760" cy="1002240"/>
           </a:xfrm>
           <a:prstGeom prst="rect">
             <a:avLst/>
@@ -7530,6 +7764,9 @@
                 <a:spcPts val="130"/>
               </a:spcBef>
               <a:buNone/>
+              <a:tabLst>
+                <a:tab algn="l" pos="0"/>
+              </a:tabLst>
             </a:pPr>
             <a:r>
               <a:rPr b="1" lang="en-US" sz="3200" strike="noStrike" u="none">
@@ -7545,13 +7782,13 @@
             <a:br>
               <a:rPr sz="3200"/>
             </a:br>
-            <a:endParaRPr b="0" lang="en-US" sz="3200" strike="noStrike" u="none">
-              <a:solidFill>
-                <a:schemeClr val="dk1"/>
-              </a:solidFill>
-              <a:effectLst/>
-              <a:uFillTx/>
-              <a:latin typeface="Calibri"/>
+            <a:endParaRPr b="0" lang="en-IN" sz="3200" strike="noStrike" u="none">
+              <a:solidFill>
+                <a:srgbClr val="000000"/>
+              </a:solidFill>
+              <a:effectLst/>
+              <a:uFillTx/>
+              <a:latin typeface="Arial"/>
             </a:endParaRPr>
           </a:p>
         </p:txBody>
@@ -7569,7 +7806,7 @@
         <p:spPr>
           <a:xfrm>
             <a:off x="676440" y="6467400"/>
-            <a:ext cx="2142720" cy="199800"/>
+            <a:ext cx="2142360" cy="199440"/>
           </a:xfrm>
           <a:prstGeom prst="rect">
             <a:avLst/>
@@ -7593,7 +7830,7 @@
         <p:spPr>
           <a:xfrm>
             <a:off x="11353320" y="6473160"/>
-            <a:ext cx="150840" cy="191880"/>
+            <a:ext cx="150480" cy="192240"/>
           </a:xfrm>
           <a:prstGeom prst="rect">
             <a:avLst/>
@@ -7616,6 +7853,9 @@
                 <a:spcPts val="54"/>
               </a:spcBef>
               <a:buNone/>
+              <a:tabLst>
+                <a:tab algn="l" pos="0"/>
+              </a:tabLst>
               <a:defRPr b="0" lang="en-US" sz="1100" spc="11" strike="noStrike" u="none">
                 <a:solidFill>
                   <a:srgbClr val="2d936b"/>
@@ -7635,8 +7875,11 @@
                 <a:spcPts val="54"/>
               </a:spcBef>
               <a:buNone/>
-            </a:pPr>
-            <a:fld id="{266D8C84-F791-48F1-8BCC-CBB425D4DFFB}" type="slidenum">
+              <a:tabLst>
+                <a:tab algn="l" pos="0"/>
+              </a:tabLst>
+            </a:pPr>
+            <a:fld id="{B86AD85A-F3BE-4768-A920-DA4AE136A36E}" type="slidenum">
               <a:rPr b="0" lang="en-US" sz="1100" spc="11" strike="noStrike" u="none">
                 <a:solidFill>
                   <a:srgbClr val="2d936b"/>
@@ -7667,7 +7910,7 @@
         <p:spPr>
           <a:xfrm>
             <a:off x="1800000" y="3314160"/>
-            <a:ext cx="9364680" cy="2574360"/>
+            <a:ext cx="9364320" cy="3009960"/>
           </a:xfrm>
           <a:prstGeom prst="rect">
             <a:avLst/>
@@ -7684,7 +7927,7 @@
           <a:fontRef idx="minor"/>
         </p:style>
         <p:txBody>
-          <a:bodyPr anchor="t">
+          <a:bodyPr lIns="90000" rIns="90000" tIns="45000" bIns="45000" anchor="t">
             <a:spAutoFit/>
           </a:bodyPr>
           <a:p>
@@ -7761,7 +8004,6 @@
               <a:effectLst/>
               <a:uFillTx/>
               <a:latin typeface="Arial"/>
-              <a:ea typeface="Noto Sans CJK SC"/>
             </a:endParaRPr>
           </a:p>
           <a:p>
@@ -7807,7 +8049,29 @@
                 <a:uFillTx/>
                 <a:latin typeface="Calibri"/>
               </a:rPr>
-              <a:t>24BSCT146</a:t>
+              <a:t>24BSCT146 </a:t>
+            </a:r>
+            <a:r>
+              <a:rPr b="0" lang="en-US" sz="2400" strike="noStrike" u="none">
+                <a:solidFill>
+                  <a:schemeClr val="dk1"/>
+                </a:solidFill>
+                <a:effectLst/>
+                <a:uFillTx/>
+                <a:latin typeface="Calibri"/>
+              </a:rPr>
+              <a:t>	</a:t>
+            </a:r>
+            <a:r>
+              <a:rPr b="0" lang="en-US" sz="2400" strike="noStrike" u="none">
+                <a:solidFill>
+                  <a:schemeClr val="dk1"/>
+                </a:solidFill>
+                <a:effectLst/>
+                <a:uFillTx/>
+                <a:latin typeface="Calibri"/>
+              </a:rPr>
+              <a:t>	</a:t>
             </a:r>
             <a:endParaRPr b="0" lang="en-IN" sz="2400" strike="noStrike" u="none">
               <a:solidFill>
@@ -7816,7 +8080,6 @@
               <a:effectLst/>
               <a:uFillTx/>
               <a:latin typeface="Arial"/>
-              <a:ea typeface="Noto Sans CJK SC"/>
             </a:endParaRPr>
           </a:p>
           <a:p>
@@ -7840,51 +8103,7 @@
                 <a:uFillTx/>
                 <a:latin typeface="Calibri"/>
               </a:rPr>
-              <a:t>DEPARTMENT: </a:t>
-            </a:r>
-            <a:r>
-              <a:rPr b="0" lang="en-US" sz="2400" strike="noStrike" u="none">
-                <a:solidFill>
-                  <a:schemeClr val="dk1"/>
-                </a:solidFill>
-                <a:effectLst/>
-                <a:uFillTx/>
-                <a:latin typeface="Calibri"/>
-              </a:rPr>
-              <a:t>	</a:t>
-            </a:r>
-            <a:r>
-              <a:rPr b="0" lang="en-US" sz="2400" strike="noStrike" u="none">
-                <a:solidFill>
-                  <a:schemeClr val="dk1"/>
-                </a:solidFill>
-                <a:effectLst/>
-                <a:uFillTx/>
-                <a:latin typeface="Calibri"/>
-              </a:rPr>
-              <a:t>	</a:t>
-            </a:r>
-            <a:r>
-              <a:rPr b="0" lang="en-US" sz="2400" strike="noStrike" u="none">
-                <a:solidFill>
-                  <a:schemeClr val="dk1"/>
-                </a:solidFill>
-                <a:effectLst/>
-                <a:uFillTx/>
-                <a:latin typeface="Calibri"/>
-              </a:rPr>
-              <a:t>	</a:t>
-            </a:r>
-            <a:r>
-              <a:rPr b="0" lang="en-US" sz="2400" strike="noStrike" u="none">
-                <a:solidFill>
-                  <a:schemeClr val="dk1"/>
-                </a:solidFill>
-                <a:effectLst/>
-                <a:uFillTx/>
-                <a:latin typeface="Calibri"/>
-              </a:rPr>
-              <a:t>COMPUTER TECHNOLOGY</a:t>
+              <a:t>1266F638E3A7D28989F4E077EABDFEE9</a:t>
             </a:r>
             <a:endParaRPr b="0" lang="en-IN" sz="2400" strike="noStrike" u="none">
               <a:solidFill>
@@ -7893,7 +8112,6 @@
               <a:effectLst/>
               <a:uFillTx/>
               <a:latin typeface="Arial"/>
-              <a:ea typeface="Noto Sans CJK SC"/>
             </a:endParaRPr>
           </a:p>
           <a:p>
@@ -7917,7 +8135,7 @@
                 <a:uFillTx/>
                 <a:latin typeface="Calibri"/>
               </a:rPr>
-              <a:t>COLLEGE: </a:t>
+              <a:t>DEPARTMENT: </a:t>
             </a:r>
             <a:r>
               <a:rPr b="0" lang="en-US" sz="2400" strike="noStrike" u="none">
@@ -7961,84 +8179,7 @@
                 <a:uFillTx/>
                 <a:latin typeface="Calibri"/>
               </a:rPr>
-              <a:t>	</a:t>
-            </a:r>
-            <a:r>
-              <a:rPr b="0" lang="en-US" sz="2400" strike="noStrike" u="none">
-                <a:solidFill>
-                  <a:schemeClr val="dk1"/>
-                </a:solidFill>
-                <a:effectLst/>
-                <a:uFillTx/>
-                <a:latin typeface="Calibri"/>
-              </a:rPr>
-              <a:t>SRI KRISHNA ADITHYA COLLEGE </a:t>
-            </a:r>
-            <a:r>
-              <a:rPr b="0" lang="en-US" sz="2400" strike="noStrike" u="none">
-                <a:solidFill>
-                  <a:schemeClr val="dk1"/>
-                </a:solidFill>
-                <a:effectLst/>
-                <a:uFillTx/>
-                <a:latin typeface="Calibri"/>
-              </a:rPr>
-              <a:t>	</a:t>
-            </a:r>
-            <a:r>
-              <a:rPr b="0" lang="en-US" sz="2400" strike="noStrike" u="none">
-                <a:solidFill>
-                  <a:schemeClr val="dk1"/>
-                </a:solidFill>
-                <a:effectLst/>
-                <a:uFillTx/>
-                <a:latin typeface="Calibri"/>
-              </a:rPr>
-              <a:t>	</a:t>
-            </a:r>
-            <a:r>
-              <a:rPr b="0" lang="en-US" sz="2400" strike="noStrike" u="none">
-                <a:solidFill>
-                  <a:schemeClr val="dk1"/>
-                </a:solidFill>
-                <a:effectLst/>
-                <a:uFillTx/>
-                <a:latin typeface="Calibri"/>
-              </a:rPr>
-              <a:t>	</a:t>
-            </a:r>
-            <a:r>
-              <a:rPr b="0" lang="en-US" sz="2400" strike="noStrike" u="none">
-                <a:solidFill>
-                  <a:schemeClr val="dk1"/>
-                </a:solidFill>
-                <a:effectLst/>
-                <a:uFillTx/>
-                <a:latin typeface="Calibri"/>
-              </a:rPr>
-              <a:t>	</a:t>
-            </a:r>
-            <a:r>
-              <a:rPr b="0" lang="en-US" sz="2400" strike="noStrike" u="none">
-                <a:solidFill>
-                  <a:schemeClr val="dk1"/>
-                </a:solidFill>
-                <a:effectLst/>
-                <a:uFillTx/>
-                <a:latin typeface="Calibri"/>
-              </a:rPr>
-              <a:t>	</a:t>
-            </a:r>
-            <a:r>
-              <a:rPr b="0" lang="en-US" sz="2400" strike="noStrike" u="none">
-                <a:solidFill>
-                  <a:schemeClr val="dk1"/>
-                </a:solidFill>
-                <a:effectLst/>
-                <a:uFillTx/>
-                <a:latin typeface="Calibri"/>
-              </a:rPr>
-              <a:t>OF ARTS AND SCIENCE</a:t>
+              <a:t>COMPUTER TECHNOLOGY</a:t>
             </a:r>
             <a:endParaRPr b="0" lang="en-IN" sz="2400" strike="noStrike" u="none">
               <a:solidFill>
@@ -8047,7 +8188,6 @@
               <a:effectLst/>
               <a:uFillTx/>
               <a:latin typeface="Arial"/>
-              <a:ea typeface="Noto Sans CJK SC"/>
             </a:endParaRPr>
           </a:p>
           <a:p>
@@ -8071,6 +8211,159 @@
                 <a:uFillTx/>
                 <a:latin typeface="Calibri"/>
               </a:rPr>
+              <a:t>COLLEGE: </a:t>
+            </a:r>
+            <a:r>
+              <a:rPr b="0" lang="en-US" sz="2400" strike="noStrike" u="none">
+                <a:solidFill>
+                  <a:schemeClr val="dk1"/>
+                </a:solidFill>
+                <a:effectLst/>
+                <a:uFillTx/>
+                <a:latin typeface="Calibri"/>
+              </a:rPr>
+              <a:t>	</a:t>
+            </a:r>
+            <a:r>
+              <a:rPr b="0" lang="en-US" sz="2400" strike="noStrike" u="none">
+                <a:solidFill>
+                  <a:schemeClr val="dk1"/>
+                </a:solidFill>
+                <a:effectLst/>
+                <a:uFillTx/>
+                <a:latin typeface="Calibri"/>
+              </a:rPr>
+              <a:t>	</a:t>
+            </a:r>
+            <a:r>
+              <a:rPr b="0" lang="en-US" sz="2400" strike="noStrike" u="none">
+                <a:solidFill>
+                  <a:schemeClr val="dk1"/>
+                </a:solidFill>
+                <a:effectLst/>
+                <a:uFillTx/>
+                <a:latin typeface="Calibri"/>
+              </a:rPr>
+              <a:t>	</a:t>
+            </a:r>
+            <a:r>
+              <a:rPr b="0" lang="en-US" sz="2400" strike="noStrike" u="none">
+                <a:solidFill>
+                  <a:schemeClr val="dk1"/>
+                </a:solidFill>
+                <a:effectLst/>
+                <a:uFillTx/>
+                <a:latin typeface="Calibri"/>
+              </a:rPr>
+              <a:t>	</a:t>
+            </a:r>
+            <a:r>
+              <a:rPr b="0" lang="en-US" sz="2400" strike="noStrike" u="none">
+                <a:solidFill>
+                  <a:schemeClr val="dk1"/>
+                </a:solidFill>
+                <a:effectLst/>
+                <a:uFillTx/>
+                <a:latin typeface="Calibri"/>
+              </a:rPr>
+              <a:t>SRI KRISHNA ADITHYA COLLEGE </a:t>
+            </a:r>
+            <a:r>
+              <a:rPr b="0" lang="en-US" sz="2400" strike="noStrike" u="none">
+                <a:solidFill>
+                  <a:schemeClr val="dk1"/>
+                </a:solidFill>
+                <a:effectLst/>
+                <a:uFillTx/>
+                <a:latin typeface="Calibri"/>
+              </a:rPr>
+              <a:t>	</a:t>
+            </a:r>
+            <a:r>
+              <a:rPr b="0" lang="en-US" sz="2400" strike="noStrike" u="none">
+                <a:solidFill>
+                  <a:schemeClr val="dk1"/>
+                </a:solidFill>
+                <a:effectLst/>
+                <a:uFillTx/>
+                <a:latin typeface="Calibri"/>
+              </a:rPr>
+              <a:t>	</a:t>
+            </a:r>
+            <a:r>
+              <a:rPr b="0" lang="en-US" sz="2400" strike="noStrike" u="none">
+                <a:solidFill>
+                  <a:schemeClr val="dk1"/>
+                </a:solidFill>
+                <a:effectLst/>
+                <a:uFillTx/>
+                <a:latin typeface="Calibri"/>
+              </a:rPr>
+              <a:t>	</a:t>
+            </a:r>
+            <a:r>
+              <a:rPr b="0" lang="en-US" sz="2400" strike="noStrike" u="none">
+                <a:solidFill>
+                  <a:schemeClr val="dk1"/>
+                </a:solidFill>
+                <a:effectLst/>
+                <a:uFillTx/>
+                <a:latin typeface="Calibri"/>
+              </a:rPr>
+              <a:t>	</a:t>
+            </a:r>
+            <a:r>
+              <a:rPr b="0" lang="en-US" sz="2400" strike="noStrike" u="none">
+                <a:solidFill>
+                  <a:schemeClr val="dk1"/>
+                </a:solidFill>
+                <a:effectLst/>
+                <a:uFillTx/>
+                <a:latin typeface="Calibri"/>
+              </a:rPr>
+              <a:t>	</a:t>
+            </a:r>
+            <a:r>
+              <a:rPr b="0" lang="en-US" sz="2400" strike="noStrike" u="none">
+                <a:solidFill>
+                  <a:schemeClr val="dk1"/>
+                </a:solidFill>
+                <a:effectLst/>
+                <a:uFillTx/>
+                <a:latin typeface="Calibri"/>
+              </a:rPr>
+              <a:t>OF ARTS AND SCIENCE</a:t>
+            </a:r>
+            <a:endParaRPr b="0" lang="en-IN" sz="2400" strike="noStrike" u="none">
+              <a:solidFill>
+                <a:srgbClr val="000000"/>
+              </a:solidFill>
+              <a:effectLst/>
+              <a:uFillTx/>
+              <a:latin typeface="Arial"/>
+            </a:endParaRPr>
+          </a:p>
+          <a:p>
+            <a:pPr defTabSz="914400">
+              <a:lnSpc>
+                <a:spcPct val="100000"/>
+              </a:lnSpc>
+              <a:spcBef>
+                <a:spcPts val="283"/>
+              </a:spcBef>
+              <a:spcAft>
+                <a:spcPts val="283"/>
+              </a:spcAft>
+            </a:pPr>
+            <a:r>
+              <a:rPr b="0" lang="en-US" sz="2400" strike="noStrike" u="none">
+                <a:solidFill>
+                  <a:schemeClr val="dk1"/>
+                </a:solidFill>
+                <a:effectLst/>
+                <a:uFillTx/>
+                <a:latin typeface="Calibri"/>
+              </a:rPr>
               <a:t>           </a:t>
             </a:r>
             <a:endParaRPr b="0" lang="en-IN" sz="2400" strike="noStrike" u="none">
@@ -8080,7 +8373,6 @@
               <a:effectLst/>
               <a:uFillTx/>
               <a:latin typeface="Arial"/>
-              <a:ea typeface="Noto Sans CJK SC"/>
             </a:endParaRPr>
           </a:p>
         </p:txBody>
@@ -8124,7 +8416,7 @@
         <p:spPr>
           <a:xfrm>
             <a:off x="752400" y="6486120"/>
-            <a:ext cx="1773360" cy="165960"/>
+            <a:ext cx="1773000" cy="165600"/>
           </a:xfrm>
           <a:prstGeom prst="rect">
             <a:avLst/>
@@ -8324,15 +8616,15 @@
         <p:spPr>
           <a:xfrm>
             <a:off x="9353520" y="5362560"/>
-            <a:ext cx="456840" cy="456840"/>
+            <a:ext cx="456480" cy="456480"/>
           </a:xfrm>
           <a:custGeom>
             <a:avLst/>
             <a:gdLst>
-              <a:gd name="textAreaLeft" fmla="*/ 0 w 456840"/>
-              <a:gd name="textAreaRight" fmla="*/ 457200 w 456840"/>
-              <a:gd name="textAreaTop" fmla="*/ 0 h 456840"/>
-              <a:gd name="textAreaBottom" fmla="*/ 457200 h 456840"/>
+              <a:gd name="textAreaLeft" fmla="*/ 0 w 456480"/>
+              <a:gd name="textAreaRight" fmla="*/ 457200 w 456480"/>
+              <a:gd name="textAreaTop" fmla="*/ 0 h 456480"/>
+              <a:gd name="textAreaBottom" fmla="*/ 457200 h 456480"/>
             </a:gdLst>
             <a:ahLst/>
             <a:cxnLst/>
@@ -8401,15 +8693,15 @@
         <p:spPr>
           <a:xfrm>
             <a:off x="6696000" y="1695600"/>
-            <a:ext cx="313920" cy="323640"/>
+            <a:ext cx="313560" cy="323280"/>
           </a:xfrm>
           <a:custGeom>
             <a:avLst/>
             <a:gdLst>
-              <a:gd name="textAreaLeft" fmla="*/ 0 w 313920"/>
-              <a:gd name="textAreaRight" fmla="*/ 314280 w 313920"/>
-              <a:gd name="textAreaTop" fmla="*/ 0 h 323640"/>
-              <a:gd name="textAreaBottom" fmla="*/ 324000 h 323640"/>
+              <a:gd name="textAreaLeft" fmla="*/ 0 w 313560"/>
+              <a:gd name="textAreaRight" fmla="*/ 314280 w 313560"/>
+              <a:gd name="textAreaTop" fmla="*/ 0 h 323280"/>
+              <a:gd name="textAreaBottom" fmla="*/ 324000 h 323280"/>
             </a:gdLst>
             <a:ahLst/>
             <a:cxnLst/>
@@ -8478,15 +8770,15 @@
         <p:spPr>
           <a:xfrm>
             <a:off x="9353520" y="5896080"/>
-            <a:ext cx="180720" cy="180720"/>
+            <a:ext cx="180360" cy="180360"/>
           </a:xfrm>
           <a:custGeom>
             <a:avLst/>
             <a:gdLst>
-              <a:gd name="textAreaLeft" fmla="*/ 0 w 180720"/>
-              <a:gd name="textAreaRight" fmla="*/ 181080 w 180720"/>
-              <a:gd name="textAreaTop" fmla="*/ 0 h 180720"/>
-              <a:gd name="textAreaBottom" fmla="*/ 181080 h 180720"/>
+              <a:gd name="textAreaLeft" fmla="*/ 0 w 180360"/>
+              <a:gd name="textAreaRight" fmla="*/ 181080 w 180360"/>
+              <a:gd name="textAreaTop" fmla="*/ 0 h 180360"/>
+              <a:gd name="textAreaBottom" fmla="*/ 181080 h 180360"/>
             </a:gdLst>
             <a:ahLst/>
             <a:cxnLst/>
@@ -8559,7 +8851,7 @@
         <p:spPr>
           <a:xfrm>
             <a:off x="66600" y="3381480"/>
-            <a:ext cx="2466720" cy="3419280"/>
+            <a:ext cx="2466360" cy="3418920"/>
           </a:xfrm>
           <a:prstGeom prst="rect">
             <a:avLst/>
@@ -8583,7 +8875,7 @@
         <p:spPr>
           <a:xfrm>
             <a:off x="739800" y="654840"/>
-            <a:ext cx="8480160" cy="748440"/>
+            <a:ext cx="8479800" cy="748800"/>
           </a:xfrm>
           <a:prstGeom prst="rect">
             <a:avLst/>
@@ -8606,6 +8898,9 @@
                 <a:spcPts val="130"/>
               </a:spcBef>
               <a:buNone/>
+              <a:tabLst>
+                <a:tab algn="l" pos="0"/>
+              </a:tabLst>
             </a:pPr>
             <a:r>
               <a:rPr b="1" lang="en-IN" sz="4250" spc="14" strike="noStrike" u="none">
@@ -8618,13 +8913,13 @@
               </a:rPr>
               <a:t>RESULTS AND SCREENSHOTS</a:t>
             </a:r>
-            <a:endParaRPr b="0" lang="en-US" sz="4250" strike="noStrike" u="none">
-              <a:solidFill>
-                <a:schemeClr val="dk1"/>
-              </a:solidFill>
-              <a:effectLst/>
-              <a:uFillTx/>
-              <a:latin typeface="Calibri"/>
+            <a:endParaRPr b="0" lang="en-IN" sz="4250" strike="noStrike" u="none">
+              <a:solidFill>
+                <a:srgbClr val="000000"/>
+              </a:solidFill>
+              <a:effectLst/>
+              <a:uFillTx/>
+              <a:latin typeface="Arial"/>
             </a:endParaRPr>
           </a:p>
         </p:txBody>
@@ -8638,7 +8933,7 @@
         <p:spPr>
           <a:xfrm>
             <a:off x="11277360" y="6473160"/>
-            <a:ext cx="228240" cy="191520"/>
+            <a:ext cx="227880" cy="191160"/>
           </a:xfrm>
           <a:prstGeom prst="rect">
             <a:avLst/>
@@ -8667,7 +8962,7 @@
                 <a:spcPts val="54"/>
               </a:spcBef>
             </a:pPr>
-            <a:fld id="{9CA2321C-0C43-4DAF-8851-FD08A4693FFF}" type="slidenum">
+            <a:fld id="{10134910-20D5-475B-AE94-98769B896769}" type="slidenum">
               <a:rPr b="0" lang="en-US" sz="1100" spc="11" strike="noStrike" u="none">
                 <a:solidFill>
                   <a:srgbClr val="2d936b"/>
@@ -8698,7 +8993,7 @@
         <p:spPr>
           <a:xfrm>
             <a:off x="2743200" y="2354760"/>
-            <a:ext cx="8533800" cy="953640"/>
+            <a:ext cx="8533440" cy="953280"/>
           </a:xfrm>
           <a:prstGeom prst="rect">
             <a:avLst/>
@@ -8763,7 +9058,7 @@
         <p:spPr>
           <a:xfrm>
             <a:off x="2659680" y="1620000"/>
-            <a:ext cx="8320320" cy="4680000"/>
+            <a:ext cx="8319960" cy="4679640"/>
           </a:xfrm>
           <a:prstGeom prst="rect">
             <a:avLst/>
@@ -8813,15 +9108,15 @@
         <p:spPr>
           <a:xfrm>
             <a:off x="9353520" y="5362560"/>
-            <a:ext cx="456840" cy="456840"/>
+            <a:ext cx="456480" cy="456480"/>
           </a:xfrm>
           <a:custGeom>
             <a:avLst/>
             <a:gdLst>
-              <a:gd name="textAreaLeft" fmla="*/ 0 w 456840"/>
-              <a:gd name="textAreaRight" fmla="*/ 457200 w 456840"/>
-              <a:gd name="textAreaTop" fmla="*/ 0 h 456840"/>
-              <a:gd name="textAreaBottom" fmla="*/ 457200 h 456840"/>
+              <a:gd name="textAreaLeft" fmla="*/ 0 w 456480"/>
+              <a:gd name="textAreaRight" fmla="*/ 457200 w 456480"/>
+              <a:gd name="textAreaTop" fmla="*/ 0 h 456480"/>
+              <a:gd name="textAreaBottom" fmla="*/ 457200 h 456480"/>
             </a:gdLst>
             <a:ahLst/>
             <a:cxnLst/>
@@ -8890,15 +9185,15 @@
         <p:spPr>
           <a:xfrm>
             <a:off x="6696000" y="1695600"/>
-            <a:ext cx="313920" cy="323640"/>
+            <a:ext cx="313560" cy="323280"/>
           </a:xfrm>
           <a:custGeom>
             <a:avLst/>
             <a:gdLst>
-              <a:gd name="textAreaLeft" fmla="*/ 0 w 313920"/>
-              <a:gd name="textAreaRight" fmla="*/ 314280 w 313920"/>
-              <a:gd name="textAreaTop" fmla="*/ 0 h 323640"/>
-              <a:gd name="textAreaBottom" fmla="*/ 324000 h 323640"/>
+              <a:gd name="textAreaLeft" fmla="*/ 0 w 313560"/>
+              <a:gd name="textAreaRight" fmla="*/ 314280 w 313560"/>
+              <a:gd name="textAreaTop" fmla="*/ 0 h 323280"/>
+              <a:gd name="textAreaBottom" fmla="*/ 324000 h 323280"/>
             </a:gdLst>
             <a:ahLst/>
             <a:cxnLst/>
@@ -8967,15 +9262,15 @@
         <p:spPr>
           <a:xfrm>
             <a:off x="9353520" y="5896080"/>
-            <a:ext cx="180720" cy="180720"/>
+            <a:ext cx="180360" cy="180360"/>
           </a:xfrm>
           <a:custGeom>
             <a:avLst/>
             <a:gdLst>
-              <a:gd name="textAreaLeft" fmla="*/ 0 w 180720"/>
-              <a:gd name="textAreaRight" fmla="*/ 181080 w 180720"/>
-              <a:gd name="textAreaTop" fmla="*/ 0 h 180720"/>
-              <a:gd name="textAreaBottom" fmla="*/ 181080 h 180720"/>
+              <a:gd name="textAreaLeft" fmla="*/ 0 w 180360"/>
+              <a:gd name="textAreaRight" fmla="*/ 181080 w 180360"/>
+              <a:gd name="textAreaTop" fmla="*/ 0 h 180360"/>
+              <a:gd name="textAreaBottom" fmla="*/ 181080 h 180360"/>
             </a:gdLst>
             <a:ahLst/>
             <a:cxnLst/>
@@ -9048,7 +9343,7 @@
         <p:spPr>
           <a:xfrm>
             <a:off x="1666800" y="6467400"/>
-            <a:ext cx="75960" cy="177480"/>
+            <a:ext cx="75600" cy="177120"/>
           </a:xfrm>
           <a:prstGeom prst="rect">
             <a:avLst/>
@@ -9072,7 +9367,7 @@
         <p:spPr>
           <a:xfrm>
             <a:off x="755280" y="385560"/>
-            <a:ext cx="4578480" cy="752400"/>
+            <a:ext cx="4578120" cy="752760"/>
           </a:xfrm>
           <a:prstGeom prst="rect">
             <a:avLst/>
@@ -9095,6 +9390,9 @@
                 <a:spcPts val="105"/>
               </a:spcBef>
               <a:buNone/>
+              <a:tabLst>
+                <a:tab algn="l" pos="0"/>
+              </a:tabLst>
             </a:pPr>
             <a:r>
               <a:rPr b="1" lang="en-IN" sz="4800" strike="noStrike" u="none">
@@ -9107,13 +9405,13 @@
               </a:rPr>
               <a:t>CONCLUSION</a:t>
             </a:r>
-            <a:endParaRPr b="0" lang="en-US" sz="4800" strike="noStrike" u="none">
-              <a:solidFill>
-                <a:schemeClr val="dk1"/>
-              </a:solidFill>
-              <a:effectLst/>
-              <a:uFillTx/>
-              <a:latin typeface="Calibri"/>
+            <a:endParaRPr b="0" lang="en-IN" sz="4800" strike="noStrike" u="none">
+              <a:solidFill>
+                <a:srgbClr val="000000"/>
+              </a:solidFill>
+              <a:effectLst/>
+              <a:uFillTx/>
+              <a:latin typeface="Arial"/>
             </a:endParaRPr>
           </a:p>
         </p:txBody>
@@ -9127,7 +9425,7 @@
         <p:spPr>
           <a:xfrm>
             <a:off x="11277360" y="6473160"/>
-            <a:ext cx="228240" cy="191520"/>
+            <a:ext cx="227880" cy="191160"/>
           </a:xfrm>
           <a:prstGeom prst="rect">
             <a:avLst/>
@@ -9156,7 +9454,7 @@
                 <a:spcPts val="54"/>
               </a:spcBef>
             </a:pPr>
-            <a:fld id="{5E0AB81C-ED56-4C33-B8FA-64CDA8C59996}" type="slidenum">
+            <a:fld id="{978B4D64-FF24-4C37-9BF7-935D0203A8B4}" type="slidenum">
               <a:rPr b="0" lang="en-US" sz="1100" spc="11" strike="noStrike" u="none">
                 <a:solidFill>
                   <a:srgbClr val="2d936b"/>
@@ -9181,13 +9479,13 @@
       <p:sp>
         <p:nvSpPr>
           <p:cNvPr id="189" name=""/>
-          <p:cNvSpPr txBox="1"/>
+          <p:cNvSpPr/>
           <p:nvPr/>
         </p:nvSpPr>
         <p:spPr>
           <a:xfrm>
             <a:off x="900000" y="2340000"/>
-            <a:ext cx="7380000" cy="2394000"/>
+            <a:ext cx="7379640" cy="2393640"/>
           </a:xfrm>
           <a:prstGeom prst="rect">
             <a:avLst/>
@@ -9197,11 +9495,22 @@
             <a:noFill/>
           </a:ln>
         </p:spPr>
+        <p:style>
+          <a:lnRef idx="0"/>
+          <a:fillRef idx="0"/>
+          <a:effectRef idx="0"/>
+          <a:fontRef idx="minor"/>
+        </p:style>
         <p:txBody>
           <a:bodyPr lIns="90000" rIns="90000" tIns="45000" bIns="45000" anchor="t">
             <a:spAutoFit/>
           </a:bodyPr>
           <a:p>
+            <a:pPr>
+              <a:lnSpc>
+                <a:spcPct val="100000"/>
+              </a:lnSpc>
+            </a:pPr>
             <a:r>
               <a:rPr b="0" lang="en-IN" sz="1800" strike="noStrike" u="none">
                 <a:solidFill>
@@ -9223,6 +9532,11 @@
             </a:endParaRPr>
           </a:p>
           <a:p>
+            <a:pPr>
+              <a:lnSpc>
+                <a:spcPct val="100000"/>
+              </a:lnSpc>
+            </a:pPr>
             <a:endParaRPr b="0" lang="en-IN" sz="1800" strike="noStrike" u="none">
               <a:solidFill>
                 <a:srgbClr val="000000"/>
@@ -9233,6 +9547,11 @@
             </a:endParaRPr>
           </a:p>
           <a:p>
+            <a:pPr>
+              <a:lnSpc>
+                <a:spcPct val="100000"/>
+              </a:lnSpc>
+            </a:pPr>
             <a:r>
               <a:rPr b="0" lang="en-IN" sz="1800" strike="noStrike" u="none">
                 <a:solidFill>
@@ -9254,6 +9573,11 @@
             </a:endParaRPr>
           </a:p>
           <a:p>
+            <a:pPr>
+              <a:lnSpc>
+                <a:spcPct val="100000"/>
+              </a:lnSpc>
+            </a:pPr>
             <a:endParaRPr b="0" lang="en-IN" sz="1800" strike="noStrike" u="none">
               <a:solidFill>
                 <a:srgbClr val="000000"/>
@@ -9264,6 +9588,11 @@
             </a:endParaRPr>
           </a:p>
           <a:p>
+            <a:pPr>
+              <a:lnSpc>
+                <a:spcPct val="100000"/>
+              </a:lnSpc>
+            </a:pPr>
             <a:r>
               <a:rPr b="0" lang="en-IN" sz="1800" strike="noStrike" u="none">
                 <a:solidFill>
@@ -9325,15 +9654,15 @@
         <p:spPr>
           <a:xfrm>
             <a:off x="0" y="0"/>
-            <a:ext cx="12191760" cy="6857640"/>
+            <a:ext cx="12191400" cy="6857280"/>
           </a:xfrm>
           <a:custGeom>
             <a:avLst/>
             <a:gdLst>
-              <a:gd name="textAreaLeft" fmla="*/ 0 w 12191760"/>
-              <a:gd name="textAreaRight" fmla="*/ 12192120 w 12191760"/>
-              <a:gd name="textAreaTop" fmla="*/ 0 h 6857640"/>
-              <a:gd name="textAreaBottom" fmla="*/ 6858000 h 6857640"/>
+              <a:gd name="textAreaLeft" fmla="*/ 0 w 12191400"/>
+              <a:gd name="textAreaRight" fmla="*/ 12192120 w 12191400"/>
+              <a:gd name="textAreaTop" fmla="*/ 0 h 6857280"/>
+              <a:gd name="textAreaBottom" fmla="*/ 6858000 h 6857280"/>
             </a:gdLst>
             <a:ahLst/>
             <a:cxnLst/>
@@ -9402,9 +9731,9 @@
         <p:grpSpPr>
           <a:xfrm>
             <a:off x="7448760" y="0"/>
-            <a:ext cx="4743360" cy="6858360"/>
+            <a:ext cx="4743000" cy="6858000"/>
             <a:chOff x="7448760" y="0"/>
-            <a:chExt cx="4743360" cy="6858360"/>
+            <a:chExt cx="4743000" cy="6858000"/>
           </a:xfrm>
         </p:grpSpPr>
         <p:sp>
@@ -9416,15 +9745,15 @@
           <p:spPr>
             <a:xfrm>
               <a:off x="9377280" y="4680"/>
-              <a:ext cx="1218240" cy="6853320"/>
+              <a:ext cx="1217880" cy="6852960"/>
             </a:xfrm>
             <a:custGeom>
               <a:avLst/>
               <a:gdLst>
-                <a:gd name="textAreaLeft" fmla="*/ 0 w 1218240"/>
-                <a:gd name="textAreaRight" fmla="*/ 1218600 w 1218240"/>
-                <a:gd name="textAreaTop" fmla="*/ 0 h 6853320"/>
-                <a:gd name="textAreaBottom" fmla="*/ 6853680 h 6853320"/>
+                <a:gd name="textAreaLeft" fmla="*/ 0 w 1217880"/>
+                <a:gd name="textAreaRight" fmla="*/ 1218600 w 1217880"/>
+                <a:gd name="textAreaTop" fmla="*/ 0 h 6852960"/>
+                <a:gd name="textAreaBottom" fmla="*/ 6853680 h 6852960"/>
               </a:gdLst>
               <a:ahLst/>
               <a:cxnLst/>
@@ -9484,15 +9813,15 @@
           <p:spPr>
             <a:xfrm>
               <a:off x="7448760" y="3695040"/>
-              <a:ext cx="4743000" cy="3163320"/>
+              <a:ext cx="4742640" cy="3162960"/>
             </a:xfrm>
             <a:custGeom>
               <a:avLst/>
               <a:gdLst>
-                <a:gd name="textAreaLeft" fmla="*/ 0 w 4743000"/>
-                <a:gd name="textAreaRight" fmla="*/ 4743360 w 4743000"/>
-                <a:gd name="textAreaTop" fmla="*/ 0 h 3163320"/>
-                <a:gd name="textAreaBottom" fmla="*/ 3163680 h 3163320"/>
+                <a:gd name="textAreaLeft" fmla="*/ 0 w 4742640"/>
+                <a:gd name="textAreaRight" fmla="*/ 4743360 w 4742640"/>
+                <a:gd name="textAreaTop" fmla="*/ 0 h 3162960"/>
+                <a:gd name="textAreaBottom" fmla="*/ 3163680 h 3162960"/>
               </a:gdLst>
               <a:ahLst/>
               <a:cxnLst/>
@@ -9552,15 +9881,15 @@
           <p:spPr>
             <a:xfrm>
               <a:off x="9182160" y="0"/>
-              <a:ext cx="3009600" cy="6857640"/>
+              <a:ext cx="3009240" cy="6857280"/>
             </a:xfrm>
             <a:custGeom>
               <a:avLst/>
               <a:gdLst>
-                <a:gd name="textAreaLeft" fmla="*/ 0 w 3009600"/>
-                <a:gd name="textAreaRight" fmla="*/ 3009960 w 3009600"/>
-                <a:gd name="textAreaTop" fmla="*/ 0 h 6857640"/>
-                <a:gd name="textAreaBottom" fmla="*/ 6858000 h 6857640"/>
+                <a:gd name="textAreaLeft" fmla="*/ 0 w 3009240"/>
+                <a:gd name="textAreaRight" fmla="*/ 3009960 w 3009240"/>
+                <a:gd name="textAreaTop" fmla="*/ 0 h 6857280"/>
+                <a:gd name="textAreaBottom" fmla="*/ 6858000 h 6857280"/>
               </a:gdLst>
               <a:ahLst/>
               <a:cxnLst/>
@@ -9631,15 +9960,15 @@
           <p:spPr>
             <a:xfrm>
               <a:off x="9603000" y="0"/>
-              <a:ext cx="2589120" cy="6857640"/>
+              <a:ext cx="2588760" cy="6857280"/>
             </a:xfrm>
             <a:custGeom>
               <a:avLst/>
               <a:gdLst>
-                <a:gd name="textAreaLeft" fmla="*/ 0 w 2589120"/>
-                <a:gd name="textAreaRight" fmla="*/ 2589480 w 2589120"/>
-                <a:gd name="textAreaTop" fmla="*/ 0 h 6857640"/>
-                <a:gd name="textAreaBottom" fmla="*/ 6858000 h 6857640"/>
+                <a:gd name="textAreaLeft" fmla="*/ 0 w 2588760"/>
+                <a:gd name="textAreaRight" fmla="*/ 2589480 w 2588760"/>
+                <a:gd name="textAreaTop" fmla="*/ 0 h 6857280"/>
+                <a:gd name="textAreaBottom" fmla="*/ 6858000 h 6857280"/>
               </a:gdLst>
               <a:ahLst/>
               <a:cxnLst/>
@@ -9710,15 +10039,15 @@
           <p:spPr>
             <a:xfrm>
               <a:off x="8934480" y="3048120"/>
-              <a:ext cx="3257280" cy="3809520"/>
+              <a:ext cx="3256920" cy="3809160"/>
             </a:xfrm>
             <a:custGeom>
               <a:avLst/>
               <a:gdLst>
-                <a:gd name="textAreaLeft" fmla="*/ 0 w 3257280"/>
-                <a:gd name="textAreaRight" fmla="*/ 3257640 w 3257280"/>
-                <a:gd name="textAreaTop" fmla="*/ 0 h 3809520"/>
-                <a:gd name="textAreaBottom" fmla="*/ 3809880 h 3809520"/>
+                <a:gd name="textAreaLeft" fmla="*/ 0 w 3256920"/>
+                <a:gd name="textAreaRight" fmla="*/ 3257640 w 3256920"/>
+                <a:gd name="textAreaTop" fmla="*/ 0 h 3809160"/>
+                <a:gd name="textAreaBottom" fmla="*/ 3809880 h 3809160"/>
               </a:gdLst>
               <a:ahLst/>
               <a:cxnLst/>
@@ -9786,15 +10115,15 @@
           <p:spPr>
             <a:xfrm>
               <a:off x="9338040" y="0"/>
-              <a:ext cx="2854080" cy="6857640"/>
+              <a:ext cx="2853720" cy="6857280"/>
             </a:xfrm>
             <a:custGeom>
               <a:avLst/>
               <a:gdLst>
-                <a:gd name="textAreaLeft" fmla="*/ 0 w 2854080"/>
-                <a:gd name="textAreaRight" fmla="*/ 2854440 w 2854080"/>
-                <a:gd name="textAreaTop" fmla="*/ 0 h 6857640"/>
-                <a:gd name="textAreaBottom" fmla="*/ 6858000 h 6857640"/>
+                <a:gd name="textAreaLeft" fmla="*/ 0 w 2853720"/>
+                <a:gd name="textAreaRight" fmla="*/ 2854440 w 2853720"/>
+                <a:gd name="textAreaTop" fmla="*/ 0 h 6857280"/>
+                <a:gd name="textAreaBottom" fmla="*/ 6858000 h 6857280"/>
               </a:gdLst>
               <a:ahLst/>
               <a:cxnLst/>
@@ -9865,15 +10194,15 @@
           <p:spPr>
             <a:xfrm>
               <a:off x="10896480" y="0"/>
-              <a:ext cx="1294920" cy="6857640"/>
+              <a:ext cx="1294560" cy="6857280"/>
             </a:xfrm>
             <a:custGeom>
               <a:avLst/>
               <a:gdLst>
-                <a:gd name="textAreaLeft" fmla="*/ 0 w 1294920"/>
-                <a:gd name="textAreaRight" fmla="*/ 1295280 w 1294920"/>
-                <a:gd name="textAreaTop" fmla="*/ 0 h 6857640"/>
-                <a:gd name="textAreaBottom" fmla="*/ 6858000 h 6857640"/>
+                <a:gd name="textAreaLeft" fmla="*/ 0 w 1294560"/>
+                <a:gd name="textAreaRight" fmla="*/ 1295280 w 1294560"/>
+                <a:gd name="textAreaTop" fmla="*/ 0 h 6857280"/>
+                <a:gd name="textAreaBottom" fmla="*/ 6858000 h 6857280"/>
               </a:gdLst>
               <a:ahLst/>
               <a:cxnLst/>
@@ -9944,15 +10273,15 @@
           <p:spPr>
             <a:xfrm>
               <a:off x="10936080" y="0"/>
-              <a:ext cx="1255680" cy="6857640"/>
+              <a:ext cx="1255320" cy="6857280"/>
             </a:xfrm>
             <a:custGeom>
               <a:avLst/>
               <a:gdLst>
-                <a:gd name="textAreaLeft" fmla="*/ 0 w 1255680"/>
-                <a:gd name="textAreaRight" fmla="*/ 1256040 w 1255680"/>
-                <a:gd name="textAreaTop" fmla="*/ 0 h 6857640"/>
-                <a:gd name="textAreaBottom" fmla="*/ 6858000 h 6857640"/>
+                <a:gd name="textAreaLeft" fmla="*/ 0 w 1255320"/>
+                <a:gd name="textAreaRight" fmla="*/ 1256040 w 1255320"/>
+                <a:gd name="textAreaTop" fmla="*/ 0 h 6857280"/>
+                <a:gd name="textAreaBottom" fmla="*/ 6858000 h 6857280"/>
               </a:gdLst>
               <a:ahLst/>
               <a:cxnLst/>
@@ -10023,15 +10352,15 @@
           <p:spPr>
             <a:xfrm>
               <a:off x="10372680" y="3591000"/>
-              <a:ext cx="1819080" cy="3266640"/>
+              <a:ext cx="1818720" cy="3266280"/>
             </a:xfrm>
             <a:custGeom>
               <a:avLst/>
               <a:gdLst>
-                <a:gd name="textAreaLeft" fmla="*/ 0 w 1819080"/>
-                <a:gd name="textAreaRight" fmla="*/ 1819440 w 1819080"/>
-                <a:gd name="textAreaTop" fmla="*/ 0 h 3266640"/>
-                <a:gd name="textAreaBottom" fmla="*/ 3267000 h 3266640"/>
+                <a:gd name="textAreaLeft" fmla="*/ 0 w 1818720"/>
+                <a:gd name="textAreaRight" fmla="*/ 1819440 w 1818720"/>
+                <a:gd name="textAreaTop" fmla="*/ 0 h 3266280"/>
+                <a:gd name="textAreaBottom" fmla="*/ 3267000 h 3266280"/>
               </a:gdLst>
               <a:ahLst/>
               <a:cxnLst/>
@@ -10100,15 +10429,15 @@
         <p:spPr>
           <a:xfrm>
             <a:off x="0" y="4010040"/>
-            <a:ext cx="447480" cy="2847600"/>
+            <a:ext cx="447120" cy="2847240"/>
           </a:xfrm>
           <a:custGeom>
             <a:avLst/>
             <a:gdLst>
-              <a:gd name="textAreaLeft" fmla="*/ 0 w 447480"/>
-              <a:gd name="textAreaRight" fmla="*/ 447840 w 447480"/>
-              <a:gd name="textAreaTop" fmla="*/ 0 h 2847600"/>
-              <a:gd name="textAreaBottom" fmla="*/ 2847960 h 2847600"/>
+              <a:gd name="textAreaLeft" fmla="*/ 0 w 447120"/>
+              <a:gd name="textAreaRight" fmla="*/ 447840 w 447120"/>
+              <a:gd name="textAreaTop" fmla="*/ 0 h 2847240"/>
+              <a:gd name="textAreaBottom" fmla="*/ 2847960 h 2847240"/>
             </a:gdLst>
             <a:ahLst/>
             <a:cxnLst/>
@@ -10176,15 +10505,15 @@
         <p:spPr>
           <a:xfrm>
             <a:off x="9353520" y="5362560"/>
-            <a:ext cx="456840" cy="456840"/>
+            <a:ext cx="456480" cy="456480"/>
           </a:xfrm>
           <a:custGeom>
             <a:avLst/>
             <a:gdLst>
-              <a:gd name="textAreaLeft" fmla="*/ 0 w 456840"/>
-              <a:gd name="textAreaRight" fmla="*/ 457200 w 456840"/>
-              <a:gd name="textAreaTop" fmla="*/ 0 h 456840"/>
-              <a:gd name="textAreaBottom" fmla="*/ 457200 h 456840"/>
+              <a:gd name="textAreaLeft" fmla="*/ 0 w 456480"/>
+              <a:gd name="textAreaRight" fmla="*/ 457200 w 456480"/>
+              <a:gd name="textAreaTop" fmla="*/ 0 h 456480"/>
+              <a:gd name="textAreaBottom" fmla="*/ 457200 h 456480"/>
             </a:gdLst>
             <a:ahLst/>
             <a:cxnLst/>
@@ -10253,15 +10582,15 @@
         <p:spPr>
           <a:xfrm>
             <a:off x="6696000" y="1695600"/>
-            <a:ext cx="313920" cy="323640"/>
+            <a:ext cx="313560" cy="323280"/>
           </a:xfrm>
           <a:custGeom>
             <a:avLst/>
             <a:gdLst>
-              <a:gd name="textAreaLeft" fmla="*/ 0 w 313920"/>
-              <a:gd name="textAreaRight" fmla="*/ 314280 w 313920"/>
-              <a:gd name="textAreaTop" fmla="*/ 0 h 323640"/>
-              <a:gd name="textAreaBottom" fmla="*/ 324000 h 323640"/>
+              <a:gd name="textAreaLeft" fmla="*/ 0 w 313560"/>
+              <a:gd name="textAreaRight" fmla="*/ 314280 w 313560"/>
+              <a:gd name="textAreaTop" fmla="*/ 0 h 323280"/>
+              <a:gd name="textAreaBottom" fmla="*/ 324000 h 323280"/>
             </a:gdLst>
             <a:ahLst/>
             <a:cxnLst/>
@@ -10330,15 +10659,15 @@
         <p:spPr>
           <a:xfrm>
             <a:off x="9353520" y="5896080"/>
-            <a:ext cx="180720" cy="180720"/>
+            <a:ext cx="180360" cy="180360"/>
           </a:xfrm>
           <a:custGeom>
             <a:avLst/>
             <a:gdLst>
-              <a:gd name="textAreaLeft" fmla="*/ 0 w 180720"/>
-              <a:gd name="textAreaRight" fmla="*/ 181080 w 180720"/>
-              <a:gd name="textAreaTop" fmla="*/ 0 h 180720"/>
-              <a:gd name="textAreaBottom" fmla="*/ 181080 h 180720"/>
+              <a:gd name="textAreaLeft" fmla="*/ 0 w 180360"/>
+              <a:gd name="textAreaRight" fmla="*/ 181080 w 180360"/>
+              <a:gd name="textAreaTop" fmla="*/ 0 h 180360"/>
+              <a:gd name="textAreaBottom" fmla="*/ 181080 h 180360"/>
             </a:gdLst>
             <a:ahLst/>
             <a:cxnLst/>
@@ -10411,7 +10740,7 @@
         <p:spPr>
           <a:xfrm>
             <a:off x="739800" y="829800"/>
-            <a:ext cx="6640200" cy="1312200"/>
+            <a:ext cx="6639840" cy="1312560"/>
           </a:xfrm>
           <a:prstGeom prst="rect">
             <a:avLst/>
@@ -10434,6 +10763,9 @@
                 <a:spcPts val="130"/>
               </a:spcBef>
               <a:buNone/>
+              <a:tabLst>
+                <a:tab algn="l" pos="0"/>
+              </a:tabLst>
             </a:pPr>
             <a:r>
               <a:rPr b="1" lang="en-US" sz="4250" strike="noStrike" u="none">
@@ -10446,13 +10778,13 @@
               </a:rPr>
               <a:t>PORTFOLIO WEBSITE</a:t>
             </a:r>
-            <a:endParaRPr b="0" lang="en-US" sz="4250" strike="noStrike" u="none">
-              <a:solidFill>
-                <a:schemeClr val="dk1"/>
-              </a:solidFill>
-              <a:effectLst/>
-              <a:uFillTx/>
-              <a:latin typeface="Calibri"/>
+            <a:endParaRPr b="0" lang="en-IN" sz="4250" strike="noStrike" u="none">
+              <a:solidFill>
+                <a:srgbClr val="000000"/>
+              </a:solidFill>
+              <a:effectLst/>
+              <a:uFillTx/>
+              <a:latin typeface="Arial"/>
             </a:endParaRPr>
           </a:p>
         </p:txBody>
@@ -10466,9 +10798,9 @@
         <p:grpSpPr>
           <a:xfrm>
             <a:off x="466560" y="6410160"/>
-            <a:ext cx="3704760" cy="294840"/>
+            <a:ext cx="3704400" cy="294480"/>
             <a:chOff x="466560" y="6410160"/>
-            <a:chExt cx="3704760" cy="294840"/>
+            <a:chExt cx="3704400" cy="294480"/>
           </a:xfrm>
         </p:grpSpPr>
         <p:pic>
@@ -10484,7 +10816,7 @@
           <p:spPr>
             <a:xfrm>
               <a:off x="676440" y="6467400"/>
-              <a:ext cx="2142720" cy="199800"/>
+              <a:ext cx="2142360" cy="199440"/>
             </a:xfrm>
             <a:prstGeom prst="rect">
               <a:avLst/>
@@ -10508,7 +10840,7 @@
           <p:spPr>
             <a:xfrm>
               <a:off x="466560" y="6410160"/>
-              <a:ext cx="3704760" cy="294840"/>
+              <a:ext cx="3704400" cy="294480"/>
             </a:xfrm>
             <a:prstGeom prst="rect">
               <a:avLst/>
@@ -10533,7 +10865,7 @@
         <p:spPr>
           <a:xfrm>
             <a:off x="11353320" y="6473160"/>
-            <a:ext cx="150840" cy="191880"/>
+            <a:ext cx="150480" cy="192240"/>
           </a:xfrm>
           <a:prstGeom prst="rect">
             <a:avLst/>
@@ -10556,6 +10888,9 @@
                 <a:spcPts val="54"/>
               </a:spcBef>
               <a:buNone/>
+              <a:tabLst>
+                <a:tab algn="l" pos="0"/>
+              </a:tabLst>
               <a:defRPr b="0" lang="en-US" sz="1100" spc="11" strike="noStrike" u="none">
                 <a:solidFill>
                   <a:srgbClr val="2d936b"/>
@@ -10575,8 +10910,11 @@
                 <a:spcPts val="54"/>
               </a:spcBef>
               <a:buNone/>
-            </a:pPr>
-            <a:fld id="{CD4231BB-D3A2-4BA2-8334-2AF924AAFF14}" type="slidenum">
+              <a:tabLst>
+                <a:tab algn="l" pos="0"/>
+              </a:tabLst>
+            </a:pPr>
+            <a:fld id="{A5706F5C-339D-4771-BC99-1E6363A26B64}" type="slidenum">
               <a:rPr b="0" lang="en-US" sz="1100" spc="11" strike="noStrike" u="none">
                 <a:solidFill>
                   <a:srgbClr val="2d936b"/>
@@ -10637,15 +10975,15 @@
         <p:spPr>
           <a:xfrm>
             <a:off x="-76320" y="28440"/>
-            <a:ext cx="12481200" cy="6857640"/>
+            <a:ext cx="12480840" cy="6857280"/>
           </a:xfrm>
           <a:custGeom>
             <a:avLst/>
             <a:gdLst>
-              <a:gd name="textAreaLeft" fmla="*/ 0 w 12481200"/>
-              <a:gd name="textAreaRight" fmla="*/ 12481560 w 12481200"/>
-              <a:gd name="textAreaTop" fmla="*/ 0 h 6857640"/>
-              <a:gd name="textAreaBottom" fmla="*/ 6858000 h 6857640"/>
+              <a:gd name="textAreaLeft" fmla="*/ 0 w 12480840"/>
+              <a:gd name="textAreaRight" fmla="*/ 12481560 w 12480840"/>
+              <a:gd name="textAreaTop" fmla="*/ 0 h 6857280"/>
+              <a:gd name="textAreaBottom" fmla="*/ 6858000 h 6857280"/>
             </a:gdLst>
             <a:ahLst/>
             <a:cxnLst/>
@@ -10714,9 +11052,9 @@
         <p:grpSpPr>
           <a:xfrm>
             <a:off x="7448760" y="0"/>
-            <a:ext cx="4743360" cy="6858360"/>
+            <a:ext cx="4743000" cy="6858000"/>
             <a:chOff x="7448760" y="0"/>
-            <a:chExt cx="4743360" cy="6858360"/>
+            <a:chExt cx="4743000" cy="6858000"/>
           </a:xfrm>
         </p:grpSpPr>
         <p:sp>
@@ -10728,15 +11066,15 @@
           <p:spPr>
             <a:xfrm>
               <a:off x="9377280" y="4680"/>
-              <a:ext cx="1218240" cy="6853320"/>
+              <a:ext cx="1217880" cy="6852960"/>
             </a:xfrm>
             <a:custGeom>
               <a:avLst/>
               <a:gdLst>
-                <a:gd name="textAreaLeft" fmla="*/ 0 w 1218240"/>
-                <a:gd name="textAreaRight" fmla="*/ 1218600 w 1218240"/>
-                <a:gd name="textAreaTop" fmla="*/ 0 h 6853320"/>
-                <a:gd name="textAreaBottom" fmla="*/ 6853680 h 6853320"/>
+                <a:gd name="textAreaLeft" fmla="*/ 0 w 1217880"/>
+                <a:gd name="textAreaRight" fmla="*/ 1218600 w 1217880"/>
+                <a:gd name="textAreaTop" fmla="*/ 0 h 6852960"/>
+                <a:gd name="textAreaBottom" fmla="*/ 6853680 h 6852960"/>
               </a:gdLst>
               <a:ahLst/>
               <a:cxnLst/>
@@ -10796,15 +11134,15 @@
           <p:spPr>
             <a:xfrm>
               <a:off x="7448760" y="3695040"/>
-              <a:ext cx="4743000" cy="3163320"/>
+              <a:ext cx="4742640" cy="3162960"/>
             </a:xfrm>
             <a:custGeom>
               <a:avLst/>
               <a:gdLst>
-                <a:gd name="textAreaLeft" fmla="*/ 0 w 4743000"/>
-                <a:gd name="textAreaRight" fmla="*/ 4743360 w 4743000"/>
-                <a:gd name="textAreaTop" fmla="*/ 0 h 3163320"/>
-                <a:gd name="textAreaBottom" fmla="*/ 3163680 h 3163320"/>
+                <a:gd name="textAreaLeft" fmla="*/ 0 w 4742640"/>
+                <a:gd name="textAreaRight" fmla="*/ 4743360 w 4742640"/>
+                <a:gd name="textAreaTop" fmla="*/ 0 h 3162960"/>
+                <a:gd name="textAreaBottom" fmla="*/ 3163680 h 3162960"/>
               </a:gdLst>
               <a:ahLst/>
               <a:cxnLst/>
@@ -10864,15 +11202,15 @@
           <p:spPr>
             <a:xfrm>
               <a:off x="9182160" y="0"/>
-              <a:ext cx="3009600" cy="6857640"/>
+              <a:ext cx="3009240" cy="6857280"/>
             </a:xfrm>
             <a:custGeom>
               <a:avLst/>
               <a:gdLst>
-                <a:gd name="textAreaLeft" fmla="*/ 0 w 3009600"/>
-                <a:gd name="textAreaRight" fmla="*/ 3009960 w 3009600"/>
-                <a:gd name="textAreaTop" fmla="*/ 0 h 6857640"/>
-                <a:gd name="textAreaBottom" fmla="*/ 6858000 h 6857640"/>
+                <a:gd name="textAreaLeft" fmla="*/ 0 w 3009240"/>
+                <a:gd name="textAreaRight" fmla="*/ 3009960 w 3009240"/>
+                <a:gd name="textAreaTop" fmla="*/ 0 h 6857280"/>
+                <a:gd name="textAreaBottom" fmla="*/ 6858000 h 6857280"/>
               </a:gdLst>
               <a:ahLst/>
               <a:cxnLst/>
@@ -10943,15 +11281,15 @@
           <p:spPr>
             <a:xfrm>
               <a:off x="9603000" y="0"/>
-              <a:ext cx="2589120" cy="6857640"/>
+              <a:ext cx="2588760" cy="6857280"/>
             </a:xfrm>
             <a:custGeom>
               <a:avLst/>
               <a:gdLst>
-                <a:gd name="textAreaLeft" fmla="*/ 0 w 2589120"/>
-                <a:gd name="textAreaRight" fmla="*/ 2589480 w 2589120"/>
-                <a:gd name="textAreaTop" fmla="*/ 0 h 6857640"/>
-                <a:gd name="textAreaBottom" fmla="*/ 6858000 h 6857640"/>
+                <a:gd name="textAreaLeft" fmla="*/ 0 w 2588760"/>
+                <a:gd name="textAreaRight" fmla="*/ 2589480 w 2588760"/>
+                <a:gd name="textAreaTop" fmla="*/ 0 h 6857280"/>
+                <a:gd name="textAreaBottom" fmla="*/ 6858000 h 6857280"/>
               </a:gdLst>
               <a:ahLst/>
               <a:cxnLst/>
@@ -11022,15 +11360,15 @@
           <p:spPr>
             <a:xfrm>
               <a:off x="8934480" y="3048120"/>
-              <a:ext cx="3257280" cy="3809520"/>
+              <a:ext cx="3256920" cy="3809160"/>
             </a:xfrm>
             <a:custGeom>
               <a:avLst/>
               <a:gdLst>
-                <a:gd name="textAreaLeft" fmla="*/ 0 w 3257280"/>
-                <a:gd name="textAreaRight" fmla="*/ 3257640 w 3257280"/>
-                <a:gd name="textAreaTop" fmla="*/ 0 h 3809520"/>
-                <a:gd name="textAreaBottom" fmla="*/ 3809880 h 3809520"/>
+                <a:gd name="textAreaLeft" fmla="*/ 0 w 3256920"/>
+                <a:gd name="textAreaRight" fmla="*/ 3257640 w 3256920"/>
+                <a:gd name="textAreaTop" fmla="*/ 0 h 3809160"/>
+                <a:gd name="textAreaBottom" fmla="*/ 3809880 h 3809160"/>
               </a:gdLst>
               <a:ahLst/>
               <a:cxnLst/>
@@ -11098,15 +11436,15 @@
           <p:spPr>
             <a:xfrm>
               <a:off x="9338040" y="0"/>
-              <a:ext cx="2854080" cy="6857640"/>
+              <a:ext cx="2853720" cy="6857280"/>
             </a:xfrm>
             <a:custGeom>
               <a:avLst/>
               <a:gdLst>
-                <a:gd name="textAreaLeft" fmla="*/ 0 w 2854080"/>
-                <a:gd name="textAreaRight" fmla="*/ 2854440 w 2854080"/>
-                <a:gd name="textAreaTop" fmla="*/ 0 h 6857640"/>
-                <a:gd name="textAreaBottom" fmla="*/ 6858000 h 6857640"/>
+                <a:gd name="textAreaLeft" fmla="*/ 0 w 2853720"/>
+                <a:gd name="textAreaRight" fmla="*/ 2854440 w 2853720"/>
+                <a:gd name="textAreaTop" fmla="*/ 0 h 6857280"/>
+                <a:gd name="textAreaBottom" fmla="*/ 6858000 h 6857280"/>
               </a:gdLst>
               <a:ahLst/>
               <a:cxnLst/>
@@ -11177,15 +11515,15 @@
           <p:spPr>
             <a:xfrm>
               <a:off x="10896480" y="0"/>
-              <a:ext cx="1294920" cy="6857640"/>
+              <a:ext cx="1294560" cy="6857280"/>
             </a:xfrm>
             <a:custGeom>
               <a:avLst/>
               <a:gdLst>
-                <a:gd name="textAreaLeft" fmla="*/ 0 w 1294920"/>
-                <a:gd name="textAreaRight" fmla="*/ 1295280 w 1294920"/>
-                <a:gd name="textAreaTop" fmla="*/ 0 h 6857640"/>
-                <a:gd name="textAreaBottom" fmla="*/ 6858000 h 6857640"/>
+                <a:gd name="textAreaLeft" fmla="*/ 0 w 1294560"/>
+                <a:gd name="textAreaRight" fmla="*/ 1295280 w 1294560"/>
+                <a:gd name="textAreaTop" fmla="*/ 0 h 6857280"/>
+                <a:gd name="textAreaBottom" fmla="*/ 6858000 h 6857280"/>
               </a:gdLst>
               <a:ahLst/>
               <a:cxnLst/>
@@ -11256,15 +11594,15 @@
           <p:spPr>
             <a:xfrm>
               <a:off x="10936080" y="0"/>
-              <a:ext cx="1255680" cy="6857640"/>
+              <a:ext cx="1255320" cy="6857280"/>
             </a:xfrm>
             <a:custGeom>
               <a:avLst/>
               <a:gdLst>
-                <a:gd name="textAreaLeft" fmla="*/ 0 w 1255680"/>
-                <a:gd name="textAreaRight" fmla="*/ 1256040 w 1255680"/>
-                <a:gd name="textAreaTop" fmla="*/ 0 h 6857640"/>
-                <a:gd name="textAreaBottom" fmla="*/ 6858000 h 6857640"/>
+                <a:gd name="textAreaLeft" fmla="*/ 0 w 1255320"/>
+                <a:gd name="textAreaRight" fmla="*/ 1256040 w 1255320"/>
+                <a:gd name="textAreaTop" fmla="*/ 0 h 6857280"/>
+                <a:gd name="textAreaBottom" fmla="*/ 6858000 h 6857280"/>
               </a:gdLst>
               <a:ahLst/>
               <a:cxnLst/>
@@ -11335,15 +11673,15 @@
           <p:spPr>
             <a:xfrm>
               <a:off x="10372680" y="3591000"/>
-              <a:ext cx="1819080" cy="3266640"/>
+              <a:ext cx="1818720" cy="3266280"/>
             </a:xfrm>
             <a:custGeom>
               <a:avLst/>
               <a:gdLst>
-                <a:gd name="textAreaLeft" fmla="*/ 0 w 1819080"/>
-                <a:gd name="textAreaRight" fmla="*/ 1819440 w 1819080"/>
-                <a:gd name="textAreaTop" fmla="*/ 0 h 3266640"/>
-                <a:gd name="textAreaBottom" fmla="*/ 3267000 h 3266640"/>
+                <a:gd name="textAreaLeft" fmla="*/ 0 w 1818720"/>
+                <a:gd name="textAreaRight" fmla="*/ 1819440 w 1818720"/>
+                <a:gd name="textAreaTop" fmla="*/ 0 h 3266280"/>
+                <a:gd name="textAreaBottom" fmla="*/ 3267000 h 3266280"/>
               </a:gdLst>
               <a:ahLst/>
               <a:cxnLst/>
@@ -11412,15 +11750,15 @@
         <p:spPr>
           <a:xfrm>
             <a:off x="0" y="4010040"/>
-            <a:ext cx="447480" cy="2847600"/>
+            <a:ext cx="447120" cy="2847240"/>
           </a:xfrm>
           <a:custGeom>
             <a:avLst/>
             <a:gdLst>
-              <a:gd name="textAreaLeft" fmla="*/ 0 w 447480"/>
-              <a:gd name="textAreaRight" fmla="*/ 447840 w 447480"/>
-              <a:gd name="textAreaTop" fmla="*/ 0 h 2847600"/>
-              <a:gd name="textAreaBottom" fmla="*/ 2847960 h 2847600"/>
+              <a:gd name="textAreaLeft" fmla="*/ 0 w 447120"/>
+              <a:gd name="textAreaRight" fmla="*/ 447840 w 447120"/>
+              <a:gd name="textAreaTop" fmla="*/ 0 h 2847240"/>
+              <a:gd name="textAreaBottom" fmla="*/ 2847960 h 2847240"/>
             </a:gdLst>
             <a:ahLst/>
             <a:cxnLst/>
@@ -11488,7 +11826,7 @@
         <p:spPr>
           <a:xfrm>
             <a:off x="752400" y="6486120"/>
-            <a:ext cx="1773360" cy="165960"/>
+            <a:ext cx="1773000" cy="165600"/>
           </a:xfrm>
           <a:prstGeom prst="rect">
             <a:avLst/>
@@ -11688,15 +12026,15 @@
         <p:spPr>
           <a:xfrm>
             <a:off x="7362720" y="447840"/>
-            <a:ext cx="361440" cy="361440"/>
+            <a:ext cx="361080" cy="361080"/>
           </a:xfrm>
           <a:custGeom>
             <a:avLst/>
             <a:gdLst>
-              <a:gd name="textAreaLeft" fmla="*/ 0 w 361440"/>
-              <a:gd name="textAreaRight" fmla="*/ 361800 w 361440"/>
-              <a:gd name="textAreaTop" fmla="*/ 0 h 361440"/>
-              <a:gd name="textAreaBottom" fmla="*/ 361800 h 361440"/>
+              <a:gd name="textAreaLeft" fmla="*/ 0 w 361080"/>
+              <a:gd name="textAreaRight" fmla="*/ 361800 w 361080"/>
+              <a:gd name="textAreaTop" fmla="*/ 0 h 361080"/>
+              <a:gd name="textAreaBottom" fmla="*/ 361800 h 361080"/>
             </a:gdLst>
             <a:ahLst/>
             <a:cxnLst/>
@@ -11825,15 +12163,15 @@
         <p:spPr>
           <a:xfrm>
             <a:off x="11010960" y="5610240"/>
-            <a:ext cx="647280" cy="647280"/>
+            <a:ext cx="646920" cy="646920"/>
           </a:xfrm>
           <a:custGeom>
             <a:avLst/>
             <a:gdLst>
-              <a:gd name="textAreaLeft" fmla="*/ 0 w 647280"/>
-              <a:gd name="textAreaRight" fmla="*/ 647640 w 647280"/>
-              <a:gd name="textAreaTop" fmla="*/ 0 h 647280"/>
-              <a:gd name="textAreaBottom" fmla="*/ 647640 h 647280"/>
+              <a:gd name="textAreaLeft" fmla="*/ 0 w 646920"/>
+              <a:gd name="textAreaRight" fmla="*/ 647640 w 646920"/>
+              <a:gd name="textAreaTop" fmla="*/ 0 h 646920"/>
+              <a:gd name="textAreaBottom" fmla="*/ 647640 h 646920"/>
             </a:gdLst>
             <a:ahLst/>
             <a:cxnLst/>
@@ -12026,7 +12364,7 @@
         <p:spPr>
           <a:xfrm>
             <a:off x="10686960" y="6134040"/>
-            <a:ext cx="247320" cy="247320"/>
+            <a:ext cx="246960" cy="246960"/>
           </a:xfrm>
           <a:prstGeom prst="rect">
             <a:avLst/>
@@ -12046,9 +12384,9 @@
         <p:grpSpPr>
           <a:xfrm>
             <a:off x="47520" y="3819600"/>
-            <a:ext cx="4123800" cy="3009600"/>
+            <a:ext cx="4123440" cy="3009240"/>
             <a:chOff x="47520" y="3819600"/>
-            <a:chExt cx="4123800" cy="3009600"/>
+            <a:chExt cx="4123440" cy="3009240"/>
           </a:xfrm>
         </p:grpSpPr>
         <p:pic>
@@ -12064,7 +12402,7 @@
           <p:spPr>
             <a:xfrm>
               <a:off x="466560" y="6410160"/>
-              <a:ext cx="3704760" cy="294840"/>
+              <a:ext cx="3704400" cy="294480"/>
             </a:xfrm>
             <a:prstGeom prst="rect">
               <a:avLst/>
@@ -12088,7 +12426,7 @@
           <p:spPr>
             <a:xfrm>
               <a:off x="47520" y="3819600"/>
-              <a:ext cx="1733040" cy="3009600"/>
+              <a:ext cx="1732680" cy="3009240"/>
             </a:xfrm>
             <a:prstGeom prst="rect">
               <a:avLst/>
@@ -12113,7 +12451,7 @@
         <p:spPr>
           <a:xfrm>
             <a:off x="739800" y="445320"/>
-            <a:ext cx="2356920" cy="2208240"/>
+            <a:ext cx="2356560" cy="2208600"/>
           </a:xfrm>
           <a:prstGeom prst="rect">
             <a:avLst/>
@@ -12136,6 +12474,9 @@
                 <a:spcPts val="105"/>
               </a:spcBef>
               <a:buNone/>
+              <a:tabLst>
+                <a:tab algn="l" pos="0"/>
+              </a:tabLst>
             </a:pPr>
             <a:r>
               <a:rPr b="1" lang="en-US" sz="4800" spc="26" strike="noStrike" u="none">
@@ -12192,13 +12533,13 @@
               </a:rPr>
               <a:t>DA</a:t>
             </a:r>
-            <a:endParaRPr b="0" lang="en-US" sz="4800" strike="noStrike" u="none">
-              <a:solidFill>
-                <a:schemeClr val="dk1"/>
-              </a:solidFill>
-              <a:effectLst/>
-              <a:uFillTx/>
-              <a:latin typeface="Calibri"/>
+            <a:endParaRPr b="0" lang="en-IN" sz="4800" strike="noStrike" u="none">
+              <a:solidFill>
+                <a:srgbClr val="000000"/>
+              </a:solidFill>
+              <a:effectLst/>
+              <a:uFillTx/>
+              <a:latin typeface="Arial"/>
             </a:endParaRPr>
           </a:p>
         </p:txBody>
@@ -12216,7 +12557,7 @@
         <p:spPr>
           <a:xfrm>
             <a:off x="11353320" y="6473160"/>
-            <a:ext cx="150840" cy="191880"/>
+            <a:ext cx="150480" cy="192240"/>
           </a:xfrm>
           <a:prstGeom prst="rect">
             <a:avLst/>
@@ -12239,6 +12580,9 @@
                 <a:spcPts val="54"/>
               </a:spcBef>
               <a:buNone/>
+              <a:tabLst>
+                <a:tab algn="l" pos="0"/>
+              </a:tabLst>
               <a:defRPr b="0" lang="en-US" sz="1100" spc="11" strike="noStrike" u="none">
                 <a:solidFill>
                   <a:srgbClr val="2d936b"/>
@@ -12258,8 +12602,11 @@
                 <a:spcPts val="54"/>
               </a:spcBef>
               <a:buNone/>
-            </a:pPr>
-            <a:fld id="{F940B2D0-FE77-4961-AE64-C02996DC17BA}" type="slidenum">
+              <a:tabLst>
+                <a:tab algn="l" pos="0"/>
+              </a:tabLst>
+            </a:pPr>
+            <a:fld id="{E8CAE86B-E46C-4F9F-8A87-5A967F38CC9F}" type="slidenum">
               <a:rPr b="0" lang="en-US" sz="1100" spc="11" strike="noStrike" u="none">
                 <a:solidFill>
                   <a:srgbClr val="2d936b"/>
@@ -12290,7 +12637,7 @@
         <p:spPr>
           <a:xfrm>
             <a:off x="2509920" y="1041480"/>
-            <a:ext cx="5028840" cy="4831560"/>
+            <a:ext cx="5028480" cy="4831200"/>
           </a:xfrm>
           <a:prstGeom prst="rect">
             <a:avLst/>
@@ -12326,7 +12673,7 @@
             </a:endParaRPr>
           </a:p>
           <a:p>
-            <a:pPr indent="-216000" defTabSz="914400">
+            <a:pPr marL="216000" indent="-216000" defTabSz="914400">
               <a:lnSpc>
                 <a:spcPct val="100000"/>
               </a:lnSpc>
@@ -12357,7 +12704,7 @@
             </a:endParaRPr>
           </a:p>
           <a:p>
-            <a:pPr indent="-216000" defTabSz="914400">
+            <a:pPr marL="216000" indent="-216000" defTabSz="914400">
               <a:lnSpc>
                 <a:spcPct val="100000"/>
               </a:lnSpc>
@@ -12388,7 +12735,7 @@
             </a:endParaRPr>
           </a:p>
           <a:p>
-            <a:pPr indent="-216000" defTabSz="914400">
+            <a:pPr marL="216000" indent="-216000" defTabSz="914400">
               <a:lnSpc>
                 <a:spcPct val="100000"/>
               </a:lnSpc>
@@ -12419,7 +12766,7 @@
             </a:endParaRPr>
           </a:p>
           <a:p>
-            <a:pPr indent="-216000" defTabSz="914400">
+            <a:pPr marL="216000" indent="-216000" defTabSz="914400">
               <a:lnSpc>
                 <a:spcPct val="100000"/>
               </a:lnSpc>
@@ -12450,7 +12797,7 @@
             </a:endParaRPr>
           </a:p>
           <a:p>
-            <a:pPr indent="-216000" defTabSz="914400">
+            <a:pPr marL="216000" indent="-216000" defTabSz="914400">
               <a:lnSpc>
                 <a:spcPct val="100000"/>
               </a:lnSpc>
@@ -12481,7 +12828,7 @@
             </a:endParaRPr>
           </a:p>
           <a:p>
-            <a:pPr indent="-216000" defTabSz="914400">
+            <a:pPr marL="216000" indent="-216000" defTabSz="914400">
               <a:lnSpc>
                 <a:spcPct val="100000"/>
               </a:lnSpc>
@@ -12512,7 +12859,7 @@
             </a:endParaRPr>
           </a:p>
           <a:p>
-            <a:pPr indent="-216000" defTabSz="914400">
+            <a:pPr marL="216000" indent="-216000" defTabSz="914400">
               <a:lnSpc>
                 <a:spcPct val="100000"/>
               </a:lnSpc>
@@ -12543,7 +12890,7 @@
             </a:endParaRPr>
           </a:p>
           <a:p>
-            <a:pPr indent="-216000" defTabSz="914400">
+            <a:pPr marL="216000" indent="-216000" defTabSz="914400">
               <a:lnSpc>
                 <a:spcPct val="100000"/>
               </a:lnSpc>
@@ -12574,7 +12921,7 @@
             </a:endParaRPr>
           </a:p>
           <a:p>
-            <a:pPr indent="-216000" defTabSz="914400">
+            <a:pPr marL="216000" indent="-216000" defTabSz="914400">
               <a:lnSpc>
                 <a:spcPct val="100000"/>
               </a:lnSpc>
@@ -12660,9 +13007,9 @@
         <p:grpSpPr>
           <a:xfrm>
             <a:off x="7991640" y="2933640"/>
-            <a:ext cx="2761920" cy="3257280"/>
+            <a:ext cx="2761560" cy="3256920"/>
             <a:chOff x="7991640" y="2933640"/>
-            <a:chExt cx="2761920" cy="3257280"/>
+            <a:chExt cx="2761560" cy="3256920"/>
           </a:xfrm>
         </p:grpSpPr>
         <p:sp>
@@ -12674,15 +13021,15 @@
           <p:spPr>
             <a:xfrm>
               <a:off x="9353520" y="5362560"/>
-              <a:ext cx="456840" cy="456840"/>
+              <a:ext cx="456480" cy="456480"/>
             </a:xfrm>
             <a:custGeom>
               <a:avLst/>
               <a:gdLst>
-                <a:gd name="textAreaLeft" fmla="*/ 0 w 456840"/>
-                <a:gd name="textAreaRight" fmla="*/ 457200 w 456840"/>
-                <a:gd name="textAreaTop" fmla="*/ 0 h 456840"/>
-                <a:gd name="textAreaBottom" fmla="*/ 457200 h 456840"/>
+                <a:gd name="textAreaLeft" fmla="*/ 0 w 456480"/>
+                <a:gd name="textAreaRight" fmla="*/ 457200 w 456480"/>
+                <a:gd name="textAreaTop" fmla="*/ 0 h 456480"/>
+                <a:gd name="textAreaBottom" fmla="*/ 457200 h 456480"/>
               </a:gdLst>
               <a:ahLst/>
               <a:cxnLst/>
@@ -12751,15 +13098,15 @@
           <p:spPr>
             <a:xfrm>
               <a:off x="9353520" y="5896080"/>
-              <a:ext cx="180720" cy="180720"/>
+              <a:ext cx="180360" cy="180360"/>
             </a:xfrm>
             <a:custGeom>
               <a:avLst/>
               <a:gdLst>
-                <a:gd name="textAreaLeft" fmla="*/ 0 w 180720"/>
-                <a:gd name="textAreaRight" fmla="*/ 181080 w 180720"/>
-                <a:gd name="textAreaTop" fmla="*/ 0 h 180720"/>
-                <a:gd name="textAreaBottom" fmla="*/ 181080 h 180720"/>
+                <a:gd name="textAreaLeft" fmla="*/ 0 w 180360"/>
+                <a:gd name="textAreaRight" fmla="*/ 181080 w 180360"/>
+                <a:gd name="textAreaTop" fmla="*/ 0 h 180360"/>
+                <a:gd name="textAreaBottom" fmla="*/ 181080 h 180360"/>
               </a:gdLst>
               <a:ahLst/>
               <a:cxnLst/>
@@ -12832,7 +13179,7 @@
           <p:spPr>
             <a:xfrm>
               <a:off x="7991640" y="2933640"/>
-              <a:ext cx="2761920" cy="3257280"/>
+              <a:ext cx="2761560" cy="3256920"/>
             </a:xfrm>
             <a:prstGeom prst="rect">
               <a:avLst/>
@@ -12853,15 +13200,15 @@
         <p:spPr>
           <a:xfrm>
             <a:off x="6696000" y="1695600"/>
-            <a:ext cx="313920" cy="323640"/>
+            <a:ext cx="313560" cy="323280"/>
           </a:xfrm>
           <a:custGeom>
             <a:avLst/>
             <a:gdLst>
-              <a:gd name="textAreaLeft" fmla="*/ 0 w 313920"/>
-              <a:gd name="textAreaRight" fmla="*/ 314280 w 313920"/>
-              <a:gd name="textAreaTop" fmla="*/ 0 h 323640"/>
-              <a:gd name="textAreaBottom" fmla="*/ 324000 h 323640"/>
+              <a:gd name="textAreaLeft" fmla="*/ 0 w 313560"/>
+              <a:gd name="textAreaRight" fmla="*/ 314280 w 313560"/>
+              <a:gd name="textAreaTop" fmla="*/ 0 h 323280"/>
+              <a:gd name="textAreaBottom" fmla="*/ 324000 h 323280"/>
             </a:gdLst>
             <a:ahLst/>
             <a:cxnLst/>
@@ -12934,7 +13281,7 @@
         <p:spPr>
           <a:xfrm>
             <a:off x="834120" y="574920"/>
-            <a:ext cx="5636520" cy="748440"/>
+            <a:ext cx="5636160" cy="748800"/>
           </a:xfrm>
           <a:prstGeom prst="rect">
             <a:avLst/>
@@ -12958,7 +13305,7 @@
               </a:spcBef>
               <a:buNone/>
               <a:tabLst>
-                <a:tab algn="l" pos="2728080"/>
+                <a:tab algn="l" pos="0"/>
               </a:tabLst>
             </a:pPr>
             <a:r>
@@ -13104,13 +13451,13 @@
               </a:rPr>
               <a:t>NT</a:t>
             </a:r>
-            <a:endParaRPr b="0" lang="en-US" sz="4250" strike="noStrike" u="none">
-              <a:solidFill>
-                <a:schemeClr val="dk1"/>
-              </a:solidFill>
-              <a:effectLst/>
-              <a:uFillTx/>
-              <a:latin typeface="Calibri"/>
+            <a:endParaRPr b="0" lang="en-IN" sz="4250" strike="noStrike" u="none">
+              <a:solidFill>
+                <a:srgbClr val="000000"/>
+              </a:solidFill>
+              <a:effectLst/>
+              <a:uFillTx/>
+              <a:latin typeface="Arial"/>
             </a:endParaRPr>
           </a:p>
         </p:txBody>
@@ -13128,7 +13475,7 @@
         <p:spPr>
           <a:xfrm>
             <a:off x="676440" y="6467400"/>
-            <a:ext cx="2142720" cy="199800"/>
+            <a:ext cx="2142360" cy="199440"/>
           </a:xfrm>
           <a:prstGeom prst="rect">
             <a:avLst/>
@@ -13152,7 +13499,7 @@
         <p:spPr>
           <a:xfrm>
             <a:off x="11353320" y="6473160"/>
-            <a:ext cx="150840" cy="191880"/>
+            <a:ext cx="150480" cy="192240"/>
           </a:xfrm>
           <a:prstGeom prst="rect">
             <a:avLst/>
@@ -13175,6 +13522,9 @@
                 <a:spcPts val="54"/>
               </a:spcBef>
               <a:buNone/>
+              <a:tabLst>
+                <a:tab algn="l" pos="0"/>
+              </a:tabLst>
               <a:defRPr b="0" lang="en-US" sz="1100" spc="11" strike="noStrike" u="none">
                 <a:solidFill>
                   <a:srgbClr val="2d936b"/>
@@ -13194,8 +13544,11 @@
                 <a:spcPts val="54"/>
               </a:spcBef>
               <a:buNone/>
-            </a:pPr>
-            <a:fld id="{A276AFA2-9582-48F1-8A5C-E7CDD405D8C5}" type="slidenum">
+              <a:tabLst>
+                <a:tab algn="l" pos="0"/>
+              </a:tabLst>
+            </a:pPr>
+            <a:fld id="{47E57DF7-CA01-40F6-9FE1-4C694223FEAB}" type="slidenum">
               <a:rPr b="0" lang="en-US" sz="1100" spc="11" strike="noStrike" u="none">
                 <a:solidFill>
                   <a:srgbClr val="2d936b"/>
@@ -13220,13 +13573,13 @@
       <p:sp>
         <p:nvSpPr>
           <p:cNvPr id="141" name=""/>
-          <p:cNvSpPr txBox="1"/>
+          <p:cNvSpPr/>
           <p:nvPr/>
         </p:nvSpPr>
         <p:spPr>
           <a:xfrm>
             <a:off x="900000" y="2340000"/>
-            <a:ext cx="7380000" cy="1370160"/>
+            <a:ext cx="7379640" cy="1369800"/>
           </a:xfrm>
           <a:prstGeom prst="rect">
             <a:avLst/>
@@ -13236,11 +13589,22 @@
             <a:noFill/>
           </a:ln>
         </p:spPr>
+        <p:style>
+          <a:lnRef idx="0"/>
+          <a:fillRef idx="0"/>
+          <a:effectRef idx="0"/>
+          <a:fontRef idx="minor"/>
+        </p:style>
         <p:txBody>
           <a:bodyPr lIns="90000" rIns="90000" tIns="45000" bIns="45000" anchor="t">
             <a:spAutoFit/>
           </a:bodyPr>
           <a:p>
+            <a:pPr>
+              <a:lnSpc>
+                <a:spcPct val="100000"/>
+              </a:lnSpc>
+            </a:pPr>
             <a:r>
               <a:rPr b="0" lang="en-IN" sz="1800" strike="noStrike" u="none">
                 <a:solidFill>
@@ -13262,6 +13626,11 @@
             </a:endParaRPr>
           </a:p>
           <a:p>
+            <a:pPr>
+              <a:lnSpc>
+                <a:spcPct val="100000"/>
+              </a:lnSpc>
+            </a:pPr>
             <a:endParaRPr b="0" lang="en-IN" sz="1800" strike="noStrike" u="none">
               <a:solidFill>
                 <a:srgbClr val="000000"/>
@@ -13272,6 +13641,11 @@
             </a:endParaRPr>
           </a:p>
           <a:p>
+            <a:pPr>
+              <a:lnSpc>
+                <a:spcPct val="100000"/>
+              </a:lnSpc>
+            </a:pPr>
             <a:r>
               <a:rPr b="0" lang="en-IN" sz="1800" strike="noStrike" u="none">
                 <a:solidFill>
@@ -13333,9 +13707,9 @@
         <p:grpSpPr>
           <a:xfrm>
             <a:off x="8658360" y="2647800"/>
-            <a:ext cx="3533400" cy="3809520"/>
+            <a:ext cx="3533040" cy="3809160"/>
             <a:chOff x="8658360" y="2647800"/>
-            <a:chExt cx="3533400" cy="3809520"/>
+            <a:chExt cx="3533040" cy="3809160"/>
           </a:xfrm>
         </p:grpSpPr>
         <p:sp>
@@ -13347,15 +13721,15 @@
           <p:spPr>
             <a:xfrm>
               <a:off x="9353520" y="5362560"/>
-              <a:ext cx="456840" cy="456840"/>
+              <a:ext cx="456480" cy="456480"/>
             </a:xfrm>
             <a:custGeom>
               <a:avLst/>
               <a:gdLst>
-                <a:gd name="textAreaLeft" fmla="*/ 0 w 456840"/>
-                <a:gd name="textAreaRight" fmla="*/ 457200 w 456840"/>
-                <a:gd name="textAreaTop" fmla="*/ 0 h 456840"/>
-                <a:gd name="textAreaBottom" fmla="*/ 457200 h 456840"/>
+                <a:gd name="textAreaLeft" fmla="*/ 0 w 456480"/>
+                <a:gd name="textAreaRight" fmla="*/ 457200 w 456480"/>
+                <a:gd name="textAreaTop" fmla="*/ 0 h 456480"/>
+                <a:gd name="textAreaBottom" fmla="*/ 457200 h 456480"/>
               </a:gdLst>
               <a:ahLst/>
               <a:cxnLst/>
@@ -13424,15 +13798,15 @@
           <p:spPr>
             <a:xfrm>
               <a:off x="9353520" y="5896080"/>
-              <a:ext cx="180720" cy="180720"/>
+              <a:ext cx="180360" cy="180360"/>
             </a:xfrm>
             <a:custGeom>
               <a:avLst/>
               <a:gdLst>
-                <a:gd name="textAreaLeft" fmla="*/ 0 w 180720"/>
-                <a:gd name="textAreaRight" fmla="*/ 181080 w 180720"/>
-                <a:gd name="textAreaTop" fmla="*/ 0 h 180720"/>
-                <a:gd name="textAreaBottom" fmla="*/ 181080 h 180720"/>
+                <a:gd name="textAreaLeft" fmla="*/ 0 w 180360"/>
+                <a:gd name="textAreaRight" fmla="*/ 181080 w 180360"/>
+                <a:gd name="textAreaTop" fmla="*/ 0 h 180360"/>
+                <a:gd name="textAreaBottom" fmla="*/ 181080 h 180360"/>
               </a:gdLst>
               <a:ahLst/>
               <a:cxnLst/>
@@ -13505,7 +13879,7 @@
           <p:spPr>
             <a:xfrm>
               <a:off x="8658360" y="2647800"/>
-              <a:ext cx="3533400" cy="3809520"/>
+              <a:ext cx="3533040" cy="3809160"/>
             </a:xfrm>
             <a:prstGeom prst="rect">
               <a:avLst/>
@@ -13526,15 +13900,15 @@
         <p:spPr>
           <a:xfrm>
             <a:off x="6696000" y="1695600"/>
-            <a:ext cx="313920" cy="323640"/>
+            <a:ext cx="313560" cy="323280"/>
           </a:xfrm>
           <a:custGeom>
             <a:avLst/>
             <a:gdLst>
-              <a:gd name="textAreaLeft" fmla="*/ 0 w 313920"/>
-              <a:gd name="textAreaRight" fmla="*/ 314280 w 313920"/>
-              <a:gd name="textAreaTop" fmla="*/ 0 h 323640"/>
-              <a:gd name="textAreaBottom" fmla="*/ 324000 h 323640"/>
+              <a:gd name="textAreaLeft" fmla="*/ 0 w 313560"/>
+              <a:gd name="textAreaRight" fmla="*/ 314280 w 313560"/>
+              <a:gd name="textAreaTop" fmla="*/ 0 h 323280"/>
+              <a:gd name="textAreaBottom" fmla="*/ 324000 h 323280"/>
             </a:gdLst>
             <a:ahLst/>
             <a:cxnLst/>
@@ -13607,7 +13981,7 @@
         <p:spPr>
           <a:xfrm>
             <a:off x="739800" y="829800"/>
-            <a:ext cx="5263200" cy="1312200"/>
+            <a:ext cx="5262840" cy="1312560"/>
           </a:xfrm>
           <a:prstGeom prst="rect">
             <a:avLst/>
@@ -13631,7 +14005,7 @@
               </a:spcBef>
               <a:buNone/>
               <a:tabLst>
-                <a:tab algn="l" pos="2642760"/>
+                <a:tab algn="l" pos="0"/>
               </a:tabLst>
             </a:pPr>
             <a:r>
@@ -13667,13 +14041,13 @@
               </a:rPr>
               <a:t>OVERVIEW</a:t>
             </a:r>
-            <a:endParaRPr b="0" lang="en-US" sz="4250" strike="noStrike" u="none">
-              <a:solidFill>
-                <a:schemeClr val="dk1"/>
-              </a:solidFill>
-              <a:effectLst/>
-              <a:uFillTx/>
-              <a:latin typeface="Calibri"/>
+            <a:endParaRPr b="0" lang="en-IN" sz="4250" strike="noStrike" u="none">
+              <a:solidFill>
+                <a:srgbClr val="000000"/>
+              </a:solidFill>
+              <a:effectLst/>
+              <a:uFillTx/>
+              <a:latin typeface="Arial"/>
             </a:endParaRPr>
           </a:p>
         </p:txBody>
@@ -13691,7 +14065,7 @@
         <p:spPr>
           <a:xfrm>
             <a:off x="676440" y="6467400"/>
-            <a:ext cx="2142720" cy="199800"/>
+            <a:ext cx="2142360" cy="199440"/>
           </a:xfrm>
           <a:prstGeom prst="rect">
             <a:avLst/>
@@ -13715,7 +14089,7 @@
         <p:spPr>
           <a:xfrm>
             <a:off x="11353320" y="6473160"/>
-            <a:ext cx="150840" cy="197640"/>
+            <a:ext cx="150480" cy="198000"/>
           </a:xfrm>
           <a:prstGeom prst="rect">
             <a:avLst/>
@@ -13738,6 +14112,9 @@
                 <a:spcPts val="54"/>
               </a:spcBef>
               <a:buNone/>
+              <a:tabLst>
+                <a:tab algn="l" pos="0"/>
+              </a:tabLst>
               <a:defRPr b="0" lang="en-US" sz="1100" spc="11" strike="noStrike" u="none">
                 <a:solidFill>
                   <a:srgbClr val="2d936b"/>
@@ -13757,8 +14134,11 @@
                 <a:spcPts val="54"/>
               </a:spcBef>
               <a:buNone/>
-            </a:pPr>
-            <a:fld id="{74A873CA-6BB2-4C4D-8E06-1935BCDEBE91}" type="slidenum">
+              <a:tabLst>
+                <a:tab algn="l" pos="0"/>
+              </a:tabLst>
+            </a:pPr>
+            <a:fld id="{670CAD2F-17CC-46DE-8302-FAF97C9B21CE}" type="slidenum">
               <a:rPr b="0" lang="en-US" sz="1100" spc="11" strike="noStrike" u="none">
                 <a:solidFill>
                   <a:srgbClr val="2d936b"/>
@@ -13783,13 +14163,13 @@
       <p:sp>
         <p:nvSpPr>
           <p:cNvPr id="150" name=""/>
-          <p:cNvSpPr txBox="1"/>
+          <p:cNvSpPr/>
           <p:nvPr/>
         </p:nvSpPr>
         <p:spPr>
           <a:xfrm>
             <a:off x="900000" y="2340000"/>
-            <a:ext cx="7380000" cy="602280"/>
+            <a:ext cx="7379640" cy="601920"/>
           </a:xfrm>
           <a:prstGeom prst="rect">
             <a:avLst/>
@@ -13799,11 +14179,22 @@
             <a:noFill/>
           </a:ln>
         </p:spPr>
+        <p:style>
+          <a:lnRef idx="0"/>
+          <a:fillRef idx="0"/>
+          <a:effectRef idx="0"/>
+          <a:fontRef idx="minor"/>
+        </p:style>
         <p:txBody>
           <a:bodyPr lIns="90000" rIns="90000" tIns="45000" bIns="45000" anchor="t">
             <a:spAutoFit/>
           </a:bodyPr>
           <a:p>
+            <a:pPr>
+              <a:lnSpc>
+                <a:spcPct val="100000"/>
+              </a:lnSpc>
+            </a:pPr>
             <a:r>
               <a:rPr b="0" lang="en-IN" sz="1800" strike="noStrike" u="none">
                 <a:solidFill>
@@ -13865,15 +14256,15 @@
         <p:spPr>
           <a:xfrm>
             <a:off x="9353520" y="5362560"/>
-            <a:ext cx="456840" cy="456840"/>
+            <a:ext cx="456480" cy="456480"/>
           </a:xfrm>
           <a:custGeom>
             <a:avLst/>
             <a:gdLst>
-              <a:gd name="textAreaLeft" fmla="*/ 0 w 456840"/>
-              <a:gd name="textAreaRight" fmla="*/ 457200 w 456840"/>
-              <a:gd name="textAreaTop" fmla="*/ 0 h 456840"/>
-              <a:gd name="textAreaBottom" fmla="*/ 457200 h 456840"/>
+              <a:gd name="textAreaLeft" fmla="*/ 0 w 456480"/>
+              <a:gd name="textAreaRight" fmla="*/ 457200 w 456480"/>
+              <a:gd name="textAreaTop" fmla="*/ 0 h 456480"/>
+              <a:gd name="textAreaBottom" fmla="*/ 457200 h 456480"/>
             </a:gdLst>
             <a:ahLst/>
             <a:cxnLst/>
@@ -13942,15 +14333,15 @@
         <p:spPr>
           <a:xfrm>
             <a:off x="6696000" y="1695600"/>
-            <a:ext cx="313920" cy="323640"/>
+            <a:ext cx="313560" cy="323280"/>
           </a:xfrm>
           <a:custGeom>
             <a:avLst/>
             <a:gdLst>
-              <a:gd name="textAreaLeft" fmla="*/ 0 w 313920"/>
-              <a:gd name="textAreaRight" fmla="*/ 314280 w 313920"/>
-              <a:gd name="textAreaTop" fmla="*/ 0 h 323640"/>
-              <a:gd name="textAreaBottom" fmla="*/ 324000 h 323640"/>
+              <a:gd name="textAreaLeft" fmla="*/ 0 w 313560"/>
+              <a:gd name="textAreaRight" fmla="*/ 314280 w 313560"/>
+              <a:gd name="textAreaTop" fmla="*/ 0 h 323280"/>
+              <a:gd name="textAreaBottom" fmla="*/ 324000 h 323280"/>
             </a:gdLst>
             <a:ahLst/>
             <a:cxnLst/>
@@ -14019,15 +14410,15 @@
         <p:spPr>
           <a:xfrm>
             <a:off x="9353520" y="5896080"/>
-            <a:ext cx="180720" cy="180720"/>
+            <a:ext cx="180360" cy="180360"/>
           </a:xfrm>
           <a:custGeom>
             <a:avLst/>
             <a:gdLst>
-              <a:gd name="textAreaLeft" fmla="*/ 0 w 180720"/>
-              <a:gd name="textAreaRight" fmla="*/ 181080 w 180720"/>
-              <a:gd name="textAreaTop" fmla="*/ 0 h 180720"/>
-              <a:gd name="textAreaBottom" fmla="*/ 181080 h 180720"/>
+              <a:gd name="textAreaLeft" fmla="*/ 0 w 180360"/>
+              <a:gd name="textAreaRight" fmla="*/ 181080 w 180360"/>
+              <a:gd name="textAreaTop" fmla="*/ 0 h 180360"/>
+              <a:gd name="textAreaBottom" fmla="*/ 181080 h 180360"/>
             </a:gdLst>
             <a:ahLst/>
             <a:cxnLst/>
@@ -14100,7 +14491,7 @@
         <p:spPr>
           <a:xfrm>
             <a:off x="699480" y="891720"/>
-            <a:ext cx="5014080" cy="992520"/>
+            <a:ext cx="5013720" cy="992880"/>
           </a:xfrm>
           <a:prstGeom prst="rect">
             <a:avLst/>
@@ -14123,6 +14514,9 @@
                 <a:spcPts val="130"/>
               </a:spcBef>
               <a:buNone/>
+              <a:tabLst>
+                <a:tab algn="l" pos="0"/>
+              </a:tabLst>
             </a:pPr>
             <a:r>
               <a:rPr b="1" lang="en-US" sz="3200" spc="26" strike="noStrike" u="none">
@@ -14344,13 +14738,13 @@
               </a:rPr>
               <a:t>S?</a:t>
             </a:r>
-            <a:endParaRPr b="0" lang="en-US" sz="3200" strike="noStrike" u="none">
-              <a:solidFill>
-                <a:schemeClr val="dk1"/>
-              </a:solidFill>
-              <a:effectLst/>
-              <a:uFillTx/>
-              <a:latin typeface="Calibri"/>
+            <a:endParaRPr b="0" lang="en-IN" sz="3200" strike="noStrike" u="none">
+              <a:solidFill>
+                <a:srgbClr val="000000"/>
+              </a:solidFill>
+              <a:effectLst/>
+              <a:uFillTx/>
+              <a:latin typeface="Arial"/>
             </a:endParaRPr>
           </a:p>
         </p:txBody>
@@ -14368,7 +14762,7 @@
         <p:spPr>
           <a:xfrm>
             <a:off x="723960" y="6172200"/>
-            <a:ext cx="2180880" cy="485280"/>
+            <a:ext cx="2180520" cy="484920"/>
           </a:xfrm>
           <a:prstGeom prst="rect">
             <a:avLst/>
@@ -14392,7 +14786,7 @@
         <p:spPr>
           <a:xfrm>
             <a:off x="11353320" y="6473160"/>
-            <a:ext cx="150840" cy="197640"/>
+            <a:ext cx="150480" cy="198000"/>
           </a:xfrm>
           <a:prstGeom prst="rect">
             <a:avLst/>
@@ -14415,6 +14809,9 @@
                 <a:spcPts val="54"/>
               </a:spcBef>
               <a:buNone/>
+              <a:tabLst>
+                <a:tab algn="l" pos="0"/>
+              </a:tabLst>
               <a:defRPr b="0" lang="en-US" sz="1100" spc="11" strike="noStrike" u="none">
                 <a:solidFill>
                   <a:srgbClr val="2d936b"/>
@@ -14434,8 +14831,11 @@
                 <a:spcPts val="54"/>
               </a:spcBef>
               <a:buNone/>
-            </a:pPr>
-            <a:fld id="{8CBD153A-6AAB-46E9-B9F7-98911B4D4549}" type="slidenum">
+              <a:tabLst>
+                <a:tab algn="l" pos="0"/>
+              </a:tabLst>
+            </a:pPr>
+            <a:fld id="{E31390E8-3FA9-4103-86D9-171D5AAD4144}" type="slidenum">
               <a:rPr b="0" lang="en-US" sz="1100" spc="11" strike="noStrike" u="none">
                 <a:solidFill>
                   <a:srgbClr val="2d936b"/>
@@ -14460,13 +14860,13 @@
       <p:sp>
         <p:nvSpPr>
           <p:cNvPr id="157" name=""/>
-          <p:cNvSpPr txBox="1"/>
+          <p:cNvSpPr/>
           <p:nvPr/>
         </p:nvSpPr>
         <p:spPr>
           <a:xfrm>
             <a:off x="900000" y="2340000"/>
-            <a:ext cx="7380000" cy="602280"/>
+            <a:ext cx="7379640" cy="601920"/>
           </a:xfrm>
           <a:prstGeom prst="rect">
             <a:avLst/>
@@ -14476,11 +14876,22 @@
             <a:noFill/>
           </a:ln>
         </p:spPr>
+        <p:style>
+          <a:lnRef idx="0"/>
+          <a:fillRef idx="0"/>
+          <a:effectRef idx="0"/>
+          <a:fontRef idx="minor"/>
+        </p:style>
         <p:txBody>
           <a:bodyPr lIns="90000" rIns="90000" tIns="45000" bIns="45000" anchor="t">
             <a:spAutoFit/>
           </a:bodyPr>
           <a:p>
+            <a:pPr>
+              <a:lnSpc>
+                <a:spcPct val="100000"/>
+              </a:lnSpc>
+            </a:pPr>
             <a:r>
               <a:rPr b="0" lang="en-IN" sz="1800" strike="noStrike" u="none">
                 <a:solidFill>
@@ -14546,7 +14957,7 @@
         <p:spPr>
           <a:xfrm>
             <a:off x="0" y="1476360"/>
-            <a:ext cx="2695320" cy="3247560"/>
+            <a:ext cx="2694960" cy="3247200"/>
           </a:xfrm>
           <a:prstGeom prst="rect">
             <a:avLst/>
@@ -14566,15 +14977,15 @@
         <p:spPr>
           <a:xfrm>
             <a:off x="9353520" y="5362560"/>
-            <a:ext cx="456840" cy="456840"/>
+            <a:ext cx="456480" cy="456480"/>
           </a:xfrm>
           <a:custGeom>
             <a:avLst/>
             <a:gdLst>
-              <a:gd name="textAreaLeft" fmla="*/ 0 w 456840"/>
-              <a:gd name="textAreaRight" fmla="*/ 457200 w 456840"/>
-              <a:gd name="textAreaTop" fmla="*/ 0 h 456840"/>
-              <a:gd name="textAreaBottom" fmla="*/ 457200 h 456840"/>
+              <a:gd name="textAreaLeft" fmla="*/ 0 w 456480"/>
+              <a:gd name="textAreaRight" fmla="*/ 457200 w 456480"/>
+              <a:gd name="textAreaTop" fmla="*/ 0 h 456480"/>
+              <a:gd name="textAreaBottom" fmla="*/ 457200 h 456480"/>
             </a:gdLst>
             <a:ahLst/>
             <a:cxnLst/>
@@ -14643,15 +15054,15 @@
         <p:spPr>
           <a:xfrm>
             <a:off x="6696000" y="1695600"/>
-            <a:ext cx="313920" cy="323640"/>
+            <a:ext cx="313560" cy="323280"/>
           </a:xfrm>
           <a:custGeom>
             <a:avLst/>
             <a:gdLst>
-              <a:gd name="textAreaLeft" fmla="*/ 0 w 313920"/>
-              <a:gd name="textAreaRight" fmla="*/ 314280 w 313920"/>
-              <a:gd name="textAreaTop" fmla="*/ 0 h 323640"/>
-              <a:gd name="textAreaBottom" fmla="*/ 324000 h 323640"/>
+              <a:gd name="textAreaLeft" fmla="*/ 0 w 313560"/>
+              <a:gd name="textAreaRight" fmla="*/ 314280 w 313560"/>
+              <a:gd name="textAreaTop" fmla="*/ 0 h 323280"/>
+              <a:gd name="textAreaBottom" fmla="*/ 324000 h 323280"/>
             </a:gdLst>
             <a:ahLst/>
             <a:cxnLst/>
@@ -14720,15 +15131,15 @@
         <p:spPr>
           <a:xfrm>
             <a:off x="9353520" y="5896080"/>
-            <a:ext cx="180720" cy="180720"/>
+            <a:ext cx="180360" cy="180360"/>
           </a:xfrm>
           <a:custGeom>
             <a:avLst/>
             <a:gdLst>
-              <a:gd name="textAreaLeft" fmla="*/ 0 w 180720"/>
-              <a:gd name="textAreaRight" fmla="*/ 181080 w 180720"/>
-              <a:gd name="textAreaTop" fmla="*/ 0 h 180720"/>
-              <a:gd name="textAreaBottom" fmla="*/ 181080 h 180720"/>
+              <a:gd name="textAreaLeft" fmla="*/ 0 w 180360"/>
+              <a:gd name="textAreaRight" fmla="*/ 181080 w 180360"/>
+              <a:gd name="textAreaTop" fmla="*/ 0 h 180360"/>
+              <a:gd name="textAreaBottom" fmla="*/ 181080 h 180360"/>
             </a:gdLst>
             <a:ahLst/>
             <a:cxnLst/>
@@ -14801,7 +15212,7 @@
         <p:spPr>
           <a:xfrm>
             <a:off x="558000" y="857880"/>
-            <a:ext cx="9762840" cy="575640"/>
+            <a:ext cx="9762480" cy="576000"/>
           </a:xfrm>
           <a:prstGeom prst="rect">
             <a:avLst/>
@@ -14824,6 +15235,9 @@
                 <a:spcPts val="105"/>
               </a:spcBef>
               <a:buNone/>
+              <a:tabLst>
+                <a:tab algn="l" pos="0"/>
+              </a:tabLst>
             </a:pPr>
             <a:r>
               <a:rPr b="1" lang="en-IN" sz="3600" spc="11" strike="noStrike" u="none">
@@ -14836,13 +15250,13 @@
               </a:rPr>
               <a:t>TOOLS AND TECHNIQUES</a:t>
             </a:r>
-            <a:endParaRPr b="0" lang="en-US" sz="3600" strike="noStrike" u="none">
-              <a:solidFill>
-                <a:schemeClr val="dk1"/>
-              </a:solidFill>
-              <a:effectLst/>
-              <a:uFillTx/>
-              <a:latin typeface="Calibri"/>
+            <a:endParaRPr b="0" lang="en-IN" sz="3600" strike="noStrike" u="none">
+              <a:solidFill>
+                <a:srgbClr val="000000"/>
+              </a:solidFill>
+              <a:effectLst/>
+              <a:uFillTx/>
+              <a:latin typeface="Arial"/>
             </a:endParaRPr>
           </a:p>
         </p:txBody>
@@ -14860,7 +15274,7 @@
         <p:spPr>
           <a:xfrm>
             <a:off x="676440" y="6467400"/>
-            <a:ext cx="2142720" cy="199800"/>
+            <a:ext cx="2142360" cy="199440"/>
           </a:xfrm>
           <a:prstGeom prst="rect">
             <a:avLst/>
@@ -14884,7 +15298,7 @@
         <p:spPr>
           <a:xfrm>
             <a:off x="11353320" y="6473160"/>
-            <a:ext cx="150840" cy="197640"/>
+            <a:ext cx="150480" cy="198000"/>
           </a:xfrm>
           <a:prstGeom prst="rect">
             <a:avLst/>
@@ -14907,6 +15321,9 @@
                 <a:spcPts val="54"/>
               </a:spcBef>
               <a:buNone/>
+              <a:tabLst>
+                <a:tab algn="l" pos="0"/>
+              </a:tabLst>
               <a:defRPr b="0" lang="en-US" sz="1100" spc="11" strike="noStrike" u="none">
                 <a:solidFill>
                   <a:srgbClr val="2d936b"/>
@@ -14926,8 +15343,11 @@
                 <a:spcPts val="54"/>
               </a:spcBef>
               <a:buNone/>
-            </a:pPr>
-            <a:fld id="{11F7930E-1303-4BE5-9120-7BBD3B1BA502}" type="slidenum">
+              <a:tabLst>
+                <a:tab algn="l" pos="0"/>
+              </a:tabLst>
+            </a:pPr>
+            <a:fld id="{6EA85479-86AE-46C1-95AC-C422AB7CC1E4}" type="slidenum">
               <a:rPr b="0" lang="en-US" sz="1100" spc="11" strike="noStrike" u="none">
                 <a:solidFill>
                   <a:srgbClr val="2d936b"/>
@@ -14952,13 +15372,13 @@
       <p:sp>
         <p:nvSpPr>
           <p:cNvPr id="165" name=""/>
-          <p:cNvSpPr txBox="1"/>
+          <p:cNvSpPr/>
           <p:nvPr/>
         </p:nvSpPr>
         <p:spPr>
           <a:xfrm>
             <a:off x="2880000" y="2229840"/>
-            <a:ext cx="7380000" cy="1146240"/>
+            <a:ext cx="7379640" cy="1145880"/>
           </a:xfrm>
           <a:prstGeom prst="rect">
             <a:avLst/>
@@ -14968,6 +15388,12 @@
             <a:noFill/>
           </a:ln>
         </p:spPr>
+        <p:style>
+          <a:lnRef idx="0"/>
+          <a:fillRef idx="0"/>
+          <a:effectRef idx="0"/>
+          <a:fontRef idx="minor"/>
+        </p:style>
         <p:txBody>
           <a:bodyPr lIns="90000" rIns="90000" tIns="45000" bIns="45000" anchor="t">
             <a:spAutoFit/>
@@ -15046,7 +15472,6 @@
               <a:effectLst/>
               <a:uFillTx/>
               <a:latin typeface="Arial"/>
-              <a:ea typeface="Noto Sans CJK SC"/>
             </a:endParaRPr>
           </a:p>
           <a:p>
@@ -15112,7 +15537,6 @@
               <a:effectLst/>
               <a:uFillTx/>
               <a:latin typeface="Arial"/>
-              <a:ea typeface="Noto Sans CJK SC"/>
             </a:endParaRPr>
           </a:p>
           <a:p>
@@ -15178,7 +15602,6 @@
               <a:effectLst/>
               <a:uFillTx/>
               <a:latin typeface="Arial"/>
-              <a:ea typeface="Noto Sans CJK SC"/>
             </a:endParaRPr>
           </a:p>
         </p:txBody>
@@ -15222,15 +15645,15 @@
         <p:spPr>
           <a:xfrm>
             <a:off x="9353520" y="5896080"/>
-            <a:ext cx="180720" cy="180720"/>
+            <a:ext cx="180360" cy="180360"/>
           </a:xfrm>
           <a:custGeom>
             <a:avLst/>
             <a:gdLst>
-              <a:gd name="textAreaLeft" fmla="*/ 0 w 180720"/>
-              <a:gd name="textAreaRight" fmla="*/ 181080 w 180720"/>
-              <a:gd name="textAreaTop" fmla="*/ 0 h 180720"/>
-              <a:gd name="textAreaBottom" fmla="*/ 181080 h 180720"/>
+              <a:gd name="textAreaLeft" fmla="*/ 0 w 180360"/>
+              <a:gd name="textAreaRight" fmla="*/ 181080 w 180360"/>
+              <a:gd name="textAreaTop" fmla="*/ 0 h 180360"/>
+              <a:gd name="textAreaBottom" fmla="*/ 181080 h 180360"/>
             </a:gdLst>
             <a:ahLst/>
             <a:cxnLst/>
@@ -15303,7 +15726,7 @@
         <p:spPr>
           <a:xfrm>
             <a:off x="1666800" y="6467400"/>
-            <a:ext cx="75960" cy="177480"/>
+            <a:ext cx="75600" cy="177120"/>
           </a:xfrm>
           <a:prstGeom prst="rect">
             <a:avLst/>
@@ -15323,7 +15746,7 @@
         <p:spPr>
           <a:xfrm>
             <a:off x="11277360" y="6473160"/>
-            <a:ext cx="228240" cy="191520"/>
+            <a:ext cx="227880" cy="191160"/>
           </a:xfrm>
           <a:prstGeom prst="rect">
             <a:avLst/>
@@ -15352,7 +15775,7 @@
                 <a:spcPts val="54"/>
               </a:spcBef>
             </a:pPr>
-            <a:fld id="{794C7DC8-2A74-4648-92BC-E72B2B62F38E}" type="slidenum">
+            <a:fld id="{03C67251-B902-42A0-BCC2-38B939E10F76}" type="slidenum">
               <a:rPr b="0" lang="en-US" sz="1100" spc="11" strike="noStrike" u="none">
                 <a:solidFill>
                   <a:srgbClr val="2d936b"/>
@@ -15383,7 +15806,7 @@
         <p:spPr>
           <a:xfrm>
             <a:off x="739800" y="291240"/>
-            <a:ext cx="8794440" cy="628560"/>
+            <a:ext cx="8794080" cy="628200"/>
           </a:xfrm>
           <a:prstGeom prst="rect">
             <a:avLst/>
@@ -15443,15 +15866,15 @@
         <p:spPr>
           <a:xfrm>
             <a:off x="10058400" y="525240"/>
-            <a:ext cx="456840" cy="456840"/>
+            <a:ext cx="456480" cy="456480"/>
           </a:xfrm>
           <a:custGeom>
             <a:avLst/>
             <a:gdLst>
-              <a:gd name="textAreaLeft" fmla="*/ 0 w 456840"/>
-              <a:gd name="textAreaRight" fmla="*/ 457200 w 456840"/>
-              <a:gd name="textAreaTop" fmla="*/ 0 h 456840"/>
-              <a:gd name="textAreaBottom" fmla="*/ 457200 h 456840"/>
+              <a:gd name="textAreaLeft" fmla="*/ 0 w 456480"/>
+              <a:gd name="textAreaRight" fmla="*/ 457200 w 456480"/>
+              <a:gd name="textAreaTop" fmla="*/ 0 h 456480"/>
+              <a:gd name="textAreaBottom" fmla="*/ 457200 h 456480"/>
             </a:gdLst>
             <a:ahLst/>
             <a:cxnLst/>
@@ -15514,13 +15937,13 @@
       <p:sp>
         <p:nvSpPr>
           <p:cNvPr id="171" name=""/>
-          <p:cNvSpPr txBox="1"/>
+          <p:cNvSpPr/>
           <p:nvPr/>
         </p:nvSpPr>
         <p:spPr>
           <a:xfrm>
             <a:off x="900000" y="2340000"/>
-            <a:ext cx="7380000" cy="2394000"/>
+            <a:ext cx="7379640" cy="2393640"/>
           </a:xfrm>
           <a:prstGeom prst="rect">
             <a:avLst/>
@@ -15530,11 +15953,22 @@
             <a:noFill/>
           </a:ln>
         </p:spPr>
+        <p:style>
+          <a:lnRef idx="0"/>
+          <a:fillRef idx="0"/>
+          <a:effectRef idx="0"/>
+          <a:fontRef idx="minor"/>
+        </p:style>
         <p:txBody>
           <a:bodyPr lIns="90000" rIns="90000" tIns="45000" bIns="45000" anchor="t">
             <a:spAutoFit/>
           </a:bodyPr>
           <a:p>
+            <a:pPr>
+              <a:lnSpc>
+                <a:spcPct val="100000"/>
+              </a:lnSpc>
+            </a:pPr>
             <a:r>
               <a:rPr b="0" lang="en-IN" sz="1800" strike="noStrike" u="none">
                 <a:solidFill>
@@ -15557,6 +15991,9 @@
           </a:p>
           <a:p>
             <a:pPr marL="216000" indent="-216000">
+              <a:lnSpc>
+                <a:spcPct val="100000"/>
+              </a:lnSpc>
               <a:buClr>
                 <a:srgbClr val="000000"/>
               </a:buClr>
@@ -15585,6 +16022,9 @@
           </a:p>
           <a:p>
             <a:pPr marL="216000" indent="-216000">
+              <a:lnSpc>
+                <a:spcPct val="100000"/>
+              </a:lnSpc>
               <a:buClr>
                 <a:srgbClr val="000000"/>
               </a:buClr>
@@ -15613,6 +16053,9 @@
           </a:p>
           <a:p>
             <a:pPr marL="216000" indent="-216000">
+              <a:lnSpc>
+                <a:spcPct val="100000"/>
+              </a:lnSpc>
               <a:buClr>
                 <a:srgbClr val="000000"/>
               </a:buClr>
@@ -15641,6 +16084,9 @@
           </a:p>
           <a:p>
             <a:pPr marL="216000" indent="-216000">
+              <a:lnSpc>
+                <a:spcPct val="100000"/>
+              </a:lnSpc>
               <a:buClr>
                 <a:srgbClr val="000000"/>
               </a:buClr>
@@ -15669,6 +16115,9 @@
           </a:p>
           <a:p>
             <a:pPr marL="216000" indent="-216000">
+              <a:lnSpc>
+                <a:spcPct val="100000"/>
+              </a:lnSpc>
               <a:buClr>
                 <a:srgbClr val="000000"/>
               </a:buClr>
@@ -15696,6 +16145,11 @@
             </a:endParaRPr>
           </a:p>
           <a:p>
+            <a:pPr>
+              <a:lnSpc>
+                <a:spcPct val="100000"/>
+              </a:lnSpc>
+            </a:pPr>
             <a:endParaRPr b="0" lang="en-IN" sz="1800" strike="noStrike" u="none">
               <a:solidFill>
                 <a:srgbClr val="000000"/>
@@ -15706,6 +16160,11 @@
             </a:endParaRPr>
           </a:p>
           <a:p>
+            <a:pPr>
+              <a:lnSpc>
+                <a:spcPct val="100000"/>
+              </a:lnSpc>
+            </a:pPr>
             <a:r>
               <a:rPr b="0" lang="en-IN" sz="1800" strike="noStrike" u="none">
                 <a:solidFill>
@@ -15771,7 +16230,7 @@
         <p:spPr>
           <a:xfrm>
             <a:off x="755280" y="385560"/>
-            <a:ext cx="10680840" cy="757800"/>
+            <a:ext cx="10680480" cy="757440"/>
           </a:xfrm>
           <a:prstGeom prst="rect">
             <a:avLst/>
@@ -15791,6 +16250,9 @@
                 <a:spcPct val="100000"/>
               </a:lnSpc>
               <a:buNone/>
+              <a:tabLst>
+                <a:tab algn="l" pos="0"/>
+              </a:tabLst>
             </a:pPr>
             <a:r>
               <a:rPr b="1" lang="en-IN" sz="4800" strike="noStrike" u="none">
@@ -15803,13 +16265,13 @@
               </a:rPr>
               <a:t>FEATURES AND FUNCTIONALITY</a:t>
             </a:r>
-            <a:endParaRPr b="0" lang="en-US" sz="4800" strike="noStrike" u="none">
-              <a:solidFill>
-                <a:schemeClr val="dk1"/>
-              </a:solidFill>
-              <a:effectLst/>
-              <a:uFillTx/>
-              <a:latin typeface="Calibri"/>
+            <a:endParaRPr b="0" lang="en-IN" sz="4800" strike="noStrike" u="none">
+              <a:solidFill>
+                <a:srgbClr val="000000"/>
+              </a:solidFill>
+              <a:effectLst/>
+              <a:uFillTx/>
+              <a:latin typeface="Arial"/>
             </a:endParaRPr>
           </a:p>
         </p:txBody>
@@ -15817,13 +16279,13 @@
       <p:sp>
         <p:nvSpPr>
           <p:cNvPr id="173" name=""/>
-          <p:cNvSpPr txBox="1"/>
+          <p:cNvSpPr/>
           <p:nvPr/>
         </p:nvSpPr>
         <p:spPr>
           <a:xfrm>
             <a:off x="900000" y="2340000"/>
-            <a:ext cx="7380000" cy="1370160"/>
+            <a:ext cx="7379640" cy="1369800"/>
           </a:xfrm>
           <a:prstGeom prst="rect">
             <a:avLst/>
@@ -15833,11 +16295,22 @@
             <a:noFill/>
           </a:ln>
         </p:spPr>
+        <p:style>
+          <a:lnRef idx="0"/>
+          <a:fillRef idx="0"/>
+          <a:effectRef idx="0"/>
+          <a:fontRef idx="minor"/>
+        </p:style>
         <p:txBody>
           <a:bodyPr lIns="90000" rIns="90000" tIns="45000" bIns="45000" anchor="t">
             <a:spAutoFit/>
           </a:bodyPr>
           <a:p>
+            <a:pPr>
+              <a:lnSpc>
+                <a:spcPct val="100000"/>
+              </a:lnSpc>
+            </a:pPr>
             <a:r>
               <a:rPr b="0" lang="en-IN" sz="1800" strike="noStrike" u="none">
                 <a:solidFill>
@@ -15859,6 +16332,11 @@
             </a:endParaRPr>
           </a:p>
           <a:p>
+            <a:pPr>
+              <a:lnSpc>
+                <a:spcPct val="100000"/>
+              </a:lnSpc>
+            </a:pPr>
             <a:endParaRPr b="0" lang="en-IN" sz="1800" strike="noStrike" u="none">
               <a:solidFill>
                 <a:srgbClr val="000000"/>
@@ -15869,6 +16347,11 @@
             </a:endParaRPr>
           </a:p>
           <a:p>
+            <a:pPr>
+              <a:lnSpc>
+                <a:spcPct val="100000"/>
+              </a:lnSpc>
+            </a:pPr>
             <a:r>
               <a:rPr b="0" lang="en-IN" sz="1800" strike="noStrike" u="none">
                 <a:solidFill>

--- a/PPT FWD TNSDC 2025.pptx
+++ b/PPT FWD TNSDC 2025.pptx
@@ -375,7 +375,7 @@
             <a:pPr indent="0" algn="r">
               <a:buNone/>
             </a:pPr>
-            <a:fld id="{9D910B33-18EE-46FC-9AE4-CC8DC4754011}" type="slidenum">
+            <a:fld id="{DC9498AA-0A0E-4213-A579-1D53D596C62F}" type="slidenum">
               <a:rPr b="0" lang="en-IN" sz="1400" strike="noStrike" u="none">
                 <a:solidFill>
                   <a:srgbClr val="000000"/>
@@ -541,7 +541,7 @@
                 <a:tab algn="l" pos="0"/>
               </a:tabLst>
             </a:pPr>
-            <a:fld id="{A671C246-85A7-4E69-8210-27C377DCF483}" type="slidenum">
+            <a:fld id="{E654F92B-30E0-4B1A-934D-D374BB61CF1D}" type="slidenum">
               <a:rPr b="0" lang="en-IN" sz="1200" strike="noStrike" u="none">
                 <a:solidFill>
                   <a:srgbClr val="000000"/>
@@ -1632,7 +1632,7 @@
                 <a:tab algn="l" pos="0"/>
               </a:tabLst>
             </a:pPr>
-            <a:fld id="{267D6D09-A821-4822-A10A-2754D913859D}" type="slidenum">
+            <a:fld id="{12FD5FD7-7396-41DF-B1D9-8FDB6C1B4B6C}" type="slidenum">
               <a:rPr b="0" lang="en-US" sz="1100" spc="11" strike="noStrike" u="none">
                 <a:solidFill>
                   <a:srgbClr val="2d936b"/>
@@ -3271,7 +3271,7 @@
                 <a:tab algn="l" pos="0"/>
               </a:tabLst>
             </a:pPr>
-            <a:fld id="{09B46D21-9B69-4A53-B657-029DED0BE0FA}" type="slidenum">
+            <a:fld id="{B5C1D5DE-D0B3-4CBF-B81F-A22EA3973449}" type="slidenum">
               <a:rPr b="0" lang="en-US" sz="1100" spc="11" strike="noStrike" u="none">
                 <a:solidFill>
                   <a:srgbClr val="2d936b"/>
@@ -4910,7 +4910,7 @@
                 <a:tab algn="l" pos="0"/>
               </a:tabLst>
             </a:pPr>
-            <a:fld id="{C65B5433-5ADA-42BC-8EB4-10804056504E}" type="slidenum">
+            <a:fld id="{57C45C8E-3100-4D58-80FF-9B0B0EC4AA0F}" type="slidenum">
               <a:rPr b="0" lang="en-US" sz="1100" spc="11" strike="noStrike" u="none">
                 <a:solidFill>
                   <a:srgbClr val="2d936b"/>
@@ -6001,7 +6001,7 @@
                 <a:tab algn="l" pos="0"/>
               </a:tabLst>
             </a:pPr>
-            <a:fld id="{3F97000A-E671-4DCE-8615-119E119D2FFC}" type="slidenum">
+            <a:fld id="{E94ECB97-F0E4-4845-B071-6EF775C121BA}" type="slidenum">
               <a:rPr b="0" lang="en-US" sz="1100" spc="11" strike="noStrike" u="none">
                 <a:solidFill>
                   <a:srgbClr val="2d936b"/>
@@ -7307,7 +7307,7 @@
                 <a:tab algn="l" pos="0"/>
               </a:tabLst>
             </a:pPr>
-            <a:fld id="{27481915-E2E2-4EAB-89F3-3A6524E887DE}" type="slidenum">
+            <a:fld id="{F13F601A-B2D7-46D7-B8E3-DF40E05F755F}" type="slidenum">
               <a:rPr b="0" lang="en-US" sz="1100" spc="11" strike="noStrike" u="none">
                 <a:solidFill>
                   <a:srgbClr val="2d936b"/>
@@ -7879,7 +7879,7 @@
                 <a:tab algn="l" pos="0"/>
               </a:tabLst>
             </a:pPr>
-            <a:fld id="{B86AD85A-F3BE-4768-A920-DA4AE136A36E}" type="slidenum">
+            <a:fld id="{EE7A6CEA-86F9-4434-ACD7-AB6EB6C98FCA}" type="slidenum">
               <a:rPr b="0" lang="en-US" sz="1100" spc="11" strike="noStrike" u="none">
                 <a:solidFill>
                   <a:srgbClr val="2d936b"/>
@@ -8962,7 +8962,7 @@
                 <a:spcPts val="54"/>
               </a:spcBef>
             </a:pPr>
-            <a:fld id="{10134910-20D5-475B-AE94-98769B896769}" type="slidenum">
+            <a:fld id="{A4A691CF-AC22-4C05-99B4-EC40BDF4FFA9}" type="slidenum">
               <a:rPr b="0" lang="en-US" sz="1100" spc="11" strike="noStrike" u="none">
                 <a:solidFill>
                   <a:srgbClr val="2d936b"/>
@@ -9454,7 +9454,7 @@
                 <a:spcPts val="54"/>
               </a:spcBef>
             </a:pPr>
-            <a:fld id="{978B4D64-FF24-4C37-9BF7-935D0203A8B4}" type="slidenum">
+            <a:fld id="{DEC23C3E-6CD2-4566-81E0-E39BC373A605}" type="slidenum">
               <a:rPr b="0" lang="en-US" sz="1100" spc="11" strike="noStrike" u="none">
                 <a:solidFill>
                   <a:srgbClr val="2d936b"/>
@@ -10914,7 +10914,7 @@
                 <a:tab algn="l" pos="0"/>
               </a:tabLst>
             </a:pPr>
-            <a:fld id="{A5706F5C-339D-4771-BC99-1E6363A26B64}" type="slidenum">
+            <a:fld id="{6E90355B-7D36-4761-8B29-4C5024C7D7D3}" type="slidenum">
               <a:rPr b="0" lang="en-US" sz="1100" spc="11" strike="noStrike" u="none">
                 <a:solidFill>
                   <a:srgbClr val="2d936b"/>
@@ -12606,7 +12606,7 @@
                 <a:tab algn="l" pos="0"/>
               </a:tabLst>
             </a:pPr>
-            <a:fld id="{E8CAE86B-E46C-4F9F-8A87-5A967F38CC9F}" type="slidenum">
+            <a:fld id="{88C97349-5977-40C1-B4C5-F9D30E2F0CDD}" type="slidenum">
               <a:rPr b="0" lang="en-US" sz="1100" spc="11" strike="noStrike" u="none">
                 <a:solidFill>
                   <a:srgbClr val="2d936b"/>
@@ -13548,7 +13548,7 @@
                 <a:tab algn="l" pos="0"/>
               </a:tabLst>
             </a:pPr>
-            <a:fld id="{47E57DF7-CA01-40F6-9FE1-4C694223FEAB}" type="slidenum">
+            <a:fld id="{74D6ADC3-C829-4806-A3C3-A2463C8FC2F1}" type="slidenum">
               <a:rPr b="0" lang="en-US" sz="1100" spc="11" strike="noStrike" u="none">
                 <a:solidFill>
                   <a:srgbClr val="2d936b"/>
@@ -14138,7 +14138,7 @@
                 <a:tab algn="l" pos="0"/>
               </a:tabLst>
             </a:pPr>
-            <a:fld id="{670CAD2F-17CC-46DE-8302-FAF97C9B21CE}" type="slidenum">
+            <a:fld id="{F285FB3F-92F2-4131-88E7-2F863821F392}" type="slidenum">
               <a:rPr b="0" lang="en-US" sz="1100" spc="11" strike="noStrike" u="none">
                 <a:solidFill>
                   <a:srgbClr val="2d936b"/>
@@ -14835,7 +14835,7 @@
                 <a:tab algn="l" pos="0"/>
               </a:tabLst>
             </a:pPr>
-            <a:fld id="{E31390E8-3FA9-4103-86D9-171D5AAD4144}" type="slidenum">
+            <a:fld id="{BE90DA08-BDBE-4021-A99F-4079E1EA63E1}" type="slidenum">
               <a:rPr b="0" lang="en-US" sz="1100" spc="11" strike="noStrike" u="none">
                 <a:solidFill>
                   <a:srgbClr val="2d936b"/>
@@ -15347,7 +15347,7 @@
                 <a:tab algn="l" pos="0"/>
               </a:tabLst>
             </a:pPr>
-            <a:fld id="{6EA85479-86AE-46C1-95AC-C422AB7CC1E4}" type="slidenum">
+            <a:fld id="{F8DCC976-A727-4715-B30E-370A99FAE571}" type="slidenum">
               <a:rPr b="0" lang="en-US" sz="1100" spc="11" strike="noStrike" u="none">
                 <a:solidFill>
                   <a:srgbClr val="2d936b"/>
@@ -15775,7 +15775,7 @@
                 <a:spcPts val="54"/>
               </a:spcBef>
             </a:pPr>
-            <a:fld id="{03C67251-B902-42A0-BCC2-38B939E10F76}" type="slidenum">
+            <a:fld id="{B9533BFC-C030-41E8-A303-2A853F0F7C36}" type="slidenum">
               <a:rPr b="0" lang="en-US" sz="1100" spc="11" strike="noStrike" u="none">
                 <a:solidFill>
                   <a:srgbClr val="2d936b"/>
